--- a/el project.pptx
+++ b/el project.pptx
@@ -14,6 +14,8 @@
     <p:sldId id="263" r:id="rId8"/>
     <p:sldId id="264" r:id="rId9"/>
     <p:sldId id="265" r:id="rId10"/>
+    <p:sldId id="266" r:id="rId11"/>
+    <p:sldId id="267" r:id="rId12"/>
   </p:sldIdLst>
   <p:sldSz cx="12192000" cy="6858000"/>
   <p:notesSz cx="6858000" cy="9144000"/>
@@ -130,6 +132,8 @@
             <p14:sldId id="263"/>
             <p14:sldId id="264"/>
             <p14:sldId id="265"/>
+            <p14:sldId id="266"/>
+            <p14:sldId id="267"/>
           </p14:sldIdLst>
         </p14:section>
       </p14:sectionLst>
@@ -1619,6 +1623,13 @@
         </dgm:presLayoutVars>
       </dgm:prSet>
       <dgm:spPr/>
+      <dgm:t>
+        <a:bodyPr/>
+        <a:lstStyle/>
+        <a:p>
+          <a:endParaRPr lang="en-US"/>
+        </a:p>
+      </dgm:t>
     </dgm:pt>
     <dgm:pt modelId="{8BEB2A00-FD98-4354-8DAA-82951EC123F7}" type="pres">
       <dgm:prSet presAssocID="{549B75C9-53A6-45E7-974C-52CE398CFB19}" presName="parentText" presStyleLbl="node1" presStyleIdx="0" presStyleCnt="6">
@@ -1628,6 +1639,13 @@
         </dgm:presLayoutVars>
       </dgm:prSet>
       <dgm:spPr/>
+      <dgm:t>
+        <a:bodyPr/>
+        <a:lstStyle/>
+        <a:p>
+          <a:endParaRPr lang="en-US"/>
+        </a:p>
+      </dgm:t>
     </dgm:pt>
     <dgm:pt modelId="{58FD32B3-0254-4722-99BF-1DB5B1D2D008}" type="pres">
       <dgm:prSet presAssocID="{8C336ABA-4331-437B-96EF-31F8DCF635CB}" presName="spacer" presStyleCnt="0"/>
@@ -1641,6 +1659,13 @@
         </dgm:presLayoutVars>
       </dgm:prSet>
       <dgm:spPr/>
+      <dgm:t>
+        <a:bodyPr/>
+        <a:lstStyle/>
+        <a:p>
+          <a:endParaRPr lang="en-US"/>
+        </a:p>
+      </dgm:t>
     </dgm:pt>
     <dgm:pt modelId="{569C8E1F-F23D-4672-BD9E-4DB7C6C148B1}" type="pres">
       <dgm:prSet presAssocID="{9342ADA5-8A7B-41D1-94B0-243EB2DCAE96}" presName="childText" presStyleLbl="revTx" presStyleIdx="0" presStyleCnt="4">
@@ -1649,6 +1674,13 @@
         </dgm:presLayoutVars>
       </dgm:prSet>
       <dgm:spPr/>
+      <dgm:t>
+        <a:bodyPr/>
+        <a:lstStyle/>
+        <a:p>
+          <a:endParaRPr lang="en-US"/>
+        </a:p>
+      </dgm:t>
     </dgm:pt>
     <dgm:pt modelId="{8C585FD7-E806-48FF-B83E-1EEBAB0AB40F}" type="pres">
       <dgm:prSet presAssocID="{E9EE4146-7D90-4215-8FC4-40655910E446}" presName="parentText" presStyleLbl="node1" presStyleIdx="2" presStyleCnt="6">
@@ -1658,6 +1690,13 @@
         </dgm:presLayoutVars>
       </dgm:prSet>
       <dgm:spPr/>
+      <dgm:t>
+        <a:bodyPr/>
+        <a:lstStyle/>
+        <a:p>
+          <a:endParaRPr lang="en-US"/>
+        </a:p>
+      </dgm:t>
     </dgm:pt>
     <dgm:pt modelId="{B10E6B83-44AD-4AF0-A750-4556316D8185}" type="pres">
       <dgm:prSet presAssocID="{E9EE4146-7D90-4215-8FC4-40655910E446}" presName="childText" presStyleLbl="revTx" presStyleIdx="1" presStyleCnt="4">
@@ -1666,6 +1705,13 @@
         </dgm:presLayoutVars>
       </dgm:prSet>
       <dgm:spPr/>
+      <dgm:t>
+        <a:bodyPr/>
+        <a:lstStyle/>
+        <a:p>
+          <a:endParaRPr lang="en-US"/>
+        </a:p>
+      </dgm:t>
     </dgm:pt>
     <dgm:pt modelId="{D36F94E7-10CD-4898-B980-6DFB7006EF04}" type="pres">
       <dgm:prSet presAssocID="{C15B225E-39D9-4A68-9BE1-DC95E9BCD2C5}" presName="parentText" presStyleLbl="node1" presStyleIdx="3" presStyleCnt="6">
@@ -1675,6 +1721,13 @@
         </dgm:presLayoutVars>
       </dgm:prSet>
       <dgm:spPr/>
+      <dgm:t>
+        <a:bodyPr/>
+        <a:lstStyle/>
+        <a:p>
+          <a:endParaRPr lang="en-US"/>
+        </a:p>
+      </dgm:t>
     </dgm:pt>
     <dgm:pt modelId="{5487389C-EB9C-4476-A0EC-7EB4A8FE0485}" type="pres">
       <dgm:prSet presAssocID="{72F46982-136F-4DF0-B577-1E38D261A42D}" presName="spacer" presStyleCnt="0"/>
@@ -1688,6 +1741,13 @@
         </dgm:presLayoutVars>
       </dgm:prSet>
       <dgm:spPr/>
+      <dgm:t>
+        <a:bodyPr/>
+        <a:lstStyle/>
+        <a:p>
+          <a:endParaRPr lang="en-US"/>
+        </a:p>
+      </dgm:t>
     </dgm:pt>
     <dgm:pt modelId="{3BC56E0B-086A-4BB6-9D2A-ECA2C04843A7}" type="pres">
       <dgm:prSet presAssocID="{117BF4B3-6B7A-417A-9C10-083AEE9616A1}" presName="childText" presStyleLbl="revTx" presStyleIdx="2" presStyleCnt="4">
@@ -1696,6 +1756,13 @@
         </dgm:presLayoutVars>
       </dgm:prSet>
       <dgm:spPr/>
+      <dgm:t>
+        <a:bodyPr/>
+        <a:lstStyle/>
+        <a:p>
+          <a:endParaRPr lang="en-US"/>
+        </a:p>
+      </dgm:t>
     </dgm:pt>
     <dgm:pt modelId="{59F117F1-0952-46D8-80F3-49DA1824E556}" type="pres">
       <dgm:prSet presAssocID="{71AF1CB9-4B57-44F5-BB7C-BF6055C24D2E}" presName="parentText" presStyleLbl="node1" presStyleIdx="5" presStyleCnt="6">
@@ -1705,6 +1772,13 @@
         </dgm:presLayoutVars>
       </dgm:prSet>
       <dgm:spPr/>
+      <dgm:t>
+        <a:bodyPr/>
+        <a:lstStyle/>
+        <a:p>
+          <a:endParaRPr lang="en-US"/>
+        </a:p>
+      </dgm:t>
     </dgm:pt>
     <dgm:pt modelId="{8F973AD2-A175-4416-867F-04A774CDBE0C}" type="pres">
       <dgm:prSet presAssocID="{71AF1CB9-4B57-44F5-BB7C-BF6055C24D2E}" presName="childText" presStyleLbl="revTx" presStyleIdx="3" presStyleCnt="4">
@@ -1713,46 +1787,53 @@
         </dgm:presLayoutVars>
       </dgm:prSet>
       <dgm:spPr/>
+      <dgm:t>
+        <a:bodyPr/>
+        <a:lstStyle/>
+        <a:p>
+          <a:endParaRPr lang="en-US"/>
+        </a:p>
+      </dgm:t>
     </dgm:pt>
   </dgm:ptLst>
   <dgm:cxnLst>
-    <dgm:cxn modelId="{DED31203-925C-4B8C-A9CB-748398FE089A}" type="presOf" srcId="{EB6A0DA1-0599-4DB6-AE9A-1CAFE9F3D656}" destId="{B10E6B83-44AD-4AF0-A750-4556316D8185}" srcOrd="0" destOrd="2" presId="urn:microsoft.com/office/officeart/2005/8/layout/vList2"/>
-    <dgm:cxn modelId="{4724B805-18D9-4BAB-991B-A8771D789799}" type="presOf" srcId="{9FE015E1-7EE4-4A50-A54C-2BD879CE9D6B}" destId="{8F973AD2-A175-4416-867F-04A774CDBE0C}" srcOrd="0" destOrd="1" presId="urn:microsoft.com/office/officeart/2005/8/layout/vList2"/>
-    <dgm:cxn modelId="{F8BF0A07-E4E1-45F4-A903-D540F4CDFD6E}" type="presOf" srcId="{980F00AB-8834-4A0E-82BD-4F0855A42AB5}" destId="{8F973AD2-A175-4416-867F-04A774CDBE0C}" srcOrd="0" destOrd="0" presId="urn:microsoft.com/office/officeart/2005/8/layout/vList2"/>
-    <dgm:cxn modelId="{F405EF11-C7AE-4D88-ACEF-CE706DE735D5}" type="presOf" srcId="{9342ADA5-8A7B-41D1-94B0-243EB2DCAE96}" destId="{3509AE8C-DB38-4758-9779-253DD5ED381E}" srcOrd="0" destOrd="0" presId="urn:microsoft.com/office/officeart/2005/8/layout/vList2"/>
-    <dgm:cxn modelId="{0740AC23-0485-4972-B264-B1DAE2CC5627}" srcId="{0239F71F-21DF-48E7-B76D-234F7EA506F6}" destId="{549B75C9-53A6-45E7-974C-52CE398CFB19}" srcOrd="0" destOrd="0" parTransId="{E40D711D-2953-4C91-B540-C14AB5582467}" sibTransId="{8C336ABA-4331-437B-96EF-31F8DCF635CB}"/>
-    <dgm:cxn modelId="{B1740C35-0E01-4EC3-9328-CD563247DAAF}" srcId="{E9EE4146-7D90-4215-8FC4-40655910E446}" destId="{EB6A0DA1-0599-4DB6-AE9A-1CAFE9F3D656}" srcOrd="2" destOrd="0" parTransId="{8E736680-12FB-4FCC-8C0C-9480CE3E9E6A}" sibTransId="{B813221F-5331-46DF-A0D3-5D08665691C2}"/>
-    <dgm:cxn modelId="{AF894B36-02DB-464C-9C26-FEA62134A2FE}" srcId="{71AF1CB9-4B57-44F5-BB7C-BF6055C24D2E}" destId="{9FE015E1-7EE4-4A50-A54C-2BD879CE9D6B}" srcOrd="1" destOrd="0" parTransId="{3CCAF153-5F81-4047-81AD-8F5E266AA5AC}" sibTransId="{A4FBEC9F-F0DB-43CF-A1A3-EC7A56EF7844}"/>
-    <dgm:cxn modelId="{C4463641-F387-4AD4-9B02-B9A0D8A284A8}" srcId="{117BF4B3-6B7A-417A-9C10-083AEE9616A1}" destId="{CA860964-DB1F-4C91-8770-803BF588186B}" srcOrd="0" destOrd="0" parTransId="{99C4FAD0-B620-416B-86E7-81E4374A11D2}" sibTransId="{361DEAAE-7B22-46FE-9DEE-A803D76211FF}"/>
-    <dgm:cxn modelId="{22DEF467-E10D-4CB0-B7E0-A2DA52549005}" type="presOf" srcId="{549B75C9-53A6-45E7-974C-52CE398CFB19}" destId="{8BEB2A00-FD98-4354-8DAA-82951EC123F7}" srcOrd="0" destOrd="0" presId="urn:microsoft.com/office/officeart/2005/8/layout/vList2"/>
-    <dgm:cxn modelId="{EA63095A-358A-4FEE-87C2-124870E18DA0}" srcId="{0239F71F-21DF-48E7-B76D-234F7EA506F6}" destId="{E9EE4146-7D90-4215-8FC4-40655910E446}" srcOrd="2" destOrd="0" parTransId="{8E7E99FB-5D69-42FA-96F1-8989BE01B0EE}" sibTransId="{6F5043EF-F64E-46A1-8F20-494726634046}"/>
-    <dgm:cxn modelId="{5C6C8E7B-D478-4A28-925D-8A081EF47D92}" type="presOf" srcId="{0239F71F-21DF-48E7-B76D-234F7EA506F6}" destId="{898E4058-F0BB-43AE-B66C-1F2E36CB475C}" srcOrd="0" destOrd="0" presId="urn:microsoft.com/office/officeart/2005/8/layout/vList2"/>
-    <dgm:cxn modelId="{05F7CF7D-B46A-4AA5-886A-A785E36EFC5A}" type="presOf" srcId="{8E4EE7E3-9A2D-4892-86F8-C6396AFB9ABF}" destId="{3BC56E0B-086A-4BB6-9D2A-ECA2C04843A7}" srcOrd="0" destOrd="1" presId="urn:microsoft.com/office/officeart/2005/8/layout/vList2"/>
-    <dgm:cxn modelId="{1ECC8F80-9978-49BF-803A-7CB3F9BC4B9B}" srcId="{71AF1CB9-4B57-44F5-BB7C-BF6055C24D2E}" destId="{45EC2406-ABED-41F9-93EF-8148D8963408}" srcOrd="2" destOrd="0" parTransId="{326F8F99-28B1-41CC-B069-F4674F4D5E38}" sibTransId="{F501A87D-CBED-41B1-A91A-86858BAA8F01}"/>
-    <dgm:cxn modelId="{042C1A84-60AB-486E-852F-1E0861D26A8A}" type="presOf" srcId="{E9E57DD5-14B5-4B2F-A976-AAF24C8B783A}" destId="{B10E6B83-44AD-4AF0-A750-4556316D8185}" srcOrd="0" destOrd="1" presId="urn:microsoft.com/office/officeart/2005/8/layout/vList2"/>
-    <dgm:cxn modelId="{44D2BC92-F0D8-4637-9E9B-A5F3FC36B607}" srcId="{0239F71F-21DF-48E7-B76D-234F7EA506F6}" destId="{C15B225E-39D9-4A68-9BE1-DC95E9BCD2C5}" srcOrd="3" destOrd="0" parTransId="{373D7CE8-AE6F-48BE-A6E0-2465A3B0BEE4}" sibTransId="{72F46982-136F-4DF0-B577-1E38D261A42D}"/>
-    <dgm:cxn modelId="{4398B396-8435-4F71-A6CD-013C4CD7004A}" srcId="{E9EE4146-7D90-4215-8FC4-40655910E446}" destId="{E9E57DD5-14B5-4B2F-A976-AAF24C8B783A}" srcOrd="1" destOrd="0" parTransId="{97D47ABE-D0B7-4D49-987F-3F41067AF776}" sibTransId="{81B6FB8B-89DA-46EB-87C9-BBE40A9B4D04}"/>
-    <dgm:cxn modelId="{58C51B98-C1D1-4FC4-ABA7-149016DB858F}" srcId="{0239F71F-21DF-48E7-B76D-234F7EA506F6}" destId="{9342ADA5-8A7B-41D1-94B0-243EB2DCAE96}" srcOrd="1" destOrd="0" parTransId="{4592430A-6168-45D7-9629-D0337B20B099}" sibTransId="{A02C495C-1C37-47E4-87F4-FBA427D8F12B}"/>
-    <dgm:cxn modelId="{A2348199-FB3A-400A-B4D1-CAADEA34D637}" type="presOf" srcId="{E9EE4146-7D90-4215-8FC4-40655910E446}" destId="{8C585FD7-E806-48FF-B83E-1EEBAB0AB40F}" srcOrd="0" destOrd="0" presId="urn:microsoft.com/office/officeart/2005/8/layout/vList2"/>
-    <dgm:cxn modelId="{6644DE9E-060A-4099-8FDE-FB4D252C500A}" srcId="{0239F71F-21DF-48E7-B76D-234F7EA506F6}" destId="{71AF1CB9-4B57-44F5-BB7C-BF6055C24D2E}" srcOrd="5" destOrd="0" parTransId="{DBAB1929-B74C-4D58-BFEF-072605AC83EB}" sibTransId="{57837E3F-DF02-4F4C-9A8D-0B50FA912399}"/>
-    <dgm:cxn modelId="{B2FEC69F-9777-442C-9904-D1778B8314E1}" srcId="{9342ADA5-8A7B-41D1-94B0-243EB2DCAE96}" destId="{C5C32F23-5C6D-4A3D-ACC2-6A53435B43D4}" srcOrd="0" destOrd="0" parTransId="{D2510573-5835-4DE6-97CA-C028F7EDDF43}" sibTransId="{FC16429A-FD36-4B81-92B1-25C7C143687C}"/>
-    <dgm:cxn modelId="{4C48AAA1-AD08-4129-9EFB-57DA615C569C}" type="presOf" srcId="{71AF1CB9-4B57-44F5-BB7C-BF6055C24D2E}" destId="{59F117F1-0952-46D8-80F3-49DA1824E556}" srcOrd="0" destOrd="0" presId="urn:microsoft.com/office/officeart/2005/8/layout/vList2"/>
-    <dgm:cxn modelId="{8BFF38A3-CB22-43A2-BA7B-B45AC39CBCE4}" type="presOf" srcId="{C15B225E-39D9-4A68-9BE1-DC95E9BCD2C5}" destId="{D36F94E7-10CD-4898-B980-6DFB7006EF04}" srcOrd="0" destOrd="0" presId="urn:microsoft.com/office/officeart/2005/8/layout/vList2"/>
-    <dgm:cxn modelId="{45CEB4AC-3457-44FE-A938-55C4DD39A960}" type="presOf" srcId="{1A925FE4-A52B-4E1E-8312-7079E672B834}" destId="{569C8E1F-F23D-4672-BD9E-4DB7C6C148B1}" srcOrd="0" destOrd="1" presId="urn:microsoft.com/office/officeart/2005/8/layout/vList2"/>
-    <dgm:cxn modelId="{2385DAB4-ECFF-48CA-ACC6-786876864580}" type="presOf" srcId="{CA860964-DB1F-4C91-8770-803BF588186B}" destId="{3BC56E0B-086A-4BB6-9D2A-ECA2C04843A7}" srcOrd="0" destOrd="0" presId="urn:microsoft.com/office/officeart/2005/8/layout/vList2"/>
-    <dgm:cxn modelId="{83FAA9BC-6AAF-4EBC-853F-9B0C56455FB5}" type="presOf" srcId="{CFF0ABEB-A088-4E91-9D5D-DA853AFB9534}" destId="{3BC56E0B-086A-4BB6-9D2A-ECA2C04843A7}" srcOrd="0" destOrd="2" presId="urn:microsoft.com/office/officeart/2005/8/layout/vList2"/>
-    <dgm:cxn modelId="{D5BFA2C2-7500-406C-AA30-30770010E478}" type="presOf" srcId="{45EC2406-ABED-41F9-93EF-8148D8963408}" destId="{8F973AD2-A175-4416-867F-04A774CDBE0C}" srcOrd="0" destOrd="2" presId="urn:microsoft.com/office/officeart/2005/8/layout/vList2"/>
-    <dgm:cxn modelId="{1F21CCC4-5511-46A5-8F45-BB60604BA4CE}" srcId="{117BF4B3-6B7A-417A-9C10-083AEE9616A1}" destId="{CFF0ABEB-A088-4E91-9D5D-DA853AFB9534}" srcOrd="2" destOrd="0" parTransId="{35AE70FF-D772-4F48-81F7-A8934A4F2943}" sibTransId="{6C6D00B1-3A8A-46EC-9DFD-0F4A8CACA58C}"/>
-    <dgm:cxn modelId="{0E00AED0-A00E-4D23-BF20-23180F91A2F7}" srcId="{117BF4B3-6B7A-417A-9C10-083AEE9616A1}" destId="{8E4EE7E3-9A2D-4892-86F8-C6396AFB9ABF}" srcOrd="1" destOrd="0" parTransId="{451AE062-B40D-4A06-B58E-D8B3258EE30B}" sibTransId="{43408074-644F-436A-9AF7-15019C7BBB2D}"/>
-    <dgm:cxn modelId="{1730EAD0-2368-4ABD-A769-5F9B070338E7}" srcId="{9342ADA5-8A7B-41D1-94B0-243EB2DCAE96}" destId="{F29D5036-06E6-41A3-8FAA-A93EFF23B69E}" srcOrd="2" destOrd="0" parTransId="{9CB16A3F-EB38-44DB-B776-EEB04BC27D7B}" sibTransId="{83424D97-533B-4BDB-8891-3B149C1ACF40}"/>
-    <dgm:cxn modelId="{08AED4D1-75AE-4F29-83B4-A50911EC8077}" srcId="{E9EE4146-7D90-4215-8FC4-40655910E446}" destId="{6F8071BD-1A5B-433F-B4D1-507B771E3952}" srcOrd="0" destOrd="0" parTransId="{9698F443-0126-4A4A-A399-198DB5F496C0}" sibTransId="{BC3E97DB-5FF2-47E5-8385-CFDD66E82438}"/>
-    <dgm:cxn modelId="{F80798DF-9D28-45D1-BDE3-0C6FA5F74261}" srcId="{71AF1CB9-4B57-44F5-BB7C-BF6055C24D2E}" destId="{980F00AB-8834-4A0E-82BD-4F0855A42AB5}" srcOrd="0" destOrd="0" parTransId="{6B9B3FAF-1C35-421B-9E43-AA283F8EBE1E}" sibTransId="{0BA34D9C-BB83-46FB-B65F-CDA7E32A804E}"/>
     <dgm:cxn modelId="{3D6ABDE5-214E-4532-823F-DD3C218DE78E}" type="presOf" srcId="{117BF4B3-6B7A-417A-9C10-083AEE9616A1}" destId="{77F14AAE-FE3D-4299-BC4B-5B56173D26C1}" srcOrd="0" destOrd="0" presId="urn:microsoft.com/office/officeart/2005/8/layout/vList2"/>
     <dgm:cxn modelId="{AEAA8DE9-70F9-455B-B173-BB92B6E83481}" type="presOf" srcId="{6F8071BD-1A5B-433F-B4D1-507B771E3952}" destId="{B10E6B83-44AD-4AF0-A750-4556316D8185}" srcOrd="0" destOrd="0" presId="urn:microsoft.com/office/officeart/2005/8/layout/vList2"/>
+    <dgm:cxn modelId="{1F21CCC4-5511-46A5-8F45-BB60604BA4CE}" srcId="{117BF4B3-6B7A-417A-9C10-083AEE9616A1}" destId="{CFF0ABEB-A088-4E91-9D5D-DA853AFB9534}" srcOrd="2" destOrd="0" parTransId="{35AE70FF-D772-4F48-81F7-A8934A4F2943}" sibTransId="{6C6D00B1-3A8A-46EC-9DFD-0F4A8CACA58C}"/>
+    <dgm:cxn modelId="{4724B805-18D9-4BAB-991B-A8771D789799}" type="presOf" srcId="{9FE015E1-7EE4-4A50-A54C-2BD879CE9D6B}" destId="{8F973AD2-A175-4416-867F-04A774CDBE0C}" srcOrd="0" destOrd="1" presId="urn:microsoft.com/office/officeart/2005/8/layout/vList2"/>
+    <dgm:cxn modelId="{EA63095A-358A-4FEE-87C2-124870E18DA0}" srcId="{0239F71F-21DF-48E7-B76D-234F7EA506F6}" destId="{E9EE4146-7D90-4215-8FC4-40655910E446}" srcOrd="2" destOrd="0" parTransId="{8E7E99FB-5D69-42FA-96F1-8989BE01B0EE}" sibTransId="{6F5043EF-F64E-46A1-8F20-494726634046}"/>
+    <dgm:cxn modelId="{F80798DF-9D28-45D1-BDE3-0C6FA5F74261}" srcId="{71AF1CB9-4B57-44F5-BB7C-BF6055C24D2E}" destId="{980F00AB-8834-4A0E-82BD-4F0855A42AB5}" srcOrd="0" destOrd="0" parTransId="{6B9B3FAF-1C35-421B-9E43-AA283F8EBE1E}" sibTransId="{0BA34D9C-BB83-46FB-B65F-CDA7E32A804E}"/>
+    <dgm:cxn modelId="{0740AC23-0485-4972-B264-B1DAE2CC5627}" srcId="{0239F71F-21DF-48E7-B76D-234F7EA506F6}" destId="{549B75C9-53A6-45E7-974C-52CE398CFB19}" srcOrd="0" destOrd="0" parTransId="{E40D711D-2953-4C91-B540-C14AB5582467}" sibTransId="{8C336ABA-4331-437B-96EF-31F8DCF635CB}"/>
+    <dgm:cxn modelId="{2BD6DEFB-1281-4482-8DCB-8693F4EA40B2}" type="presOf" srcId="{C5C32F23-5C6D-4A3D-ACC2-6A53435B43D4}" destId="{569C8E1F-F23D-4672-BD9E-4DB7C6C148B1}" srcOrd="0" destOrd="0" presId="urn:microsoft.com/office/officeart/2005/8/layout/vList2"/>
+    <dgm:cxn modelId="{DED31203-925C-4B8C-A9CB-748398FE089A}" type="presOf" srcId="{EB6A0DA1-0599-4DB6-AE9A-1CAFE9F3D656}" destId="{B10E6B83-44AD-4AF0-A750-4556316D8185}" srcOrd="0" destOrd="2" presId="urn:microsoft.com/office/officeart/2005/8/layout/vList2"/>
+    <dgm:cxn modelId="{08AED4D1-75AE-4F29-83B4-A50911EC8077}" srcId="{E9EE4146-7D90-4215-8FC4-40655910E446}" destId="{6F8071BD-1A5B-433F-B4D1-507B771E3952}" srcOrd="0" destOrd="0" parTransId="{9698F443-0126-4A4A-A399-198DB5F496C0}" sibTransId="{BC3E97DB-5FF2-47E5-8385-CFDD66E82438}"/>
     <dgm:cxn modelId="{CBF9EDED-AE42-4DBA-971B-872824974BAB}" srcId="{0239F71F-21DF-48E7-B76D-234F7EA506F6}" destId="{117BF4B3-6B7A-417A-9C10-083AEE9616A1}" srcOrd="4" destOrd="0" parTransId="{A6F51BA3-E463-448C-B927-3D3BEA48FCF5}" sibTransId="{EE8F9327-002E-4F93-89F8-13771DF5053D}"/>
-    <dgm:cxn modelId="{2BD6DEFB-1281-4482-8DCB-8693F4EA40B2}" type="presOf" srcId="{C5C32F23-5C6D-4A3D-ACC2-6A53435B43D4}" destId="{569C8E1F-F23D-4672-BD9E-4DB7C6C148B1}" srcOrd="0" destOrd="0" presId="urn:microsoft.com/office/officeart/2005/8/layout/vList2"/>
+    <dgm:cxn modelId="{B2FEC69F-9777-442C-9904-D1778B8314E1}" srcId="{9342ADA5-8A7B-41D1-94B0-243EB2DCAE96}" destId="{C5C32F23-5C6D-4A3D-ACC2-6A53435B43D4}" srcOrd="0" destOrd="0" parTransId="{D2510573-5835-4DE6-97CA-C028F7EDDF43}" sibTransId="{FC16429A-FD36-4B81-92B1-25C7C143687C}"/>
     <dgm:cxn modelId="{55C8DDFE-11A3-4508-A130-DAA7C521D80C}" type="presOf" srcId="{F29D5036-06E6-41A3-8FAA-A93EFF23B69E}" destId="{569C8E1F-F23D-4672-BD9E-4DB7C6C148B1}" srcOrd="0" destOrd="2" presId="urn:microsoft.com/office/officeart/2005/8/layout/vList2"/>
+    <dgm:cxn modelId="{44D2BC92-F0D8-4637-9E9B-A5F3FC36B607}" srcId="{0239F71F-21DF-48E7-B76D-234F7EA506F6}" destId="{C15B225E-39D9-4A68-9BE1-DC95E9BCD2C5}" srcOrd="3" destOrd="0" parTransId="{373D7CE8-AE6F-48BE-A6E0-2465A3B0BEE4}" sibTransId="{72F46982-136F-4DF0-B577-1E38D261A42D}"/>
+    <dgm:cxn modelId="{4C48AAA1-AD08-4129-9EFB-57DA615C569C}" type="presOf" srcId="{71AF1CB9-4B57-44F5-BB7C-BF6055C24D2E}" destId="{59F117F1-0952-46D8-80F3-49DA1824E556}" srcOrd="0" destOrd="0" presId="urn:microsoft.com/office/officeart/2005/8/layout/vList2"/>
+    <dgm:cxn modelId="{22DEF467-E10D-4CB0-B7E0-A2DA52549005}" type="presOf" srcId="{549B75C9-53A6-45E7-974C-52CE398CFB19}" destId="{8BEB2A00-FD98-4354-8DAA-82951EC123F7}" srcOrd="0" destOrd="0" presId="urn:microsoft.com/office/officeart/2005/8/layout/vList2"/>
+    <dgm:cxn modelId="{5C6C8E7B-D478-4A28-925D-8A081EF47D92}" type="presOf" srcId="{0239F71F-21DF-48E7-B76D-234F7EA506F6}" destId="{898E4058-F0BB-43AE-B66C-1F2E36CB475C}" srcOrd="0" destOrd="0" presId="urn:microsoft.com/office/officeart/2005/8/layout/vList2"/>
+    <dgm:cxn modelId="{1730EAD0-2368-4ABD-A769-5F9B070338E7}" srcId="{9342ADA5-8A7B-41D1-94B0-243EB2DCAE96}" destId="{F29D5036-06E6-41A3-8FAA-A93EFF23B69E}" srcOrd="2" destOrd="0" parTransId="{9CB16A3F-EB38-44DB-B776-EEB04BC27D7B}" sibTransId="{83424D97-533B-4BDB-8891-3B149C1ACF40}"/>
+    <dgm:cxn modelId="{B1740C35-0E01-4EC3-9328-CD563247DAAF}" srcId="{E9EE4146-7D90-4215-8FC4-40655910E446}" destId="{EB6A0DA1-0599-4DB6-AE9A-1CAFE9F3D656}" srcOrd="2" destOrd="0" parTransId="{8E736680-12FB-4FCC-8C0C-9480CE3E9E6A}" sibTransId="{B813221F-5331-46DF-A0D3-5D08665691C2}"/>
+    <dgm:cxn modelId="{45CEB4AC-3457-44FE-A938-55C4DD39A960}" type="presOf" srcId="{1A925FE4-A52B-4E1E-8312-7079E672B834}" destId="{569C8E1F-F23D-4672-BD9E-4DB7C6C148B1}" srcOrd="0" destOrd="1" presId="urn:microsoft.com/office/officeart/2005/8/layout/vList2"/>
+    <dgm:cxn modelId="{F405EF11-C7AE-4D88-ACEF-CE706DE735D5}" type="presOf" srcId="{9342ADA5-8A7B-41D1-94B0-243EB2DCAE96}" destId="{3509AE8C-DB38-4758-9779-253DD5ED381E}" srcOrd="0" destOrd="0" presId="urn:microsoft.com/office/officeart/2005/8/layout/vList2"/>
+    <dgm:cxn modelId="{8BFF38A3-CB22-43A2-BA7B-B45AC39CBCE4}" type="presOf" srcId="{C15B225E-39D9-4A68-9BE1-DC95E9BCD2C5}" destId="{D36F94E7-10CD-4898-B980-6DFB7006EF04}" srcOrd="0" destOrd="0" presId="urn:microsoft.com/office/officeart/2005/8/layout/vList2"/>
+    <dgm:cxn modelId="{1ECC8F80-9978-49BF-803A-7CB3F9BC4B9B}" srcId="{71AF1CB9-4B57-44F5-BB7C-BF6055C24D2E}" destId="{45EC2406-ABED-41F9-93EF-8148D8963408}" srcOrd="2" destOrd="0" parTransId="{326F8F99-28B1-41CC-B069-F4674F4D5E38}" sibTransId="{F501A87D-CBED-41B1-A91A-86858BAA8F01}"/>
+    <dgm:cxn modelId="{83FAA9BC-6AAF-4EBC-853F-9B0C56455FB5}" type="presOf" srcId="{CFF0ABEB-A088-4E91-9D5D-DA853AFB9534}" destId="{3BC56E0B-086A-4BB6-9D2A-ECA2C04843A7}" srcOrd="0" destOrd="2" presId="urn:microsoft.com/office/officeart/2005/8/layout/vList2"/>
+    <dgm:cxn modelId="{05F7CF7D-B46A-4AA5-886A-A785E36EFC5A}" type="presOf" srcId="{8E4EE7E3-9A2D-4892-86F8-C6396AFB9ABF}" destId="{3BC56E0B-086A-4BB6-9D2A-ECA2C04843A7}" srcOrd="0" destOrd="1" presId="urn:microsoft.com/office/officeart/2005/8/layout/vList2"/>
+    <dgm:cxn modelId="{4398B396-8435-4F71-A6CD-013C4CD7004A}" srcId="{E9EE4146-7D90-4215-8FC4-40655910E446}" destId="{E9E57DD5-14B5-4B2F-A976-AAF24C8B783A}" srcOrd="1" destOrd="0" parTransId="{97D47ABE-D0B7-4D49-987F-3F41067AF776}" sibTransId="{81B6FB8B-89DA-46EB-87C9-BBE40A9B4D04}"/>
+    <dgm:cxn modelId="{C4463641-F387-4AD4-9B02-B9A0D8A284A8}" srcId="{117BF4B3-6B7A-417A-9C10-083AEE9616A1}" destId="{CA860964-DB1F-4C91-8770-803BF588186B}" srcOrd="0" destOrd="0" parTransId="{99C4FAD0-B620-416B-86E7-81E4374A11D2}" sibTransId="{361DEAAE-7B22-46FE-9DEE-A803D76211FF}"/>
+    <dgm:cxn modelId="{58C51B98-C1D1-4FC4-ABA7-149016DB858F}" srcId="{0239F71F-21DF-48E7-B76D-234F7EA506F6}" destId="{9342ADA5-8A7B-41D1-94B0-243EB2DCAE96}" srcOrd="1" destOrd="0" parTransId="{4592430A-6168-45D7-9629-D0337B20B099}" sibTransId="{A02C495C-1C37-47E4-87F4-FBA427D8F12B}"/>
+    <dgm:cxn modelId="{042C1A84-60AB-486E-852F-1E0861D26A8A}" type="presOf" srcId="{E9E57DD5-14B5-4B2F-A976-AAF24C8B783A}" destId="{B10E6B83-44AD-4AF0-A750-4556316D8185}" srcOrd="0" destOrd="1" presId="urn:microsoft.com/office/officeart/2005/8/layout/vList2"/>
+    <dgm:cxn modelId="{0E00AED0-A00E-4D23-BF20-23180F91A2F7}" srcId="{117BF4B3-6B7A-417A-9C10-083AEE9616A1}" destId="{8E4EE7E3-9A2D-4892-86F8-C6396AFB9ABF}" srcOrd="1" destOrd="0" parTransId="{451AE062-B40D-4A06-B58E-D8B3258EE30B}" sibTransId="{43408074-644F-436A-9AF7-15019C7BBB2D}"/>
     <dgm:cxn modelId="{8391B9FF-9591-437C-BE15-577D419A9E41}" srcId="{9342ADA5-8A7B-41D1-94B0-243EB2DCAE96}" destId="{1A925FE4-A52B-4E1E-8312-7079E672B834}" srcOrd="1" destOrd="0" parTransId="{79019B90-6AFF-495D-92BF-217560EC56C4}" sibTransId="{FD525ECD-82E1-4E48-98CB-6D7D13825837}"/>
+    <dgm:cxn modelId="{2385DAB4-ECFF-48CA-ACC6-786876864580}" type="presOf" srcId="{CA860964-DB1F-4C91-8770-803BF588186B}" destId="{3BC56E0B-086A-4BB6-9D2A-ECA2C04843A7}" srcOrd="0" destOrd="0" presId="urn:microsoft.com/office/officeart/2005/8/layout/vList2"/>
+    <dgm:cxn modelId="{A2348199-FB3A-400A-B4D1-CAADEA34D637}" type="presOf" srcId="{E9EE4146-7D90-4215-8FC4-40655910E446}" destId="{8C585FD7-E806-48FF-B83E-1EEBAB0AB40F}" srcOrd="0" destOrd="0" presId="urn:microsoft.com/office/officeart/2005/8/layout/vList2"/>
+    <dgm:cxn modelId="{F8BF0A07-E4E1-45F4-A903-D540F4CDFD6E}" type="presOf" srcId="{980F00AB-8834-4A0E-82BD-4F0855A42AB5}" destId="{8F973AD2-A175-4416-867F-04A774CDBE0C}" srcOrd="0" destOrd="0" presId="urn:microsoft.com/office/officeart/2005/8/layout/vList2"/>
+    <dgm:cxn modelId="{6644DE9E-060A-4099-8FDE-FB4D252C500A}" srcId="{0239F71F-21DF-48E7-B76D-234F7EA506F6}" destId="{71AF1CB9-4B57-44F5-BB7C-BF6055C24D2E}" srcOrd="5" destOrd="0" parTransId="{DBAB1929-B74C-4D58-BFEF-072605AC83EB}" sibTransId="{57837E3F-DF02-4F4C-9A8D-0B50FA912399}"/>
+    <dgm:cxn modelId="{D5BFA2C2-7500-406C-AA30-30770010E478}" type="presOf" srcId="{45EC2406-ABED-41F9-93EF-8148D8963408}" destId="{8F973AD2-A175-4416-867F-04A774CDBE0C}" srcOrd="0" destOrd="2" presId="urn:microsoft.com/office/officeart/2005/8/layout/vList2"/>
+    <dgm:cxn modelId="{AF894B36-02DB-464C-9C26-FEA62134A2FE}" srcId="{71AF1CB9-4B57-44F5-BB7C-BF6055C24D2E}" destId="{9FE015E1-7EE4-4A50-A54C-2BD879CE9D6B}" srcOrd="1" destOrd="0" parTransId="{3CCAF153-5F81-4047-81AD-8F5E266AA5AC}" sibTransId="{A4FBEC9F-F0DB-43CF-A1A3-EC7A56EF7844}"/>
     <dgm:cxn modelId="{1A8372A7-97CA-42F9-AFA5-BB1A772D1F5A}" type="presParOf" srcId="{898E4058-F0BB-43AE-B66C-1F2E36CB475C}" destId="{8BEB2A00-FD98-4354-8DAA-82951EC123F7}" srcOrd="0" destOrd="0" presId="urn:microsoft.com/office/officeart/2005/8/layout/vList2"/>
     <dgm:cxn modelId="{BE7E8CC4-B5FB-43CD-87B7-AC0EA91A95BD}" type="presParOf" srcId="{898E4058-F0BB-43AE-B66C-1F2E36CB475C}" destId="{58FD32B3-0254-4722-99BF-1DB5B1D2D008}" srcOrd="1" destOrd="0" presId="urn:microsoft.com/office/officeart/2005/8/layout/vList2"/>
     <dgm:cxn modelId="{79F1167D-1E7A-46B7-B9C2-80F06BC1B64C}" type="presParOf" srcId="{898E4058-F0BB-43AE-B66C-1F2E36CB475C}" destId="{3509AE8C-DB38-4758-9779-253DD5ED381E}" srcOrd="2" destOrd="0" presId="urn:microsoft.com/office/officeart/2005/8/layout/vList2"/>
@@ -1791,8 +1872,8 @@
       </dsp:nvSpPr>
       <dsp:spPr>
         <a:xfrm>
-          <a:off x="0" y="102103"/>
-          <a:ext cx="6115167" cy="407745"/>
+          <a:off x="0" y="12283"/>
+          <a:ext cx="6115167" cy="421200"/>
         </a:xfrm>
         <a:prstGeom prst="roundRect">
           <a:avLst/>
@@ -1834,12 +1915,12 @@
         </a:fontRef>
       </dsp:style>
       <dsp:txBody>
-        <a:bodyPr spcFirstLastPara="0" vert="horz" wrap="square" lIns="64770" tIns="64770" rIns="64770" bIns="64770" numCol="1" spcCol="1270" anchor="ctr" anchorCtr="0">
+        <a:bodyPr spcFirstLastPara="0" vert="horz" wrap="square" lIns="68580" tIns="68580" rIns="68580" bIns="68580" numCol="1" spcCol="1270" anchor="ctr" anchorCtr="0">
           <a:noAutofit/>
         </a:bodyPr>
         <a:lstStyle/>
         <a:p>
-          <a:pPr marL="0" lvl="0" indent="0" algn="l" defTabSz="755650">
+          <a:pPr lvl="0" algn="l" defTabSz="800100">
             <a:lnSpc>
               <a:spcPct val="90000"/>
             </a:lnSpc>
@@ -1849,18 +1930,17 @@
             <a:spcAft>
               <a:spcPct val="35000"/>
             </a:spcAft>
-            <a:buNone/>
           </a:pPr>
           <a:r>
-            <a:rPr lang="en-US" sz="1700" b="1" kern="1200" dirty="0"/>
+            <a:rPr lang="en-US" sz="1800" b="1" kern="1200" dirty="0"/>
             <a:t>2. Digital (Electronic) Meters</a:t>
           </a:r>
-          <a:endParaRPr lang="en-US" sz="1700" kern="1200" dirty="0"/>
+          <a:endParaRPr lang="en-US" sz="1800" kern="1200" dirty="0"/>
         </a:p>
       </dsp:txBody>
       <dsp:txXfrm>
-        <a:off x="19904" y="122007"/>
-        <a:ext cx="6075359" cy="367937"/>
+        <a:off x="20561" y="32844"/>
+        <a:ext cx="6074045" cy="380078"/>
       </dsp:txXfrm>
     </dsp:sp>
     <dsp:sp modelId="{3509AE8C-DB38-4758-9779-253DD5ED381E}">
@@ -1870,8 +1950,8 @@
       </dsp:nvSpPr>
       <dsp:spPr>
         <a:xfrm>
-          <a:off x="0" y="558808"/>
-          <a:ext cx="6115167" cy="407745"/>
+          <a:off x="0" y="485323"/>
+          <a:ext cx="6115167" cy="421200"/>
         </a:xfrm>
         <a:prstGeom prst="roundRect">
           <a:avLst/>
@@ -1913,12 +1993,12 @@
         </a:fontRef>
       </dsp:style>
       <dsp:txBody>
-        <a:bodyPr spcFirstLastPara="0" vert="horz" wrap="square" lIns="64770" tIns="64770" rIns="64770" bIns="64770" numCol="1" spcCol="1270" anchor="ctr" anchorCtr="0">
+        <a:bodyPr spcFirstLastPara="0" vert="horz" wrap="square" lIns="68580" tIns="68580" rIns="68580" bIns="68580" numCol="1" spcCol="1270" anchor="ctr" anchorCtr="0">
           <a:noAutofit/>
         </a:bodyPr>
         <a:lstStyle/>
         <a:p>
-          <a:pPr marL="0" lvl="0" indent="0" algn="l" defTabSz="755650">
+          <a:pPr lvl="0" algn="l" defTabSz="800100">
             <a:lnSpc>
               <a:spcPct val="90000"/>
             </a:lnSpc>
@@ -1928,18 +2008,17 @@
             <a:spcAft>
               <a:spcPct val="35000"/>
             </a:spcAft>
-            <a:buNone/>
           </a:pPr>
           <a:r>
-            <a:rPr lang="en-US" sz="1700" b="1" kern="1200"/>
+            <a:rPr lang="en-US" sz="1800" b="1" kern="1200"/>
             <a:t>*Advantages:</a:t>
           </a:r>
-          <a:endParaRPr lang="en-US" sz="1700" kern="1200"/>
+          <a:endParaRPr lang="en-US" sz="1800" kern="1200"/>
         </a:p>
       </dsp:txBody>
       <dsp:txXfrm>
-        <a:off x="19904" y="578712"/>
-        <a:ext cx="6075359" cy="367937"/>
+        <a:off x="20561" y="505884"/>
+        <a:ext cx="6074045" cy="380078"/>
       </dsp:txXfrm>
     </dsp:sp>
     <dsp:sp modelId="{569C8E1F-F23D-4672-BD9E-4DB7C6C148B1}">
@@ -1949,8 +2028,8 @@
       </dsp:nvSpPr>
       <dsp:spPr>
         <a:xfrm>
-          <a:off x="0" y="966553"/>
-          <a:ext cx="6115167" cy="844560"/>
+          <a:off x="0" y="906523"/>
+          <a:ext cx="6115167" cy="875610"/>
         </a:xfrm>
         <a:prstGeom prst="rect">
           <a:avLst/>
@@ -1974,12 +2053,12 @@
         <a:fontRef idx="minor"/>
       </dsp:style>
       <dsp:txBody>
-        <a:bodyPr spcFirstLastPara="0" vert="horz" wrap="square" lIns="194157" tIns="21590" rIns="120904" bIns="21590" numCol="1" spcCol="1270" anchor="t" anchorCtr="0">
+        <a:bodyPr spcFirstLastPara="0" vert="horz" wrap="square" lIns="194157" tIns="22860" rIns="128016" bIns="22860" numCol="1" spcCol="1270" anchor="t" anchorCtr="0">
           <a:noAutofit/>
         </a:bodyPr>
         <a:lstStyle/>
         <a:p>
-          <a:pPr marL="114300" lvl="1" indent="-114300" algn="l" defTabSz="577850">
+          <a:pPr marL="114300" lvl="1" indent="-114300" algn="l" defTabSz="622300">
             <a:lnSpc>
               <a:spcPct val="90000"/>
             </a:lnSpc>
@@ -1989,16 +2068,16 @@
             <a:spcAft>
               <a:spcPct val="20000"/>
             </a:spcAft>
-            <a:buChar char="•"/>
+            <a:buChar char="••"/>
           </a:pPr>
           <a:r>
-            <a:rPr lang="en-US" sz="1300" b="1" kern="1200"/>
+            <a:rPr lang="en-US" sz="1400" b="1" kern="1200"/>
             <a:t>-High accuracy in measurement.</a:t>
           </a:r>
-          <a:endParaRPr lang="en-US" sz="1300" kern="1200"/>
+          <a:endParaRPr lang="en-US" sz="1400" kern="1200"/>
         </a:p>
         <a:p>
-          <a:pPr marL="114300" lvl="1" indent="-114300" algn="l" defTabSz="577850">
+          <a:pPr marL="114300" lvl="1" indent="-114300" algn="l" defTabSz="622300">
             <a:lnSpc>
               <a:spcPct val="90000"/>
             </a:lnSpc>
@@ -2008,16 +2087,16 @@
             <a:spcAft>
               <a:spcPct val="20000"/>
             </a:spcAft>
-            <a:buChar char="•"/>
+            <a:buChar char="••"/>
           </a:pPr>
           <a:r>
-            <a:rPr lang="en-US" sz="1300" b="1" kern="1200"/>
+            <a:rPr lang="en-US" sz="1400" b="1" kern="1200"/>
             <a:t>-Easy-to-read digital display.</a:t>
           </a:r>
-          <a:endParaRPr lang="en-US" sz="1300" kern="1200"/>
+          <a:endParaRPr lang="en-US" sz="1400" kern="1200"/>
         </a:p>
         <a:p>
-          <a:pPr marL="114300" lvl="1" indent="-114300" algn="l" defTabSz="577850">
+          <a:pPr marL="114300" lvl="1" indent="-114300" algn="l" defTabSz="622300">
             <a:lnSpc>
               <a:spcPct val="90000"/>
             </a:lnSpc>
@@ -2027,18 +2106,18 @@
             <a:spcAft>
               <a:spcPct val="20000"/>
             </a:spcAft>
-            <a:buChar char="•"/>
+            <a:buChar char="••"/>
           </a:pPr>
           <a:r>
-            <a:rPr lang="en-US" sz="1300" b="1" kern="1200"/>
+            <a:rPr lang="en-US" sz="1400" b="1" kern="1200"/>
             <a:t>-Provides additional information, such as energy consumption over different time periods.</a:t>
           </a:r>
-          <a:endParaRPr lang="en-US" sz="1300" kern="1200"/>
+          <a:endParaRPr lang="en-US" sz="1400" kern="1200"/>
         </a:p>
       </dsp:txBody>
       <dsp:txXfrm>
-        <a:off x="0" y="966553"/>
-        <a:ext cx="6115167" cy="844560"/>
+        <a:off x="0" y="906523"/>
+        <a:ext cx="6115167" cy="875610"/>
       </dsp:txXfrm>
     </dsp:sp>
     <dsp:sp modelId="{8C585FD7-E806-48FF-B83E-1EEBAB0AB40F}">
@@ -2048,8 +2127,8 @@
       </dsp:nvSpPr>
       <dsp:spPr>
         <a:xfrm>
-          <a:off x="0" y="1811113"/>
-          <a:ext cx="6115167" cy="407745"/>
+          <a:off x="0" y="1782133"/>
+          <a:ext cx="6115167" cy="421200"/>
         </a:xfrm>
         <a:prstGeom prst="roundRect">
           <a:avLst/>
@@ -2091,12 +2170,12 @@
         </a:fontRef>
       </dsp:style>
       <dsp:txBody>
-        <a:bodyPr spcFirstLastPara="0" vert="horz" wrap="square" lIns="64770" tIns="64770" rIns="64770" bIns="64770" numCol="1" spcCol="1270" anchor="ctr" anchorCtr="0">
+        <a:bodyPr spcFirstLastPara="0" vert="horz" wrap="square" lIns="68580" tIns="68580" rIns="68580" bIns="68580" numCol="1" spcCol="1270" anchor="ctr" anchorCtr="0">
           <a:noAutofit/>
         </a:bodyPr>
         <a:lstStyle/>
         <a:p>
-          <a:pPr marL="0" lvl="0" indent="0" algn="l" defTabSz="755650">
+          <a:pPr lvl="0" algn="l" defTabSz="800100">
             <a:lnSpc>
               <a:spcPct val="90000"/>
             </a:lnSpc>
@@ -2106,18 +2185,17 @@
             <a:spcAft>
               <a:spcPct val="35000"/>
             </a:spcAft>
-            <a:buNone/>
           </a:pPr>
           <a:r>
-            <a:rPr lang="en-US" sz="1700" b="1" kern="1200"/>
+            <a:rPr lang="en-US" sz="1800" b="1" kern="1200"/>
             <a:t>*Disadvantages:</a:t>
           </a:r>
-          <a:endParaRPr lang="en-US" sz="1700" kern="1200"/>
+          <a:endParaRPr lang="en-US" sz="1800" kern="1200"/>
         </a:p>
       </dsp:txBody>
       <dsp:txXfrm>
-        <a:off x="19904" y="1831017"/>
-        <a:ext cx="6075359" cy="367937"/>
+        <a:off x="20561" y="1802694"/>
+        <a:ext cx="6074045" cy="380078"/>
       </dsp:txXfrm>
     </dsp:sp>
     <dsp:sp modelId="{B10E6B83-44AD-4AF0-A750-4556316D8185}">
@@ -2127,8 +2205,8 @@
       </dsp:nvSpPr>
       <dsp:spPr>
         <a:xfrm>
-          <a:off x="0" y="2218858"/>
-          <a:ext cx="6115167" cy="668609"/>
+          <a:off x="0" y="2203333"/>
+          <a:ext cx="6115167" cy="689310"/>
         </a:xfrm>
         <a:prstGeom prst="rect">
           <a:avLst/>
@@ -2152,12 +2230,12 @@
         <a:fontRef idx="minor"/>
       </dsp:style>
       <dsp:txBody>
-        <a:bodyPr spcFirstLastPara="0" vert="horz" wrap="square" lIns="194157" tIns="21590" rIns="120904" bIns="21590" numCol="1" spcCol="1270" anchor="t" anchorCtr="0">
+        <a:bodyPr spcFirstLastPara="0" vert="horz" wrap="square" lIns="194157" tIns="22860" rIns="128016" bIns="22860" numCol="1" spcCol="1270" anchor="t" anchorCtr="0">
           <a:noAutofit/>
         </a:bodyPr>
         <a:lstStyle/>
         <a:p>
-          <a:pPr marL="114300" lvl="1" indent="-114300" algn="l" defTabSz="577850">
+          <a:pPr marL="114300" lvl="1" indent="-114300" algn="l" defTabSz="622300">
             <a:lnSpc>
               <a:spcPct val="90000"/>
             </a:lnSpc>
@@ -2167,16 +2245,16 @@
             <a:spcAft>
               <a:spcPct val="20000"/>
             </a:spcAft>
-            <a:buChar char="•"/>
+            <a:buChar char="••"/>
           </a:pPr>
           <a:r>
-            <a:rPr lang="en-US" sz="1300" b="1" kern="1200"/>
+            <a:rPr lang="en-US" sz="1400" b="1" kern="1200"/>
             <a:t>-Higher cost than conventional meters.</a:t>
           </a:r>
-          <a:endParaRPr lang="en-US" sz="1300" kern="1200"/>
+          <a:endParaRPr lang="en-US" sz="1400" kern="1200"/>
         </a:p>
         <a:p>
-          <a:pPr marL="114300" lvl="1" indent="-114300" algn="l" defTabSz="577850">
+          <a:pPr marL="114300" lvl="1" indent="-114300" algn="l" defTabSz="622300">
             <a:lnSpc>
               <a:spcPct val="90000"/>
             </a:lnSpc>
@@ -2186,16 +2264,16 @@
             <a:spcAft>
               <a:spcPct val="20000"/>
             </a:spcAft>
-            <a:buChar char="•"/>
+            <a:buChar char="••"/>
           </a:pPr>
           <a:r>
-            <a:rPr lang="en-US" sz="1300" b="1" kern="1200"/>
+            <a:rPr lang="en-US" sz="1400" b="1" kern="1200"/>
             <a:t>-Dependent on a power source to operate (for the display).</a:t>
           </a:r>
-          <a:endParaRPr lang="en-US" sz="1300" kern="1200"/>
+          <a:endParaRPr lang="en-US" sz="1400" kern="1200"/>
         </a:p>
         <a:p>
-          <a:pPr marL="114300" lvl="1" indent="-114300" algn="l" defTabSz="577850">
+          <a:pPr marL="114300" lvl="1" indent="-114300" algn="l" defTabSz="622300">
             <a:lnSpc>
               <a:spcPct val="90000"/>
             </a:lnSpc>
@@ -2205,18 +2283,18 @@
             <a:spcAft>
               <a:spcPct val="20000"/>
             </a:spcAft>
-            <a:buChar char="•"/>
+            <a:buChar char="••"/>
           </a:pPr>
           <a:r>
-            <a:rPr lang="en-US" sz="1300" b="1" kern="1200"/>
+            <a:rPr lang="en-US" sz="1400" b="1" kern="1200"/>
             <a:t>-May be prone to electronic malfunctions.</a:t>
           </a:r>
-          <a:endParaRPr lang="en-US" sz="1300" kern="1200"/>
+          <a:endParaRPr lang="en-US" sz="1400" kern="1200"/>
         </a:p>
       </dsp:txBody>
       <dsp:txXfrm>
-        <a:off x="0" y="2218858"/>
-        <a:ext cx="6115167" cy="668609"/>
+        <a:off x="0" y="2203333"/>
+        <a:ext cx="6115167" cy="689310"/>
       </dsp:txXfrm>
     </dsp:sp>
     <dsp:sp modelId="{D36F94E7-10CD-4898-B980-6DFB7006EF04}">
@@ -2226,8 +2304,8 @@
       </dsp:nvSpPr>
       <dsp:spPr>
         <a:xfrm>
-          <a:off x="0" y="2887468"/>
-          <a:ext cx="6115167" cy="407745"/>
+          <a:off x="0" y="2892643"/>
+          <a:ext cx="6115167" cy="421200"/>
         </a:xfrm>
         <a:prstGeom prst="roundRect">
           <a:avLst/>
@@ -2269,12 +2347,12 @@
         </a:fontRef>
       </dsp:style>
       <dsp:txBody>
-        <a:bodyPr spcFirstLastPara="0" vert="horz" wrap="square" lIns="64770" tIns="64770" rIns="64770" bIns="64770" numCol="1" spcCol="1270" anchor="ctr" anchorCtr="0">
+        <a:bodyPr spcFirstLastPara="0" vert="horz" wrap="square" lIns="68580" tIns="68580" rIns="68580" bIns="68580" numCol="1" spcCol="1270" anchor="ctr" anchorCtr="0">
           <a:noAutofit/>
         </a:bodyPr>
         <a:lstStyle/>
         <a:p>
-          <a:pPr marL="0" lvl="0" indent="0" algn="l" defTabSz="755650">
+          <a:pPr lvl="0" algn="l" defTabSz="800100">
             <a:lnSpc>
               <a:spcPct val="90000"/>
             </a:lnSpc>
@@ -2284,18 +2362,17 @@
             <a:spcAft>
               <a:spcPct val="35000"/>
             </a:spcAft>
-            <a:buNone/>
           </a:pPr>
           <a:r>
-            <a:rPr lang="en-US" sz="1700" b="1" kern="1200"/>
+            <a:rPr lang="en-US" sz="1800" b="1" kern="1200"/>
             <a:t>3. Smart Meters</a:t>
           </a:r>
-          <a:endParaRPr lang="en-US" sz="1700" kern="1200"/>
+          <a:endParaRPr lang="en-US" sz="1800" kern="1200"/>
         </a:p>
       </dsp:txBody>
       <dsp:txXfrm>
-        <a:off x="19904" y="2907372"/>
-        <a:ext cx="6075359" cy="367937"/>
+        <a:off x="20561" y="2913204"/>
+        <a:ext cx="6074045" cy="380078"/>
       </dsp:txXfrm>
     </dsp:sp>
     <dsp:sp modelId="{77F14AAE-FE3D-4299-BC4B-5B56173D26C1}">
@@ -2305,8 +2382,8 @@
       </dsp:nvSpPr>
       <dsp:spPr>
         <a:xfrm>
-          <a:off x="0" y="3344173"/>
-          <a:ext cx="6115167" cy="407745"/>
+          <a:off x="0" y="3365683"/>
+          <a:ext cx="6115167" cy="421200"/>
         </a:xfrm>
         <a:prstGeom prst="roundRect">
           <a:avLst/>
@@ -2348,12 +2425,12 @@
         </a:fontRef>
       </dsp:style>
       <dsp:txBody>
-        <a:bodyPr spcFirstLastPara="0" vert="horz" wrap="square" lIns="64770" tIns="64770" rIns="64770" bIns="64770" numCol="1" spcCol="1270" anchor="ctr" anchorCtr="0">
+        <a:bodyPr spcFirstLastPara="0" vert="horz" wrap="square" lIns="68580" tIns="68580" rIns="68580" bIns="68580" numCol="1" spcCol="1270" anchor="ctr" anchorCtr="0">
           <a:noAutofit/>
         </a:bodyPr>
         <a:lstStyle/>
         <a:p>
-          <a:pPr marL="0" lvl="0" indent="0" algn="l" defTabSz="755650">
+          <a:pPr lvl="0" algn="l" defTabSz="800100">
             <a:lnSpc>
               <a:spcPct val="90000"/>
             </a:lnSpc>
@@ -2363,18 +2440,17 @@
             <a:spcAft>
               <a:spcPct val="35000"/>
             </a:spcAft>
-            <a:buNone/>
           </a:pPr>
           <a:r>
-            <a:rPr lang="en-US" sz="1700" b="1" kern="1200"/>
+            <a:rPr lang="en-US" sz="1800" b="1" kern="1200"/>
             <a:t>*Advantages:</a:t>
           </a:r>
-          <a:endParaRPr lang="en-US" sz="1700" kern="1200"/>
+          <a:endParaRPr lang="en-US" sz="1800" kern="1200"/>
         </a:p>
       </dsp:txBody>
       <dsp:txXfrm>
-        <a:off x="19904" y="3364077"/>
-        <a:ext cx="6075359" cy="367937"/>
+        <a:off x="20561" y="3386244"/>
+        <a:ext cx="6074045" cy="380078"/>
       </dsp:txXfrm>
     </dsp:sp>
     <dsp:sp modelId="{3BC56E0B-086A-4BB6-9D2A-ECA2C04843A7}">
@@ -2384,8 +2460,8 @@
       </dsp:nvSpPr>
       <dsp:spPr>
         <a:xfrm>
-          <a:off x="0" y="3751918"/>
-          <a:ext cx="6115167" cy="668609"/>
+          <a:off x="0" y="3786883"/>
+          <a:ext cx="6115167" cy="689310"/>
         </a:xfrm>
         <a:prstGeom prst="rect">
           <a:avLst/>
@@ -2409,12 +2485,12 @@
         <a:fontRef idx="minor"/>
       </dsp:style>
       <dsp:txBody>
-        <a:bodyPr spcFirstLastPara="0" vert="horz" wrap="square" lIns="194157" tIns="21590" rIns="120904" bIns="21590" numCol="1" spcCol="1270" anchor="t" anchorCtr="0">
+        <a:bodyPr spcFirstLastPara="0" vert="horz" wrap="square" lIns="194157" tIns="22860" rIns="128016" bIns="22860" numCol="1" spcCol="1270" anchor="t" anchorCtr="0">
           <a:noAutofit/>
         </a:bodyPr>
         <a:lstStyle/>
         <a:p>
-          <a:pPr marL="114300" lvl="1" indent="-114300" algn="l" defTabSz="577850">
+          <a:pPr marL="114300" lvl="1" indent="-114300" algn="l" defTabSz="622300">
             <a:lnSpc>
               <a:spcPct val="90000"/>
             </a:lnSpc>
@@ -2424,16 +2500,16 @@
             <a:spcAft>
               <a:spcPct val="20000"/>
             </a:spcAft>
-            <a:buChar char="•"/>
+            <a:buChar char="••"/>
           </a:pPr>
           <a:r>
-            <a:rPr lang="en-US" sz="1300" b="1" kern="1200"/>
+            <a:rPr lang="en-US" sz="1400" b="1" kern="1200"/>
             <a:t>-Provides real-time data on consumption.</a:t>
           </a:r>
-          <a:endParaRPr lang="en-US" sz="1300" kern="1200"/>
+          <a:endParaRPr lang="en-US" sz="1400" kern="1200"/>
         </a:p>
         <a:p>
-          <a:pPr marL="114300" lvl="1" indent="-114300" algn="l" defTabSz="577850">
+          <a:pPr marL="114300" lvl="1" indent="-114300" algn="l" defTabSz="622300">
             <a:lnSpc>
               <a:spcPct val="90000"/>
             </a:lnSpc>
@@ -2443,16 +2519,16 @@
             <a:spcAft>
               <a:spcPct val="20000"/>
             </a:spcAft>
-            <a:buChar char="•"/>
+            <a:buChar char="••"/>
           </a:pPr>
           <a:r>
-            <a:rPr lang="en-US" sz="1300" b="1" kern="1200"/>
+            <a:rPr lang="en-US" sz="1400" b="1" kern="1200"/>
             <a:t>-Enables remote reading, simplifying the billing process.</a:t>
           </a:r>
-          <a:endParaRPr lang="en-US" sz="1300" kern="1200"/>
+          <a:endParaRPr lang="en-US" sz="1400" kern="1200"/>
         </a:p>
         <a:p>
-          <a:pPr marL="114300" lvl="1" indent="-114300" algn="l" defTabSz="577850">
+          <a:pPr marL="114300" lvl="1" indent="-114300" algn="l" defTabSz="622300">
             <a:lnSpc>
               <a:spcPct val="90000"/>
             </a:lnSpc>
@@ -2462,18 +2538,18 @@
             <a:spcAft>
               <a:spcPct val="20000"/>
             </a:spcAft>
-            <a:buChar char="•"/>
+            <a:buChar char="••"/>
           </a:pPr>
           <a:r>
-            <a:rPr lang="en-US" sz="1300" b="1" kern="1200"/>
+            <a:rPr lang="en-US" sz="1400" b="1" kern="1200"/>
             <a:t>-Helps manage energy usage and reduce bills.</a:t>
           </a:r>
-          <a:endParaRPr lang="en-US" sz="1300" kern="1200"/>
+          <a:endParaRPr lang="en-US" sz="1400" kern="1200"/>
         </a:p>
       </dsp:txBody>
       <dsp:txXfrm>
-        <a:off x="0" y="3751918"/>
-        <a:ext cx="6115167" cy="668609"/>
+        <a:off x="0" y="3786883"/>
+        <a:ext cx="6115167" cy="689310"/>
       </dsp:txXfrm>
     </dsp:sp>
     <dsp:sp modelId="{59F117F1-0952-46D8-80F3-49DA1824E556}">
@@ -2483,8 +2559,8 @@
       </dsp:nvSpPr>
       <dsp:spPr>
         <a:xfrm>
-          <a:off x="0" y="4420528"/>
-          <a:ext cx="6115167" cy="407745"/>
+          <a:off x="0" y="4476193"/>
+          <a:ext cx="6115167" cy="421200"/>
         </a:xfrm>
         <a:prstGeom prst="roundRect">
           <a:avLst/>
@@ -2526,12 +2602,12 @@
         </a:fontRef>
       </dsp:style>
       <dsp:txBody>
-        <a:bodyPr spcFirstLastPara="0" vert="horz" wrap="square" lIns="64770" tIns="64770" rIns="64770" bIns="64770" numCol="1" spcCol="1270" anchor="ctr" anchorCtr="0">
+        <a:bodyPr spcFirstLastPara="0" vert="horz" wrap="square" lIns="68580" tIns="68580" rIns="68580" bIns="68580" numCol="1" spcCol="1270" anchor="ctr" anchorCtr="0">
           <a:noAutofit/>
         </a:bodyPr>
         <a:lstStyle/>
         <a:p>
-          <a:pPr marL="0" lvl="0" indent="0" algn="l" defTabSz="755650">
+          <a:pPr lvl="0" algn="l" defTabSz="800100">
             <a:lnSpc>
               <a:spcPct val="90000"/>
             </a:lnSpc>
@@ -2541,18 +2617,17 @@
             <a:spcAft>
               <a:spcPct val="35000"/>
             </a:spcAft>
-            <a:buNone/>
           </a:pPr>
           <a:r>
-            <a:rPr lang="en-US" sz="1700" b="1" kern="1200"/>
+            <a:rPr lang="en-US" sz="1800" b="1" kern="1200"/>
             <a:t>*Disadvantages:</a:t>
           </a:r>
-          <a:endParaRPr lang="en-US" sz="1700" kern="1200"/>
+          <a:endParaRPr lang="en-US" sz="1800" kern="1200"/>
         </a:p>
       </dsp:txBody>
       <dsp:txXfrm>
-        <a:off x="19904" y="4440432"/>
-        <a:ext cx="6075359" cy="367937"/>
+        <a:off x="20561" y="4496754"/>
+        <a:ext cx="6074045" cy="380078"/>
       </dsp:txXfrm>
     </dsp:sp>
     <dsp:sp modelId="{8F973AD2-A175-4416-867F-04A774CDBE0C}">
@@ -2562,8 +2637,8 @@
       </dsp:nvSpPr>
       <dsp:spPr>
         <a:xfrm>
-          <a:off x="0" y="4828273"/>
-          <a:ext cx="6115167" cy="668609"/>
+          <a:off x="0" y="4897393"/>
+          <a:ext cx="6115167" cy="689310"/>
         </a:xfrm>
         <a:prstGeom prst="rect">
           <a:avLst/>
@@ -2587,12 +2662,12 @@
         <a:fontRef idx="minor"/>
       </dsp:style>
       <dsp:txBody>
-        <a:bodyPr spcFirstLastPara="0" vert="horz" wrap="square" lIns="194157" tIns="21590" rIns="120904" bIns="21590" numCol="1" spcCol="1270" anchor="t" anchorCtr="0">
+        <a:bodyPr spcFirstLastPara="0" vert="horz" wrap="square" lIns="194157" tIns="22860" rIns="128016" bIns="22860" numCol="1" spcCol="1270" anchor="t" anchorCtr="0">
           <a:noAutofit/>
         </a:bodyPr>
         <a:lstStyle/>
         <a:p>
-          <a:pPr marL="114300" lvl="1" indent="-114300" algn="l" defTabSz="577850">
+          <a:pPr marL="114300" lvl="1" indent="-114300" algn="l" defTabSz="622300">
             <a:lnSpc>
               <a:spcPct val="90000"/>
             </a:lnSpc>
@@ -2602,16 +2677,16 @@
             <a:spcAft>
               <a:spcPct val="20000"/>
             </a:spcAft>
-            <a:buChar char="•"/>
+            <a:buChar char="••"/>
           </a:pPr>
           <a:r>
-            <a:rPr lang="en-US" sz="1300" b="1" kern="1200"/>
+            <a:rPr lang="en-US" sz="1400" b="1" kern="1200"/>
             <a:t>-Higher initial cost.</a:t>
           </a:r>
-          <a:endParaRPr lang="en-US" sz="1300" kern="1200"/>
+          <a:endParaRPr lang="en-US" sz="1400" kern="1200"/>
         </a:p>
         <a:p>
-          <a:pPr marL="114300" lvl="1" indent="-114300" algn="l" defTabSz="577850">
+          <a:pPr marL="114300" lvl="1" indent="-114300" algn="l" defTabSz="622300">
             <a:lnSpc>
               <a:spcPct val="90000"/>
             </a:lnSpc>
@@ -2621,16 +2696,16 @@
             <a:spcAft>
               <a:spcPct val="20000"/>
             </a:spcAft>
-            <a:buChar char="•"/>
+            <a:buChar char="••"/>
           </a:pPr>
           <a:r>
-            <a:rPr lang="en-US" sz="1300" b="1" kern="1200"/>
+            <a:rPr lang="en-US" sz="1400" b="1" kern="1200"/>
             <a:t>-Requires infrastructure for information technology.</a:t>
           </a:r>
-          <a:endParaRPr lang="en-US" sz="1300" kern="1200"/>
+          <a:endParaRPr lang="en-US" sz="1400" kern="1200"/>
         </a:p>
         <a:p>
-          <a:pPr marL="114300" lvl="1" indent="-114300" algn="l" defTabSz="577850">
+          <a:pPr marL="114300" lvl="1" indent="-114300" algn="l" defTabSz="622300">
             <a:lnSpc>
               <a:spcPct val="90000"/>
             </a:lnSpc>
@@ -2640,18 +2715,18 @@
             <a:spcAft>
               <a:spcPct val="20000"/>
             </a:spcAft>
-            <a:buChar char="•"/>
+            <a:buChar char="••"/>
           </a:pPr>
           <a:r>
-            <a:rPr lang="en-US" sz="1300" b="1" kern="1200"/>
+            <a:rPr lang="en-US" sz="1400" b="1" kern="1200"/>
             <a:t>-Concerns regarding privacy and data security.</a:t>
           </a:r>
-          <a:endParaRPr lang="en-US" sz="1300" kern="1200"/>
+          <a:endParaRPr lang="en-US" sz="1400" kern="1200"/>
         </a:p>
       </dsp:txBody>
       <dsp:txXfrm>
-        <a:off x="0" y="4828273"/>
-        <a:ext cx="6115167" cy="668609"/>
+        <a:off x="0" y="4897393"/>
+        <a:ext cx="6115167" cy="689310"/>
       </dsp:txXfrm>
     </dsp:sp>
   </dsp:spTree>
@@ -3881,7 +3956,7 @@
           <p:cNvPr id="2" name="Title 1">
             <a:extLst>
               <a:ext uri="{FF2B5EF4-FFF2-40B4-BE49-F238E27FC236}">
-                <a16:creationId xmlns:a16="http://schemas.microsoft.com/office/drawing/2014/main" id="{BB722F66-727D-4150-ADA5-49CF3A0F6873}"/>
+                <a16:creationId xmlns:a16="http://schemas.microsoft.com/office/drawing/2014/main" xmlns="" id="{BB722F66-727D-4150-ADA5-49CF3A0F6873}"/>
               </a:ext>
             </a:extLst>
           </p:cNvPr>
@@ -3921,7 +3996,7 @@
           <p:cNvPr id="3" name="Subtitle 2">
             <a:extLst>
               <a:ext uri="{FF2B5EF4-FFF2-40B4-BE49-F238E27FC236}">
-                <a16:creationId xmlns:a16="http://schemas.microsoft.com/office/drawing/2014/main" id="{CDD9A1FE-C39F-4D7C-B93D-F8C203A1D69C}"/>
+                <a16:creationId xmlns:a16="http://schemas.microsoft.com/office/drawing/2014/main" xmlns="" id="{CDD9A1FE-C39F-4D7C-B93D-F8C203A1D69C}"/>
               </a:ext>
             </a:extLst>
           </p:cNvPr>
@@ -3994,7 +4069,7 @@
           <p:cNvPr id="4" name="Date Placeholder 3">
             <a:extLst>
               <a:ext uri="{FF2B5EF4-FFF2-40B4-BE49-F238E27FC236}">
-                <a16:creationId xmlns:a16="http://schemas.microsoft.com/office/drawing/2014/main" id="{BC008AAC-7D41-4304-8D59-EF34B232682C}"/>
+                <a16:creationId xmlns:a16="http://schemas.microsoft.com/office/drawing/2014/main" xmlns="" id="{BC008AAC-7D41-4304-8D59-EF34B232682C}"/>
               </a:ext>
             </a:extLst>
           </p:cNvPr>
@@ -4021,7 +4096,7 @@
           <a:p>
             <a:fld id="{9549D6DC-E1CB-4874-BF52-C3407230D20E}" type="datetime1">
               <a:rPr lang="en-US" smtClean="0"/>
-              <a:t>10/21/2024</a:t>
+              <a:t>10/22/2024</a:t>
             </a:fld>
             <a:endParaRPr lang="en-US"/>
           </a:p>
@@ -4032,7 +4107,7 @@
           <p:cNvPr id="5" name="Footer Placeholder 4">
             <a:extLst>
               <a:ext uri="{FF2B5EF4-FFF2-40B4-BE49-F238E27FC236}">
-                <a16:creationId xmlns:a16="http://schemas.microsoft.com/office/drawing/2014/main" id="{4724D078-DE22-4F23-8B48-21FB1415C3E3}"/>
+                <a16:creationId xmlns:a16="http://schemas.microsoft.com/office/drawing/2014/main" xmlns="" id="{4724D078-DE22-4F23-8B48-21FB1415C3E3}"/>
               </a:ext>
             </a:extLst>
           </p:cNvPr>
@@ -4066,7 +4141,7 @@
           <p:cNvPr id="6" name="Slide Number Placeholder 5">
             <a:extLst>
               <a:ext uri="{FF2B5EF4-FFF2-40B4-BE49-F238E27FC236}">
-                <a16:creationId xmlns:a16="http://schemas.microsoft.com/office/drawing/2014/main" id="{BB64C1F5-608B-4335-9F2A-17F63D5FAF0D}"/>
+                <a16:creationId xmlns:a16="http://schemas.microsoft.com/office/drawing/2014/main" xmlns="" id="{BB64C1F5-608B-4335-9F2A-17F63D5FAF0D}"/>
               </a:ext>
             </a:extLst>
           </p:cNvPr>
@@ -4100,13 +4175,13 @@
   <p:clrMapOvr>
     <a:masterClrMapping/>
   </p:clrMapOvr>
-  <mc:AlternateContent xmlns:mc="http://schemas.openxmlformats.org/markup-compatibility/2006" xmlns:p159="http://schemas.microsoft.com/office/powerpoint/2015/09/main">
-    <mc:Choice Requires="p159">
+  <mc:AlternateContent xmlns:mc="http://schemas.openxmlformats.org/markup-compatibility/2006">
+    <mc:Choice xmlns:p159="http://schemas.microsoft.com/office/powerpoint/2015/09/main" xmlns="" Requires="p159">
       <p:transition xmlns:p14="http://schemas.microsoft.com/office/powerpoint/2010/main" spd="slow" p14:dur="2000">
         <p159:morph option="byObject"/>
       </p:transition>
     </mc:Choice>
-    <mc:Fallback xmlns="">
+    <mc:Fallback>
       <p:transition spd="slow">
         <p:fade/>
       </p:transition>
@@ -4137,7 +4212,7 @@
           <p:cNvPr id="2" name="Title 1">
             <a:extLst>
               <a:ext uri="{FF2B5EF4-FFF2-40B4-BE49-F238E27FC236}">
-                <a16:creationId xmlns:a16="http://schemas.microsoft.com/office/drawing/2014/main" id="{E929F2C5-A3FC-44EF-BA15-CEC83C83D67C}"/>
+                <a16:creationId xmlns:a16="http://schemas.microsoft.com/office/drawing/2014/main" xmlns="" id="{E929F2C5-A3FC-44EF-BA15-CEC83C83D67C}"/>
               </a:ext>
             </a:extLst>
           </p:cNvPr>
@@ -4166,7 +4241,7 @@
           <p:cNvPr id="3" name="Vertical Text Placeholder 2">
             <a:extLst>
               <a:ext uri="{FF2B5EF4-FFF2-40B4-BE49-F238E27FC236}">
-                <a16:creationId xmlns:a16="http://schemas.microsoft.com/office/drawing/2014/main" id="{D45040D3-67DB-455C-AD79-49E185DB63C7}"/>
+                <a16:creationId xmlns:a16="http://schemas.microsoft.com/office/drawing/2014/main" xmlns="" id="{D45040D3-67DB-455C-AD79-49E185DB63C7}"/>
               </a:ext>
             </a:extLst>
           </p:cNvPr>
@@ -4224,7 +4299,7 @@
           <p:cNvPr id="4" name="Date Placeholder 3">
             <a:extLst>
               <a:ext uri="{FF2B5EF4-FFF2-40B4-BE49-F238E27FC236}">
-                <a16:creationId xmlns:a16="http://schemas.microsoft.com/office/drawing/2014/main" id="{D0B2B07A-258E-42DD-9A68-2C76F7D54040}"/>
+                <a16:creationId xmlns:a16="http://schemas.microsoft.com/office/drawing/2014/main" xmlns="" id="{D0B2B07A-258E-42DD-9A68-2C76F7D54040}"/>
               </a:ext>
             </a:extLst>
           </p:cNvPr>
@@ -4242,7 +4317,7 @@
           <a:p>
             <a:fld id="{F7701D81-C4B9-4A87-89A7-22E29E6C9200}" type="datetime1">
               <a:rPr lang="en-US" smtClean="0"/>
-              <a:t>10/21/2024</a:t>
+              <a:t>10/22/2024</a:t>
             </a:fld>
             <a:endParaRPr lang="en-US"/>
           </a:p>
@@ -4253,7 +4328,7 @@
           <p:cNvPr id="5" name="Footer Placeholder 4">
             <a:extLst>
               <a:ext uri="{FF2B5EF4-FFF2-40B4-BE49-F238E27FC236}">
-                <a16:creationId xmlns:a16="http://schemas.microsoft.com/office/drawing/2014/main" id="{7C01E9BC-3BB8-40CD-9294-59A2E59E1BE6}"/>
+                <a16:creationId xmlns:a16="http://schemas.microsoft.com/office/drawing/2014/main" xmlns="" id="{7C01E9BC-3BB8-40CD-9294-59A2E59E1BE6}"/>
               </a:ext>
             </a:extLst>
           </p:cNvPr>
@@ -4278,7 +4353,7 @@
           <p:cNvPr id="6" name="Slide Number Placeholder 5">
             <a:extLst>
               <a:ext uri="{FF2B5EF4-FFF2-40B4-BE49-F238E27FC236}">
-                <a16:creationId xmlns:a16="http://schemas.microsoft.com/office/drawing/2014/main" id="{5413979D-5589-4770-9D29-046F2B506C33}"/>
+                <a16:creationId xmlns:a16="http://schemas.microsoft.com/office/drawing/2014/main" xmlns="" id="{5413979D-5589-4770-9D29-046F2B506C33}"/>
               </a:ext>
             </a:extLst>
           </p:cNvPr>
@@ -4312,13 +4387,13 @@
   <p:clrMapOvr>
     <a:masterClrMapping/>
   </p:clrMapOvr>
-  <mc:AlternateContent xmlns:mc="http://schemas.openxmlformats.org/markup-compatibility/2006" xmlns:p159="http://schemas.microsoft.com/office/powerpoint/2015/09/main">
-    <mc:Choice Requires="p159">
+  <mc:AlternateContent xmlns:mc="http://schemas.openxmlformats.org/markup-compatibility/2006">
+    <mc:Choice xmlns:p159="http://schemas.microsoft.com/office/powerpoint/2015/09/main" xmlns="" Requires="p159">
       <p:transition xmlns:p14="http://schemas.microsoft.com/office/powerpoint/2010/main" spd="slow" p14:dur="2000">
         <p159:morph option="byObject"/>
       </p:transition>
     </mc:Choice>
-    <mc:Fallback xmlns="">
+    <mc:Fallback>
       <p:transition spd="slow">
         <p:fade/>
       </p:transition>
@@ -4349,7 +4424,7 @@
           <p:cNvPr id="2" name="Vertical Title 1">
             <a:extLst>
               <a:ext uri="{FF2B5EF4-FFF2-40B4-BE49-F238E27FC236}">
-                <a16:creationId xmlns:a16="http://schemas.microsoft.com/office/drawing/2014/main" id="{DC6693CD-CB65-4F37-A6DA-F300B93C14D9}"/>
+                <a16:creationId xmlns:a16="http://schemas.microsoft.com/office/drawing/2014/main" xmlns="" id="{DC6693CD-CB65-4F37-A6DA-F300B93C14D9}"/>
               </a:ext>
             </a:extLst>
           </p:cNvPr>
@@ -4383,7 +4458,7 @@
           <p:cNvPr id="3" name="Vertical Text Placeholder 2">
             <a:extLst>
               <a:ext uri="{FF2B5EF4-FFF2-40B4-BE49-F238E27FC236}">
-                <a16:creationId xmlns:a16="http://schemas.microsoft.com/office/drawing/2014/main" id="{7448D117-7AE6-4831-9867-5145F64A0C24}"/>
+                <a16:creationId xmlns:a16="http://schemas.microsoft.com/office/drawing/2014/main" xmlns="" id="{7448D117-7AE6-4831-9867-5145F64A0C24}"/>
               </a:ext>
             </a:extLst>
           </p:cNvPr>
@@ -4446,7 +4521,7 @@
           <p:cNvPr id="4" name="Date Placeholder 3">
             <a:extLst>
               <a:ext uri="{FF2B5EF4-FFF2-40B4-BE49-F238E27FC236}">
-                <a16:creationId xmlns:a16="http://schemas.microsoft.com/office/drawing/2014/main" id="{E4988CF8-397F-485E-8081-AFA4DADD440C}"/>
+                <a16:creationId xmlns:a16="http://schemas.microsoft.com/office/drawing/2014/main" xmlns="" id="{E4988CF8-397F-485E-8081-AFA4DADD440C}"/>
               </a:ext>
             </a:extLst>
           </p:cNvPr>
@@ -4464,7 +4539,7 @@
           <a:p>
             <a:fld id="{EE307718-69F7-427E-95A3-C1246AF46913}" type="datetime1">
               <a:rPr lang="en-US" smtClean="0"/>
-              <a:t>10/21/2024</a:t>
+              <a:t>10/22/2024</a:t>
             </a:fld>
             <a:endParaRPr lang="en-US"/>
           </a:p>
@@ -4475,7 +4550,7 @@
           <p:cNvPr id="5" name="Footer Placeholder 4">
             <a:extLst>
               <a:ext uri="{FF2B5EF4-FFF2-40B4-BE49-F238E27FC236}">
-                <a16:creationId xmlns:a16="http://schemas.microsoft.com/office/drawing/2014/main" id="{83CE4773-4660-4F21-83CF-1A449395BB9D}"/>
+                <a16:creationId xmlns:a16="http://schemas.microsoft.com/office/drawing/2014/main" xmlns="" id="{83CE4773-4660-4F21-83CF-1A449395BB9D}"/>
               </a:ext>
             </a:extLst>
           </p:cNvPr>
@@ -4500,7 +4575,7 @@
           <p:cNvPr id="6" name="Slide Number Placeholder 5">
             <a:extLst>
               <a:ext uri="{FF2B5EF4-FFF2-40B4-BE49-F238E27FC236}">
-                <a16:creationId xmlns:a16="http://schemas.microsoft.com/office/drawing/2014/main" id="{D5B59537-EB47-40FA-893E-785D6FE00A5C}"/>
+                <a16:creationId xmlns:a16="http://schemas.microsoft.com/office/drawing/2014/main" xmlns="" id="{D5B59537-EB47-40FA-893E-785D6FE00A5C}"/>
               </a:ext>
             </a:extLst>
           </p:cNvPr>
@@ -4534,13 +4609,13 @@
   <p:clrMapOvr>
     <a:masterClrMapping/>
   </p:clrMapOvr>
-  <mc:AlternateContent xmlns:mc="http://schemas.openxmlformats.org/markup-compatibility/2006" xmlns:p159="http://schemas.microsoft.com/office/powerpoint/2015/09/main">
-    <mc:Choice Requires="p159">
+  <mc:AlternateContent xmlns:mc="http://schemas.openxmlformats.org/markup-compatibility/2006">
+    <mc:Choice xmlns:p159="http://schemas.microsoft.com/office/powerpoint/2015/09/main" xmlns="" Requires="p159">
       <p:transition xmlns:p14="http://schemas.microsoft.com/office/powerpoint/2010/main" spd="slow" p14:dur="2000">
         <p159:morph option="byObject"/>
       </p:transition>
     </mc:Choice>
-    <mc:Fallback xmlns="">
+    <mc:Fallback>
       <p:transition spd="slow">
         <p:fade/>
       </p:transition>
@@ -4571,7 +4646,7 @@
           <p:cNvPr id="2" name="Title 1">
             <a:extLst>
               <a:ext uri="{FF2B5EF4-FFF2-40B4-BE49-F238E27FC236}">
-                <a16:creationId xmlns:a16="http://schemas.microsoft.com/office/drawing/2014/main" id="{D0E7B4A7-C566-48F4-B4B8-3A5E7B6C5C3A}"/>
+                <a16:creationId xmlns:a16="http://schemas.microsoft.com/office/drawing/2014/main" xmlns="" id="{D0E7B4A7-C566-48F4-B4B8-3A5E7B6C5C3A}"/>
               </a:ext>
             </a:extLst>
           </p:cNvPr>
@@ -4600,7 +4675,7 @@
           <p:cNvPr id="3" name="Content Placeholder 2">
             <a:extLst>
               <a:ext uri="{FF2B5EF4-FFF2-40B4-BE49-F238E27FC236}">
-                <a16:creationId xmlns:a16="http://schemas.microsoft.com/office/drawing/2014/main" id="{AD3B93F5-BC8B-452C-ACE2-C7E01D1B80FD}"/>
+                <a16:creationId xmlns:a16="http://schemas.microsoft.com/office/drawing/2014/main" xmlns="" id="{AD3B93F5-BC8B-452C-ACE2-C7E01D1B80FD}"/>
               </a:ext>
             </a:extLst>
           </p:cNvPr>
@@ -4658,7 +4733,7 @@
           <p:cNvPr id="4" name="Date Placeholder 3">
             <a:extLst>
               <a:ext uri="{FF2B5EF4-FFF2-40B4-BE49-F238E27FC236}">
-                <a16:creationId xmlns:a16="http://schemas.microsoft.com/office/drawing/2014/main" id="{239A49B3-A57D-46C5-8462-0C52509F8FCA}"/>
+                <a16:creationId xmlns:a16="http://schemas.microsoft.com/office/drawing/2014/main" xmlns="" id="{239A49B3-A57D-46C5-8462-0C52509F8FCA}"/>
               </a:ext>
             </a:extLst>
           </p:cNvPr>
@@ -4676,7 +4751,7 @@
           <a:p>
             <a:fld id="{48913E51-B7F7-4C24-B8E3-5471755DC0E0}" type="datetime1">
               <a:rPr lang="en-US" smtClean="0"/>
-              <a:t>10/21/2024</a:t>
+              <a:t>10/22/2024</a:t>
             </a:fld>
             <a:endParaRPr lang="en-US"/>
           </a:p>
@@ -4687,7 +4762,7 @@
           <p:cNvPr id="5" name="Footer Placeholder 4">
             <a:extLst>
               <a:ext uri="{FF2B5EF4-FFF2-40B4-BE49-F238E27FC236}">
-                <a16:creationId xmlns:a16="http://schemas.microsoft.com/office/drawing/2014/main" id="{9EC8C810-EAF4-4D86-84DD-2E574122DD84}"/>
+                <a16:creationId xmlns:a16="http://schemas.microsoft.com/office/drawing/2014/main" xmlns="" id="{9EC8C810-EAF4-4D86-84DD-2E574122DD84}"/>
               </a:ext>
             </a:extLst>
           </p:cNvPr>
@@ -4712,7 +4787,7 @@
           <p:cNvPr id="6" name="Slide Number Placeholder 5">
             <a:extLst>
               <a:ext uri="{FF2B5EF4-FFF2-40B4-BE49-F238E27FC236}">
-                <a16:creationId xmlns:a16="http://schemas.microsoft.com/office/drawing/2014/main" id="{9587E738-8574-490B-974B-9AD3B2AAE521}"/>
+                <a16:creationId xmlns:a16="http://schemas.microsoft.com/office/drawing/2014/main" xmlns="" id="{9587E738-8574-490B-974B-9AD3B2AAE521}"/>
               </a:ext>
             </a:extLst>
           </p:cNvPr>
@@ -4746,13 +4821,13 @@
   <p:clrMapOvr>
     <a:masterClrMapping/>
   </p:clrMapOvr>
-  <mc:AlternateContent xmlns:mc="http://schemas.openxmlformats.org/markup-compatibility/2006" xmlns:p159="http://schemas.microsoft.com/office/powerpoint/2015/09/main">
-    <mc:Choice Requires="p159">
+  <mc:AlternateContent xmlns:mc="http://schemas.openxmlformats.org/markup-compatibility/2006">
+    <mc:Choice xmlns:p159="http://schemas.microsoft.com/office/powerpoint/2015/09/main" xmlns="" Requires="p159">
       <p:transition xmlns:p14="http://schemas.microsoft.com/office/powerpoint/2010/main" spd="slow" p14:dur="2000">
         <p159:morph option="byObject"/>
       </p:transition>
     </mc:Choice>
-    <mc:Fallback xmlns="">
+    <mc:Fallback>
       <p:transition spd="slow">
         <p:fade/>
       </p:transition>
@@ -4783,7 +4858,7 @@
           <p:cNvPr id="2" name="Title 1">
             <a:extLst>
               <a:ext uri="{FF2B5EF4-FFF2-40B4-BE49-F238E27FC236}">
-                <a16:creationId xmlns:a16="http://schemas.microsoft.com/office/drawing/2014/main" id="{D839764E-4B3D-4B6A-A210-B50E4F60E246}"/>
+                <a16:creationId xmlns:a16="http://schemas.microsoft.com/office/drawing/2014/main" xmlns="" id="{D839764E-4B3D-4B6A-A210-B50E4F60E246}"/>
               </a:ext>
             </a:extLst>
           </p:cNvPr>
@@ -4823,7 +4898,7 @@
           <p:cNvPr id="3" name="Text Placeholder 2">
             <a:extLst>
               <a:ext uri="{FF2B5EF4-FFF2-40B4-BE49-F238E27FC236}">
-                <a16:creationId xmlns:a16="http://schemas.microsoft.com/office/drawing/2014/main" id="{8A30AEC2-B6E6-4C09-A16F-5E2A1C9A0D0E}"/>
+                <a16:creationId xmlns:a16="http://schemas.microsoft.com/office/drawing/2014/main" xmlns="" id="{8A30AEC2-B6E6-4C09-A16F-5E2A1C9A0D0E}"/>
               </a:ext>
             </a:extLst>
           </p:cNvPr>
@@ -4951,7 +5026,7 @@
           <p:cNvPr id="4" name="Date Placeholder 3">
             <a:extLst>
               <a:ext uri="{FF2B5EF4-FFF2-40B4-BE49-F238E27FC236}">
-                <a16:creationId xmlns:a16="http://schemas.microsoft.com/office/drawing/2014/main" id="{42A37CAB-B545-4E42-BB5A-F1DAA9335033}"/>
+                <a16:creationId xmlns:a16="http://schemas.microsoft.com/office/drawing/2014/main" xmlns="" id="{42A37CAB-B545-4E42-BB5A-F1DAA9335033}"/>
               </a:ext>
             </a:extLst>
           </p:cNvPr>
@@ -4969,7 +5044,7 @@
           <a:p>
             <a:fld id="{DA91A59F-D956-4598-A3C1-AE72A5387751}" type="datetime1">
               <a:rPr lang="en-US" smtClean="0"/>
-              <a:t>10/21/2024</a:t>
+              <a:t>10/22/2024</a:t>
             </a:fld>
             <a:endParaRPr lang="en-US" dirty="0"/>
           </a:p>
@@ -4980,7 +5055,7 @@
           <p:cNvPr id="5" name="Footer Placeholder 4">
             <a:extLst>
               <a:ext uri="{FF2B5EF4-FFF2-40B4-BE49-F238E27FC236}">
-                <a16:creationId xmlns:a16="http://schemas.microsoft.com/office/drawing/2014/main" id="{AF6D720B-7E58-43F4-9659-ADB2403A50BB}"/>
+                <a16:creationId xmlns:a16="http://schemas.microsoft.com/office/drawing/2014/main" xmlns="" id="{AF6D720B-7E58-43F4-9659-ADB2403A50BB}"/>
               </a:ext>
             </a:extLst>
           </p:cNvPr>
@@ -5005,7 +5080,7 @@
           <p:cNvPr id="6" name="Slide Number Placeholder 5">
             <a:extLst>
               <a:ext uri="{FF2B5EF4-FFF2-40B4-BE49-F238E27FC236}">
-                <a16:creationId xmlns:a16="http://schemas.microsoft.com/office/drawing/2014/main" id="{A895F53F-2FA5-4B5C-A151-F07BBC002B29}"/>
+                <a16:creationId xmlns:a16="http://schemas.microsoft.com/office/drawing/2014/main" xmlns="" id="{A895F53F-2FA5-4B5C-A151-F07BBC002B29}"/>
               </a:ext>
             </a:extLst>
           </p:cNvPr>
@@ -5039,13 +5114,13 @@
   <p:clrMapOvr>
     <a:masterClrMapping/>
   </p:clrMapOvr>
-  <mc:AlternateContent xmlns:mc="http://schemas.openxmlformats.org/markup-compatibility/2006" xmlns:p159="http://schemas.microsoft.com/office/powerpoint/2015/09/main">
-    <mc:Choice Requires="p159">
+  <mc:AlternateContent xmlns:mc="http://schemas.openxmlformats.org/markup-compatibility/2006">
+    <mc:Choice xmlns:p159="http://schemas.microsoft.com/office/powerpoint/2015/09/main" xmlns="" Requires="p159">
       <p:transition xmlns:p14="http://schemas.microsoft.com/office/powerpoint/2010/main" spd="slow" p14:dur="2000">
         <p159:morph option="byObject"/>
       </p:transition>
     </mc:Choice>
-    <mc:Fallback xmlns="">
+    <mc:Fallback>
       <p:transition spd="slow">
         <p:fade/>
       </p:transition>
@@ -5076,7 +5151,7 @@
           <p:cNvPr id="2" name="Title 1">
             <a:extLst>
               <a:ext uri="{FF2B5EF4-FFF2-40B4-BE49-F238E27FC236}">
-                <a16:creationId xmlns:a16="http://schemas.microsoft.com/office/drawing/2014/main" id="{EAD473D3-0F03-4BF4-831F-34E80BAC5513}"/>
+                <a16:creationId xmlns:a16="http://schemas.microsoft.com/office/drawing/2014/main" xmlns="" id="{EAD473D3-0F03-4BF4-831F-34E80BAC5513}"/>
               </a:ext>
             </a:extLst>
           </p:cNvPr>
@@ -5105,7 +5180,7 @@
           <p:cNvPr id="3" name="Content Placeholder 2">
             <a:extLst>
               <a:ext uri="{FF2B5EF4-FFF2-40B4-BE49-F238E27FC236}">
-                <a16:creationId xmlns:a16="http://schemas.microsoft.com/office/drawing/2014/main" id="{74C09409-59F2-486F-A6D0-FAEE8FFF25B2}"/>
+                <a16:creationId xmlns:a16="http://schemas.microsoft.com/office/drawing/2014/main" xmlns="" id="{74C09409-59F2-486F-A6D0-FAEE8FFF25B2}"/>
               </a:ext>
             </a:extLst>
           </p:cNvPr>
@@ -5168,7 +5243,7 @@
           <p:cNvPr id="4" name="Content Placeholder 3">
             <a:extLst>
               <a:ext uri="{FF2B5EF4-FFF2-40B4-BE49-F238E27FC236}">
-                <a16:creationId xmlns:a16="http://schemas.microsoft.com/office/drawing/2014/main" id="{03087241-B390-47A6-8070-C3D4652F887B}"/>
+                <a16:creationId xmlns:a16="http://schemas.microsoft.com/office/drawing/2014/main" xmlns="" id="{03087241-B390-47A6-8070-C3D4652F887B}"/>
               </a:ext>
             </a:extLst>
           </p:cNvPr>
@@ -5231,7 +5306,7 @@
           <p:cNvPr id="5" name="Date Placeholder 4">
             <a:extLst>
               <a:ext uri="{FF2B5EF4-FFF2-40B4-BE49-F238E27FC236}">
-                <a16:creationId xmlns:a16="http://schemas.microsoft.com/office/drawing/2014/main" id="{5080B360-2ACA-4B93-9439-591B6D3FBC3F}"/>
+                <a16:creationId xmlns:a16="http://schemas.microsoft.com/office/drawing/2014/main" xmlns="" id="{5080B360-2ACA-4B93-9439-591B6D3FBC3F}"/>
               </a:ext>
             </a:extLst>
           </p:cNvPr>
@@ -5249,7 +5324,7 @@
           <a:p>
             <a:fld id="{D70BBD69-7BD3-4731-8064-242619E92CBE}" type="datetime1">
               <a:rPr lang="en-US" smtClean="0"/>
-              <a:t>10/21/2024</a:t>
+              <a:t>10/22/2024</a:t>
             </a:fld>
             <a:endParaRPr lang="en-US"/>
           </a:p>
@@ -5260,7 +5335,7 @@
           <p:cNvPr id="6" name="Footer Placeholder 5">
             <a:extLst>
               <a:ext uri="{FF2B5EF4-FFF2-40B4-BE49-F238E27FC236}">
-                <a16:creationId xmlns:a16="http://schemas.microsoft.com/office/drawing/2014/main" id="{684A73E2-CF78-404C-A86F-E70A284AE99E}"/>
+                <a16:creationId xmlns:a16="http://schemas.microsoft.com/office/drawing/2014/main" xmlns="" id="{684A73E2-CF78-404C-A86F-E70A284AE99E}"/>
               </a:ext>
             </a:extLst>
           </p:cNvPr>
@@ -5285,7 +5360,7 @@
           <p:cNvPr id="7" name="Slide Number Placeholder 6">
             <a:extLst>
               <a:ext uri="{FF2B5EF4-FFF2-40B4-BE49-F238E27FC236}">
-                <a16:creationId xmlns:a16="http://schemas.microsoft.com/office/drawing/2014/main" id="{B6A8F42A-11E1-42A0-8ECF-A5BBA3B8CA56}"/>
+                <a16:creationId xmlns:a16="http://schemas.microsoft.com/office/drawing/2014/main" xmlns="" id="{B6A8F42A-11E1-42A0-8ECF-A5BBA3B8CA56}"/>
               </a:ext>
             </a:extLst>
           </p:cNvPr>
@@ -5319,13 +5394,13 @@
   <p:clrMapOvr>
     <a:masterClrMapping/>
   </p:clrMapOvr>
-  <mc:AlternateContent xmlns:mc="http://schemas.openxmlformats.org/markup-compatibility/2006" xmlns:p159="http://schemas.microsoft.com/office/powerpoint/2015/09/main">
-    <mc:Choice Requires="p159">
+  <mc:AlternateContent xmlns:mc="http://schemas.openxmlformats.org/markup-compatibility/2006">
+    <mc:Choice xmlns:p159="http://schemas.microsoft.com/office/powerpoint/2015/09/main" xmlns="" Requires="p159">
       <p:transition xmlns:p14="http://schemas.microsoft.com/office/powerpoint/2010/main" spd="slow" p14:dur="2000">
         <p159:morph option="byObject"/>
       </p:transition>
     </mc:Choice>
-    <mc:Fallback xmlns="">
+    <mc:Fallback>
       <p:transition spd="slow">
         <p:fade/>
       </p:transition>
@@ -5356,7 +5431,7 @@
           <p:cNvPr id="2" name="Title 1">
             <a:extLst>
               <a:ext uri="{FF2B5EF4-FFF2-40B4-BE49-F238E27FC236}">
-                <a16:creationId xmlns:a16="http://schemas.microsoft.com/office/drawing/2014/main" id="{D1BECA31-EE14-41DD-9914-DA7138220460}"/>
+                <a16:creationId xmlns:a16="http://schemas.microsoft.com/office/drawing/2014/main" xmlns="" id="{D1BECA31-EE14-41DD-9914-DA7138220460}"/>
               </a:ext>
             </a:extLst>
           </p:cNvPr>
@@ -5390,7 +5465,7 @@
           <p:cNvPr id="3" name="Text Placeholder 2">
             <a:extLst>
               <a:ext uri="{FF2B5EF4-FFF2-40B4-BE49-F238E27FC236}">
-                <a16:creationId xmlns:a16="http://schemas.microsoft.com/office/drawing/2014/main" id="{6CB22AB6-1657-4AE2-8607-2C77A25D79D9}"/>
+                <a16:creationId xmlns:a16="http://schemas.microsoft.com/office/drawing/2014/main" xmlns="" id="{6CB22AB6-1657-4AE2-8607-2C77A25D79D9}"/>
               </a:ext>
             </a:extLst>
           </p:cNvPr>
@@ -5463,7 +5538,7 @@
           <p:cNvPr id="4" name="Content Placeholder 3">
             <a:extLst>
               <a:ext uri="{FF2B5EF4-FFF2-40B4-BE49-F238E27FC236}">
-                <a16:creationId xmlns:a16="http://schemas.microsoft.com/office/drawing/2014/main" id="{4BAA6DC0-D4D5-4164-A3FD-6BB5CBB2BBAD}"/>
+                <a16:creationId xmlns:a16="http://schemas.microsoft.com/office/drawing/2014/main" xmlns="" id="{4BAA6DC0-D4D5-4164-A3FD-6BB5CBB2BBAD}"/>
               </a:ext>
             </a:extLst>
           </p:cNvPr>
@@ -5544,7 +5619,7 @@
           <p:cNvPr id="5" name="Text Placeholder 4">
             <a:extLst>
               <a:ext uri="{FF2B5EF4-FFF2-40B4-BE49-F238E27FC236}">
-                <a16:creationId xmlns:a16="http://schemas.microsoft.com/office/drawing/2014/main" id="{129B35F8-95F3-43D1-8917-5836BAA90490}"/>
+                <a16:creationId xmlns:a16="http://schemas.microsoft.com/office/drawing/2014/main" xmlns="" id="{129B35F8-95F3-43D1-8917-5836BAA90490}"/>
               </a:ext>
             </a:extLst>
           </p:cNvPr>
@@ -5617,7 +5692,7 @@
           <p:cNvPr id="6" name="Content Placeholder 5">
             <a:extLst>
               <a:ext uri="{FF2B5EF4-FFF2-40B4-BE49-F238E27FC236}">
-                <a16:creationId xmlns:a16="http://schemas.microsoft.com/office/drawing/2014/main" id="{12B639E7-F4A3-4ADE-B290-0A4F9761B977}"/>
+                <a16:creationId xmlns:a16="http://schemas.microsoft.com/office/drawing/2014/main" xmlns="" id="{12B639E7-F4A3-4ADE-B290-0A4F9761B977}"/>
               </a:ext>
             </a:extLst>
           </p:cNvPr>
@@ -5698,7 +5773,7 @@
           <p:cNvPr id="7" name="Date Placeholder 6">
             <a:extLst>
               <a:ext uri="{FF2B5EF4-FFF2-40B4-BE49-F238E27FC236}">
-                <a16:creationId xmlns:a16="http://schemas.microsoft.com/office/drawing/2014/main" id="{CD6F296B-429F-4DFC-ABC3-0A078EA99425}"/>
+                <a16:creationId xmlns:a16="http://schemas.microsoft.com/office/drawing/2014/main" xmlns="" id="{CD6F296B-429F-4DFC-ABC3-0A078EA99425}"/>
               </a:ext>
             </a:extLst>
           </p:cNvPr>
@@ -5716,7 +5791,7 @@
           <a:p>
             <a:fld id="{38BD77D9-239F-488B-9358-023C46BC7084}" type="datetime1">
               <a:rPr lang="en-US" smtClean="0"/>
-              <a:t>10/21/2024</a:t>
+              <a:t>10/22/2024</a:t>
             </a:fld>
             <a:endParaRPr lang="en-US"/>
           </a:p>
@@ -5727,7 +5802,7 @@
           <p:cNvPr id="8" name="Footer Placeholder 7">
             <a:extLst>
               <a:ext uri="{FF2B5EF4-FFF2-40B4-BE49-F238E27FC236}">
-                <a16:creationId xmlns:a16="http://schemas.microsoft.com/office/drawing/2014/main" id="{0B7103B9-D521-4910-AC15-F12F25CB9524}"/>
+                <a16:creationId xmlns:a16="http://schemas.microsoft.com/office/drawing/2014/main" xmlns="" id="{0B7103B9-D521-4910-AC15-F12F25CB9524}"/>
               </a:ext>
             </a:extLst>
           </p:cNvPr>
@@ -5752,7 +5827,7 @@
           <p:cNvPr id="9" name="Slide Number Placeholder 8">
             <a:extLst>
               <a:ext uri="{FF2B5EF4-FFF2-40B4-BE49-F238E27FC236}">
-                <a16:creationId xmlns:a16="http://schemas.microsoft.com/office/drawing/2014/main" id="{9F73A6D9-123D-492C-B5CE-294EF2559FAB}"/>
+                <a16:creationId xmlns:a16="http://schemas.microsoft.com/office/drawing/2014/main" xmlns="" id="{9F73A6D9-123D-492C-B5CE-294EF2559FAB}"/>
               </a:ext>
             </a:extLst>
           </p:cNvPr>
@@ -5786,13 +5861,13 @@
   <p:clrMapOvr>
     <a:masterClrMapping/>
   </p:clrMapOvr>
-  <mc:AlternateContent xmlns:mc="http://schemas.openxmlformats.org/markup-compatibility/2006" xmlns:p159="http://schemas.microsoft.com/office/powerpoint/2015/09/main">
-    <mc:Choice Requires="p159">
+  <mc:AlternateContent xmlns:mc="http://schemas.openxmlformats.org/markup-compatibility/2006">
+    <mc:Choice xmlns:p159="http://schemas.microsoft.com/office/powerpoint/2015/09/main" xmlns="" Requires="p159">
       <p:transition xmlns:p14="http://schemas.microsoft.com/office/powerpoint/2010/main" spd="slow" p14:dur="2000">
         <p159:morph option="byObject"/>
       </p:transition>
     </mc:Choice>
-    <mc:Fallback xmlns="">
+    <mc:Fallback>
       <p:transition spd="slow">
         <p:fade/>
       </p:transition>
@@ -5823,7 +5898,7 @@
           <p:cNvPr id="2" name="Title 1">
             <a:extLst>
               <a:ext uri="{FF2B5EF4-FFF2-40B4-BE49-F238E27FC236}">
-                <a16:creationId xmlns:a16="http://schemas.microsoft.com/office/drawing/2014/main" id="{4C592A22-4B4D-4F58-9783-A0469DA4D233}"/>
+                <a16:creationId xmlns:a16="http://schemas.microsoft.com/office/drawing/2014/main" xmlns="" id="{4C592A22-4B4D-4F58-9783-A0469DA4D233}"/>
               </a:ext>
             </a:extLst>
           </p:cNvPr>
@@ -5857,7 +5932,7 @@
           <p:cNvPr id="3" name="Date Placeholder 2">
             <a:extLst>
               <a:ext uri="{FF2B5EF4-FFF2-40B4-BE49-F238E27FC236}">
-                <a16:creationId xmlns:a16="http://schemas.microsoft.com/office/drawing/2014/main" id="{3B5EE610-5457-4E8C-B568-B8D560773B5C}"/>
+                <a16:creationId xmlns:a16="http://schemas.microsoft.com/office/drawing/2014/main" xmlns="" id="{3B5EE610-5457-4E8C-B568-B8D560773B5C}"/>
               </a:ext>
             </a:extLst>
           </p:cNvPr>
@@ -5875,7 +5950,7 @@
           <a:p>
             <a:fld id="{1EE61C24-7140-4FDE-92F3-654C6E2D3C1C}" type="datetime1">
               <a:rPr lang="en-US" smtClean="0"/>
-              <a:t>10/21/2024</a:t>
+              <a:t>10/22/2024</a:t>
             </a:fld>
             <a:endParaRPr lang="en-US"/>
           </a:p>
@@ -5886,7 +5961,7 @@
           <p:cNvPr id="4" name="Footer Placeholder 3">
             <a:extLst>
               <a:ext uri="{FF2B5EF4-FFF2-40B4-BE49-F238E27FC236}">
-                <a16:creationId xmlns:a16="http://schemas.microsoft.com/office/drawing/2014/main" id="{A0BA57BB-288A-4A30-A4EC-FF0537BC2603}"/>
+                <a16:creationId xmlns:a16="http://schemas.microsoft.com/office/drawing/2014/main" xmlns="" id="{A0BA57BB-288A-4A30-A4EC-FF0537BC2603}"/>
               </a:ext>
             </a:extLst>
           </p:cNvPr>
@@ -5911,7 +5986,7 @@
           <p:cNvPr id="5" name="Slide Number Placeholder 4">
             <a:extLst>
               <a:ext uri="{FF2B5EF4-FFF2-40B4-BE49-F238E27FC236}">
-                <a16:creationId xmlns:a16="http://schemas.microsoft.com/office/drawing/2014/main" id="{D0414C89-B968-4A85-A035-E2997A5F8498}"/>
+                <a16:creationId xmlns:a16="http://schemas.microsoft.com/office/drawing/2014/main" xmlns="" id="{D0414C89-B968-4A85-A035-E2997A5F8498}"/>
               </a:ext>
             </a:extLst>
           </p:cNvPr>
@@ -5945,13 +6020,13 @@
   <p:clrMapOvr>
     <a:masterClrMapping/>
   </p:clrMapOvr>
-  <mc:AlternateContent xmlns:mc="http://schemas.openxmlformats.org/markup-compatibility/2006" xmlns:p159="http://schemas.microsoft.com/office/powerpoint/2015/09/main">
-    <mc:Choice Requires="p159">
+  <mc:AlternateContent xmlns:mc="http://schemas.openxmlformats.org/markup-compatibility/2006">
+    <mc:Choice xmlns:p159="http://schemas.microsoft.com/office/powerpoint/2015/09/main" xmlns="" Requires="p159">
       <p:transition xmlns:p14="http://schemas.microsoft.com/office/powerpoint/2010/main" spd="slow" p14:dur="2000">
         <p159:morph option="byObject"/>
       </p:transition>
     </mc:Choice>
-    <mc:Fallback xmlns="">
+    <mc:Fallback>
       <p:transition spd="slow">
         <p:fade/>
       </p:transition>
@@ -5982,7 +6057,7 @@
           <p:cNvPr id="2" name="Date Placeholder 1">
             <a:extLst>
               <a:ext uri="{FF2B5EF4-FFF2-40B4-BE49-F238E27FC236}">
-                <a16:creationId xmlns:a16="http://schemas.microsoft.com/office/drawing/2014/main" id="{1B7A339C-4093-4B40-8C90-52F005CA9A0E}"/>
+                <a16:creationId xmlns:a16="http://schemas.microsoft.com/office/drawing/2014/main" xmlns="" id="{1B7A339C-4093-4B40-8C90-52F005CA9A0E}"/>
               </a:ext>
             </a:extLst>
           </p:cNvPr>
@@ -6000,7 +6075,7 @@
           <a:p>
             <a:fld id="{DC4D6ACF-ECB9-4B5F-A429-08B8AC75E8EF}" type="datetime1">
               <a:rPr lang="en-US" smtClean="0"/>
-              <a:t>10/21/2024</a:t>
+              <a:t>10/22/2024</a:t>
             </a:fld>
             <a:endParaRPr lang="en-US"/>
           </a:p>
@@ -6011,7 +6086,7 @@
           <p:cNvPr id="3" name="Footer Placeholder 2">
             <a:extLst>
               <a:ext uri="{FF2B5EF4-FFF2-40B4-BE49-F238E27FC236}">
-                <a16:creationId xmlns:a16="http://schemas.microsoft.com/office/drawing/2014/main" id="{DFA33F04-8E0A-4165-930C-527D781A7D0C}"/>
+                <a16:creationId xmlns:a16="http://schemas.microsoft.com/office/drawing/2014/main" xmlns="" id="{DFA33F04-8E0A-4165-930C-527D781A7D0C}"/>
               </a:ext>
             </a:extLst>
           </p:cNvPr>
@@ -6036,7 +6111,7 @@
           <p:cNvPr id="4" name="Slide Number Placeholder 3">
             <a:extLst>
               <a:ext uri="{FF2B5EF4-FFF2-40B4-BE49-F238E27FC236}">
-                <a16:creationId xmlns:a16="http://schemas.microsoft.com/office/drawing/2014/main" id="{9062F57B-BEB6-4973-A362-38F638E0D05C}"/>
+                <a16:creationId xmlns:a16="http://schemas.microsoft.com/office/drawing/2014/main" xmlns="" id="{9062F57B-BEB6-4973-A362-38F638E0D05C}"/>
               </a:ext>
             </a:extLst>
           </p:cNvPr>
@@ -6070,13 +6145,13 @@
   <p:clrMapOvr>
     <a:masterClrMapping/>
   </p:clrMapOvr>
-  <mc:AlternateContent xmlns:mc="http://schemas.openxmlformats.org/markup-compatibility/2006" xmlns:p159="http://schemas.microsoft.com/office/powerpoint/2015/09/main">
-    <mc:Choice Requires="p159">
+  <mc:AlternateContent xmlns:mc="http://schemas.openxmlformats.org/markup-compatibility/2006">
+    <mc:Choice xmlns:p159="http://schemas.microsoft.com/office/powerpoint/2015/09/main" xmlns="" Requires="p159">
       <p:transition xmlns:p14="http://schemas.microsoft.com/office/powerpoint/2010/main" spd="slow" p14:dur="2000">
         <p159:morph option="byObject"/>
       </p:transition>
     </mc:Choice>
-    <mc:Fallback xmlns="">
+    <mc:Fallback>
       <p:transition spd="slow">
         <p:fade/>
       </p:transition>
@@ -6107,7 +6182,7 @@
           <p:cNvPr id="2" name="Title 1">
             <a:extLst>
               <a:ext uri="{FF2B5EF4-FFF2-40B4-BE49-F238E27FC236}">
-                <a16:creationId xmlns:a16="http://schemas.microsoft.com/office/drawing/2014/main" id="{4A8FAC90-C2CA-44DD-8EF8-20BDD6724247}"/>
+                <a16:creationId xmlns:a16="http://schemas.microsoft.com/office/drawing/2014/main" xmlns="" id="{4A8FAC90-C2CA-44DD-8EF8-20BDD6724247}"/>
               </a:ext>
             </a:extLst>
           </p:cNvPr>
@@ -6147,7 +6222,7 @@
           <p:cNvPr id="3" name="Content Placeholder 2">
             <a:extLst>
               <a:ext uri="{FF2B5EF4-FFF2-40B4-BE49-F238E27FC236}">
-                <a16:creationId xmlns:a16="http://schemas.microsoft.com/office/drawing/2014/main" id="{5EE915FB-D5F4-4CAD-AE70-3644E81802E6}"/>
+                <a16:creationId xmlns:a16="http://schemas.microsoft.com/office/drawing/2014/main" xmlns="" id="{5EE915FB-D5F4-4CAD-AE70-3644E81802E6}"/>
               </a:ext>
             </a:extLst>
           </p:cNvPr>
@@ -6240,7 +6315,7 @@
           <p:cNvPr id="4" name="Text Placeholder 3">
             <a:extLst>
               <a:ext uri="{FF2B5EF4-FFF2-40B4-BE49-F238E27FC236}">
-                <a16:creationId xmlns:a16="http://schemas.microsoft.com/office/drawing/2014/main" id="{E7374DA3-3BAC-4045-825F-B3C27B89736B}"/>
+                <a16:creationId xmlns:a16="http://schemas.microsoft.com/office/drawing/2014/main" xmlns="" id="{E7374DA3-3BAC-4045-825F-B3C27B89736B}"/>
               </a:ext>
             </a:extLst>
           </p:cNvPr>
@@ -6313,7 +6388,7 @@
           <p:cNvPr id="5" name="Date Placeholder 4">
             <a:extLst>
               <a:ext uri="{FF2B5EF4-FFF2-40B4-BE49-F238E27FC236}">
-                <a16:creationId xmlns:a16="http://schemas.microsoft.com/office/drawing/2014/main" id="{D45A0D65-0423-4E45-947A-E08C8569F15F}"/>
+                <a16:creationId xmlns:a16="http://schemas.microsoft.com/office/drawing/2014/main" xmlns="" id="{D45A0D65-0423-4E45-947A-E08C8569F15F}"/>
               </a:ext>
             </a:extLst>
           </p:cNvPr>
@@ -6331,7 +6406,7 @@
           <a:p>
             <a:fld id="{788B429B-EE2A-486A-BDB9-0C848B4FAFDD}" type="datetime1">
               <a:rPr lang="en-US" smtClean="0"/>
-              <a:t>10/21/2024</a:t>
+              <a:t>10/22/2024</a:t>
             </a:fld>
             <a:endParaRPr lang="en-US"/>
           </a:p>
@@ -6342,7 +6417,7 @@
           <p:cNvPr id="6" name="Footer Placeholder 5">
             <a:extLst>
               <a:ext uri="{FF2B5EF4-FFF2-40B4-BE49-F238E27FC236}">
-                <a16:creationId xmlns:a16="http://schemas.microsoft.com/office/drawing/2014/main" id="{27E6FBD0-E49F-4DE6-9264-CEDB9BAA01C6}"/>
+                <a16:creationId xmlns:a16="http://schemas.microsoft.com/office/drawing/2014/main" xmlns="" id="{27E6FBD0-E49F-4DE6-9264-CEDB9BAA01C6}"/>
               </a:ext>
             </a:extLst>
           </p:cNvPr>
@@ -6367,7 +6442,7 @@
           <p:cNvPr id="7" name="Slide Number Placeholder 6">
             <a:extLst>
               <a:ext uri="{FF2B5EF4-FFF2-40B4-BE49-F238E27FC236}">
-                <a16:creationId xmlns:a16="http://schemas.microsoft.com/office/drawing/2014/main" id="{A816B246-A768-4B2D-96C6-9F417852636C}"/>
+                <a16:creationId xmlns:a16="http://schemas.microsoft.com/office/drawing/2014/main" xmlns="" id="{A816B246-A768-4B2D-96C6-9F417852636C}"/>
               </a:ext>
             </a:extLst>
           </p:cNvPr>
@@ -6401,13 +6476,13 @@
   <p:clrMapOvr>
     <a:masterClrMapping/>
   </p:clrMapOvr>
-  <mc:AlternateContent xmlns:mc="http://schemas.openxmlformats.org/markup-compatibility/2006" xmlns:p159="http://schemas.microsoft.com/office/powerpoint/2015/09/main">
-    <mc:Choice Requires="p159">
+  <mc:AlternateContent xmlns:mc="http://schemas.openxmlformats.org/markup-compatibility/2006">
+    <mc:Choice xmlns:p159="http://schemas.microsoft.com/office/powerpoint/2015/09/main" xmlns="" Requires="p159">
       <p:transition xmlns:p14="http://schemas.microsoft.com/office/powerpoint/2010/main" spd="slow" p14:dur="2000">
         <p159:morph option="byObject"/>
       </p:transition>
     </mc:Choice>
-    <mc:Fallback xmlns="">
+    <mc:Fallback>
       <p:transition spd="slow">
         <p:fade/>
       </p:transition>
@@ -6438,7 +6513,7 @@
           <p:cNvPr id="2" name="Title 1">
             <a:extLst>
               <a:ext uri="{FF2B5EF4-FFF2-40B4-BE49-F238E27FC236}">
-                <a16:creationId xmlns:a16="http://schemas.microsoft.com/office/drawing/2014/main" id="{060CB0C8-915E-4BF2-976E-B8D7EDC591F9}"/>
+                <a16:creationId xmlns:a16="http://schemas.microsoft.com/office/drawing/2014/main" xmlns="" id="{060CB0C8-915E-4BF2-976E-B8D7EDC591F9}"/>
               </a:ext>
             </a:extLst>
           </p:cNvPr>
@@ -6478,7 +6553,7 @@
           <p:cNvPr id="3" name="Picture Placeholder 2">
             <a:extLst>
               <a:ext uri="{FF2B5EF4-FFF2-40B4-BE49-F238E27FC236}">
-                <a16:creationId xmlns:a16="http://schemas.microsoft.com/office/drawing/2014/main" id="{710714E6-8E50-4B50-A2E0-F9D20155EB9B}"/>
+                <a16:creationId xmlns:a16="http://schemas.microsoft.com/office/drawing/2014/main" xmlns="" id="{710714E6-8E50-4B50-A2E0-F9D20155EB9B}"/>
               </a:ext>
             </a:extLst>
           </p:cNvPr>
@@ -6549,7 +6624,7 @@
           <p:cNvPr id="4" name="Text Placeholder 3">
             <a:extLst>
               <a:ext uri="{FF2B5EF4-FFF2-40B4-BE49-F238E27FC236}">
-                <a16:creationId xmlns:a16="http://schemas.microsoft.com/office/drawing/2014/main" id="{E0D67A6C-5CA5-4EF0-B1C4-ED85FF255AE3}"/>
+                <a16:creationId xmlns:a16="http://schemas.microsoft.com/office/drawing/2014/main" xmlns="" id="{E0D67A6C-5CA5-4EF0-B1C4-ED85FF255AE3}"/>
               </a:ext>
             </a:extLst>
           </p:cNvPr>
@@ -6622,7 +6697,7 @@
           <p:cNvPr id="5" name="Date Placeholder 4">
             <a:extLst>
               <a:ext uri="{FF2B5EF4-FFF2-40B4-BE49-F238E27FC236}">
-                <a16:creationId xmlns:a16="http://schemas.microsoft.com/office/drawing/2014/main" id="{31C76474-31D4-4567-B4EC-B6AF24488AE7}"/>
+                <a16:creationId xmlns:a16="http://schemas.microsoft.com/office/drawing/2014/main" xmlns="" id="{31C76474-31D4-4567-B4EC-B6AF24488AE7}"/>
               </a:ext>
             </a:extLst>
           </p:cNvPr>
@@ -6640,7 +6715,7 @@
           <a:p>
             <a:fld id="{8DA5FE4A-CB8D-40AB-BFFC-AAF37EA071CB}" type="datetime1">
               <a:rPr lang="en-US" smtClean="0"/>
-              <a:t>10/21/2024</a:t>
+              <a:t>10/22/2024</a:t>
             </a:fld>
             <a:endParaRPr lang="en-US"/>
           </a:p>
@@ -6651,7 +6726,7 @@
           <p:cNvPr id="6" name="Footer Placeholder 5">
             <a:extLst>
               <a:ext uri="{FF2B5EF4-FFF2-40B4-BE49-F238E27FC236}">
-                <a16:creationId xmlns:a16="http://schemas.microsoft.com/office/drawing/2014/main" id="{5C902DE0-33F5-4372-8EB5-F5746D344A59}"/>
+                <a16:creationId xmlns:a16="http://schemas.microsoft.com/office/drawing/2014/main" xmlns="" id="{5C902DE0-33F5-4372-8EB5-F5746D344A59}"/>
               </a:ext>
             </a:extLst>
           </p:cNvPr>
@@ -6676,7 +6751,7 @@
           <p:cNvPr id="7" name="Slide Number Placeholder 6">
             <a:extLst>
               <a:ext uri="{FF2B5EF4-FFF2-40B4-BE49-F238E27FC236}">
-                <a16:creationId xmlns:a16="http://schemas.microsoft.com/office/drawing/2014/main" id="{25C5C2EF-849D-4B2C-8ED6-D26553657DBA}"/>
+                <a16:creationId xmlns:a16="http://schemas.microsoft.com/office/drawing/2014/main" xmlns="" id="{25C5C2EF-849D-4B2C-8ED6-D26553657DBA}"/>
               </a:ext>
             </a:extLst>
           </p:cNvPr>
@@ -6710,13 +6785,13 @@
   <p:clrMapOvr>
     <a:masterClrMapping/>
   </p:clrMapOvr>
-  <mc:AlternateContent xmlns:mc="http://schemas.openxmlformats.org/markup-compatibility/2006" xmlns:p159="http://schemas.microsoft.com/office/powerpoint/2015/09/main">
-    <mc:Choice Requires="p159">
+  <mc:AlternateContent xmlns:mc="http://schemas.openxmlformats.org/markup-compatibility/2006">
+    <mc:Choice xmlns:p159="http://schemas.microsoft.com/office/powerpoint/2015/09/main" xmlns="" Requires="p159">
       <p:transition xmlns:p14="http://schemas.microsoft.com/office/powerpoint/2010/main" spd="slow" p14:dur="2000">
         <p159:morph option="byObject"/>
       </p:transition>
     </mc:Choice>
-    <mc:Fallback xmlns="">
+    <mc:Fallback>
       <p:transition spd="slow">
         <p:fade/>
       </p:transition>
@@ -6752,10 +6827,10 @@
           <p:cNvPr id="7" name="Rectangle 6">
             <a:extLst>
               <a:ext uri="{FF2B5EF4-FFF2-40B4-BE49-F238E27FC236}">
-                <a16:creationId xmlns:a16="http://schemas.microsoft.com/office/drawing/2014/main" id="{2293296F-4C3A-4530-98F5-F83646ACE913}"/>
+                <a16:creationId xmlns:a16="http://schemas.microsoft.com/office/drawing/2014/main" xmlns="" id="{2293296F-4C3A-4530-98F5-F83646ACE913}"/>
               </a:ext>
               <a:ext uri="{C183D7F6-B498-43B3-948B-1728B52AA6E4}">
-                <adec:decorative xmlns:adec="http://schemas.microsoft.com/office/drawing/2017/decorative" val="1"/>
+                <adec:decorative xmlns:adec="http://schemas.microsoft.com/office/drawing/2017/decorative" xmlns="" val="1"/>
               </a:ext>
             </a:extLst>
           </p:cNvPr>
@@ -6810,10 +6885,10 @@
           <p:cNvPr id="8" name="Group 7">
             <a:extLst>
               <a:ext uri="{FF2B5EF4-FFF2-40B4-BE49-F238E27FC236}">
-                <a16:creationId xmlns:a16="http://schemas.microsoft.com/office/drawing/2014/main" id="{3914D2BD-3C47-433D-81FE-DC6C39595F0E}"/>
+                <a16:creationId xmlns:a16="http://schemas.microsoft.com/office/drawing/2014/main" xmlns="" id="{3914D2BD-3C47-433D-81FE-DC6C39595F0E}"/>
               </a:ext>
               <a:ext uri="{C183D7F6-B498-43B3-948B-1728B52AA6E4}">
-                <adec:decorative xmlns:adec="http://schemas.microsoft.com/office/drawing/2017/decorative" val="1"/>
+                <adec:decorative xmlns:adec="http://schemas.microsoft.com/office/drawing/2017/decorative" xmlns="" val="1"/>
               </a:ext>
             </a:extLst>
           </p:cNvPr>
@@ -6833,7 +6908,7 @@
             <p:cNvPr id="9" name="Straight Connector 8">
               <a:extLst>
                 <a:ext uri="{FF2B5EF4-FFF2-40B4-BE49-F238E27FC236}">
-                  <a16:creationId xmlns:a16="http://schemas.microsoft.com/office/drawing/2014/main" id="{D3DD55E4-EA4F-4874-8B5B-6E0EAF4BBFC4}"/>
+                  <a16:creationId xmlns:a16="http://schemas.microsoft.com/office/drawing/2014/main" xmlns="" id="{D3DD55E4-EA4F-4874-8B5B-6E0EAF4BBFC4}"/>
                 </a:ext>
               </a:extLst>
             </p:cNvPr>
@@ -6876,7 +6951,7 @@
             <p:cNvPr id="10" name="Straight Connector 9">
               <a:extLst>
                 <a:ext uri="{FF2B5EF4-FFF2-40B4-BE49-F238E27FC236}">
-                  <a16:creationId xmlns:a16="http://schemas.microsoft.com/office/drawing/2014/main" id="{32950BAF-7673-4138-AEA2-DE7D368CC357}"/>
+                  <a16:creationId xmlns:a16="http://schemas.microsoft.com/office/drawing/2014/main" xmlns="" id="{32950BAF-7673-4138-AEA2-DE7D368CC357}"/>
                 </a:ext>
               </a:extLst>
             </p:cNvPr>
@@ -6919,7 +6994,7 @@
             <p:cNvPr id="11" name="Straight Connector 10">
               <a:extLst>
                 <a:ext uri="{FF2B5EF4-FFF2-40B4-BE49-F238E27FC236}">
-                  <a16:creationId xmlns:a16="http://schemas.microsoft.com/office/drawing/2014/main" id="{6BE3E2B5-EA1C-415A-941A-843C7EA148E1}"/>
+                  <a16:creationId xmlns:a16="http://schemas.microsoft.com/office/drawing/2014/main" xmlns="" id="{6BE3E2B5-EA1C-415A-941A-843C7EA148E1}"/>
                 </a:ext>
               </a:extLst>
             </p:cNvPr>
@@ -6962,7 +7037,7 @@
             <p:cNvPr id="12" name="Straight Connector 11">
               <a:extLst>
                 <a:ext uri="{FF2B5EF4-FFF2-40B4-BE49-F238E27FC236}">
-                  <a16:creationId xmlns:a16="http://schemas.microsoft.com/office/drawing/2014/main" id="{087FA3A6-E398-4576-B6B8-3328028D84B2}"/>
+                  <a16:creationId xmlns:a16="http://schemas.microsoft.com/office/drawing/2014/main" xmlns="" id="{087FA3A6-E398-4576-B6B8-3328028D84B2}"/>
                 </a:ext>
               </a:extLst>
             </p:cNvPr>
@@ -7005,7 +7080,7 @@
             <p:cNvPr id="13" name="Graphic 33">
               <a:extLst>
                 <a:ext uri="{FF2B5EF4-FFF2-40B4-BE49-F238E27FC236}">
-                  <a16:creationId xmlns:a16="http://schemas.microsoft.com/office/drawing/2014/main" id="{EFB597D7-65E0-476A-B9EB-3AA6ED33884C}"/>
+                  <a16:creationId xmlns:a16="http://schemas.microsoft.com/office/drawing/2014/main" xmlns="" id="{EFB597D7-65E0-476A-B9EB-3AA6ED33884C}"/>
                 </a:ext>
               </a:extLst>
             </p:cNvPr>
@@ -7080,7 +7155,7 @@
             <p:cNvPr id="14" name="Graphic 33">
               <a:extLst>
                 <a:ext uri="{FF2B5EF4-FFF2-40B4-BE49-F238E27FC236}">
-                  <a16:creationId xmlns:a16="http://schemas.microsoft.com/office/drawing/2014/main" id="{11AA060A-BE0E-4687-8F9E-0E2955D9796D}"/>
+                  <a16:creationId xmlns:a16="http://schemas.microsoft.com/office/drawing/2014/main" xmlns="" id="{11AA060A-BE0E-4687-8F9E-0E2955D9796D}"/>
                 </a:ext>
               </a:extLst>
             </p:cNvPr>
@@ -7156,7 +7231,7 @@
           <p:cNvPr id="2" name="Title Placeholder 1">
             <a:extLst>
               <a:ext uri="{FF2B5EF4-FFF2-40B4-BE49-F238E27FC236}">
-                <a16:creationId xmlns:a16="http://schemas.microsoft.com/office/drawing/2014/main" id="{2D78318D-FE3E-41D7-9A8C-2065A2C46AF3}"/>
+                <a16:creationId xmlns:a16="http://schemas.microsoft.com/office/drawing/2014/main" xmlns="" id="{2D78318D-FE3E-41D7-9A8C-2065A2C46AF3}"/>
               </a:ext>
             </a:extLst>
           </p:cNvPr>
@@ -7195,7 +7270,7 @@
           <p:cNvPr id="3" name="Text Placeholder 2">
             <a:extLst>
               <a:ext uri="{FF2B5EF4-FFF2-40B4-BE49-F238E27FC236}">
-                <a16:creationId xmlns:a16="http://schemas.microsoft.com/office/drawing/2014/main" id="{FDB06718-79E7-4159-A003-F86FE7B3D829}"/>
+                <a16:creationId xmlns:a16="http://schemas.microsoft.com/office/drawing/2014/main" xmlns="" id="{FDB06718-79E7-4159-A003-F86FE7B3D829}"/>
               </a:ext>
             </a:extLst>
           </p:cNvPr>
@@ -7263,7 +7338,7 @@
           <p:cNvPr id="4" name="Date Placeholder 3">
             <a:extLst>
               <a:ext uri="{FF2B5EF4-FFF2-40B4-BE49-F238E27FC236}">
-                <a16:creationId xmlns:a16="http://schemas.microsoft.com/office/drawing/2014/main" id="{5B1F99FF-FFE2-431D-A0C8-A46C21712A20}"/>
+                <a16:creationId xmlns:a16="http://schemas.microsoft.com/office/drawing/2014/main" xmlns="" id="{5B1F99FF-FFE2-431D-A0C8-A46C21712A20}"/>
               </a:ext>
             </a:extLst>
           </p:cNvPr>
@@ -7300,7 +7375,7 @@
           <a:p>
             <a:fld id="{C0517C94-3B1E-4991-BED3-41F8B0158A00}" type="datetime1">
               <a:rPr lang="en-US" smtClean="0"/>
-              <a:t>10/21/2024</a:t>
+              <a:t>10/22/2024</a:t>
             </a:fld>
             <a:endParaRPr lang="en-US" dirty="0"/>
           </a:p>
@@ -7311,7 +7386,7 @@
           <p:cNvPr id="5" name="Footer Placeholder 4">
             <a:extLst>
               <a:ext uri="{FF2B5EF4-FFF2-40B4-BE49-F238E27FC236}">
-                <a16:creationId xmlns:a16="http://schemas.microsoft.com/office/drawing/2014/main" id="{51C3547E-668D-4191-847C-7424F75496E6}"/>
+                <a16:creationId xmlns:a16="http://schemas.microsoft.com/office/drawing/2014/main" xmlns="" id="{51C3547E-668D-4191-847C-7424F75496E6}"/>
               </a:ext>
             </a:extLst>
           </p:cNvPr>
@@ -7355,7 +7430,7 @@
           <p:cNvPr id="6" name="Slide Number Placeholder 5">
             <a:extLst>
               <a:ext uri="{FF2B5EF4-FFF2-40B4-BE49-F238E27FC236}">
-                <a16:creationId xmlns:a16="http://schemas.microsoft.com/office/drawing/2014/main" id="{8CBB6E6E-8527-4F63-A0C7-84CD44A2B00D}"/>
+                <a16:creationId xmlns:a16="http://schemas.microsoft.com/office/drawing/2014/main" xmlns="" id="{8CBB6E6E-8527-4F63-A0C7-84CD44A2B00D}"/>
               </a:ext>
             </a:extLst>
           </p:cNvPr>
@@ -7420,13 +7495,13 @@
     <p:sldLayoutId id="2147483683" r:id="rId10"/>
     <p:sldLayoutId id="2147483684" r:id="rId11"/>
   </p:sldLayoutIdLst>
-  <mc:AlternateContent xmlns:mc="http://schemas.openxmlformats.org/markup-compatibility/2006" xmlns:p159="http://schemas.microsoft.com/office/powerpoint/2015/09/main">
-    <mc:Choice Requires="p159">
+  <mc:AlternateContent xmlns:mc="http://schemas.openxmlformats.org/markup-compatibility/2006">
+    <mc:Choice xmlns:p159="http://schemas.microsoft.com/office/powerpoint/2015/09/main" xmlns="" Requires="p159">
       <p:transition xmlns:p14="http://schemas.microsoft.com/office/powerpoint/2010/main" spd="slow" p14:dur="2000">
         <p159:morph option="byObject"/>
       </p:transition>
     </mc:Choice>
-    <mc:Fallback xmlns="">
+    <mc:Fallback>
       <p:transition spd="slow">
         <p:fade/>
       </p:transition>
@@ -7764,10 +7839,10 @@
           <p:cNvPr id="9" name="Rectangle 8">
             <a:extLst>
               <a:ext uri="{FF2B5EF4-FFF2-40B4-BE49-F238E27FC236}">
-                <a16:creationId xmlns:a16="http://schemas.microsoft.com/office/drawing/2014/main" id="{A38827F1-3359-44F6-9009-43AE2B17FEAD}"/>
+                <a16:creationId xmlns:a16="http://schemas.microsoft.com/office/drawing/2014/main" xmlns="" id="{A38827F1-3359-44F6-9009-43AE2B17FEAD}"/>
               </a:ext>
               <a:ext uri="{C183D7F6-B498-43B3-948B-1728B52AA6E4}">
-                <adec:decorative xmlns:adec="http://schemas.microsoft.com/office/drawing/2017/decorative" val="1"/>
+                <adec:decorative xmlns:adec="http://schemas.microsoft.com/office/drawing/2017/decorative" xmlns="" val="1"/>
               </a:ext>
             </a:extLst>
           </p:cNvPr>
@@ -7777,7 +7852,7 @@
           <p:nvPr>
             <p:extLst>
               <p:ext uri="{386F3935-93C4-4BCD-93E2-E3B085C9AB24}">
-                <p16:designElem xmlns:p16="http://schemas.microsoft.com/office/powerpoint/2015/main" val="1"/>
+                <p16:designElem xmlns:p16="http://schemas.microsoft.com/office/powerpoint/2015/main" xmlns="" val="1"/>
               </p:ext>
             </p:extLst>
           </p:nvPr>
@@ -7824,10 +7899,10 @@
           <p:cNvPr id="11" name="Rectangle 10">
             <a:extLst>
               <a:ext uri="{FF2B5EF4-FFF2-40B4-BE49-F238E27FC236}">
-                <a16:creationId xmlns:a16="http://schemas.microsoft.com/office/drawing/2014/main" id="{17AFAD67-5350-4773-886F-D6DD7E66DB04}"/>
+                <a16:creationId xmlns:a16="http://schemas.microsoft.com/office/drawing/2014/main" xmlns="" id="{17AFAD67-5350-4773-886F-D6DD7E66DB04}"/>
               </a:ext>
               <a:ext uri="{C183D7F6-B498-43B3-948B-1728B52AA6E4}">
-                <adec:decorative xmlns:adec="http://schemas.microsoft.com/office/drawing/2017/decorative" val="1"/>
+                <adec:decorative xmlns:adec="http://schemas.microsoft.com/office/drawing/2017/decorative" xmlns="" val="1"/>
               </a:ext>
             </a:extLst>
           </p:cNvPr>
@@ -7837,7 +7912,7 @@
           <p:nvPr>
             <p:extLst>
               <p:ext uri="{386F3935-93C4-4BCD-93E2-E3B085C9AB24}">
-                <p16:designElem xmlns:p16="http://schemas.microsoft.com/office/powerpoint/2015/main" val="1"/>
+                <p16:designElem xmlns:p16="http://schemas.microsoft.com/office/powerpoint/2015/main" xmlns="" val="1"/>
               </p:ext>
             </p:extLst>
           </p:nvPr>
@@ -7887,7 +7962,7 @@
           <p:cNvPr id="4" name="Picture 3" descr="Volume indicators">
             <a:extLst>
               <a:ext uri="{FF2B5EF4-FFF2-40B4-BE49-F238E27FC236}">
-                <a16:creationId xmlns:a16="http://schemas.microsoft.com/office/drawing/2014/main" id="{44B9E4ED-C411-A81C-54E8-50F55C6C5676}"/>
+                <a16:creationId xmlns:a16="http://schemas.microsoft.com/office/drawing/2014/main" xmlns="" id="{44B9E4ED-C411-A81C-54E8-50F55C6C5676}"/>
               </a:ext>
             </a:extLst>
           </p:cNvPr>
@@ -7921,10 +7996,10 @@
           <p:cNvPr id="13" name="Group 12">
             <a:extLst>
               <a:ext uri="{FF2B5EF4-FFF2-40B4-BE49-F238E27FC236}">
-                <a16:creationId xmlns:a16="http://schemas.microsoft.com/office/drawing/2014/main" id="{654AC0FE-C43D-49AC-9730-284354DEC86E}"/>
+                <a16:creationId xmlns:a16="http://schemas.microsoft.com/office/drawing/2014/main" xmlns="" id="{654AC0FE-C43D-49AC-9730-284354DEC86E}"/>
               </a:ext>
               <a:ext uri="{C183D7F6-B498-43B3-948B-1728B52AA6E4}">
-                <adec:decorative xmlns:adec="http://schemas.microsoft.com/office/drawing/2017/decorative" val="1"/>
+                <adec:decorative xmlns:adec="http://schemas.microsoft.com/office/drawing/2017/decorative" xmlns="" val="1"/>
               </a:ext>
             </a:extLst>
           </p:cNvPr>
@@ -7934,7 +8009,7 @@
           <p:nvPr>
             <p:extLst>
               <p:ext uri="{386F3935-93C4-4BCD-93E2-E3B085C9AB24}">
-                <p16:designElem xmlns:p16="http://schemas.microsoft.com/office/powerpoint/2015/main" val="1"/>
+                <p16:designElem xmlns:p16="http://schemas.microsoft.com/office/powerpoint/2015/main" xmlns="" val="1"/>
               </p:ext>
             </p:extLst>
           </p:nvPr>
@@ -7952,10 +8027,10 @@
             <p:cNvPr id="14" name="Straight Connector 13">
               <a:extLst>
                 <a:ext uri="{FF2B5EF4-FFF2-40B4-BE49-F238E27FC236}">
-                  <a16:creationId xmlns:a16="http://schemas.microsoft.com/office/drawing/2014/main" id="{246F6FE9-8F24-4E96-8FA6-DABE61A20CF5}"/>
+                  <a16:creationId xmlns:a16="http://schemas.microsoft.com/office/drawing/2014/main" xmlns="" id="{246F6FE9-8F24-4E96-8FA6-DABE61A20CF5}"/>
                 </a:ext>
                 <a:ext uri="{C183D7F6-B498-43B3-948B-1728B52AA6E4}">
-                  <adec:decorative xmlns:adec="http://schemas.microsoft.com/office/drawing/2017/decorative" val="1"/>
+                  <adec:decorative xmlns:adec="http://schemas.microsoft.com/office/drawing/2017/decorative" xmlns="" val="1"/>
                 </a:ext>
               </a:extLst>
             </p:cNvPr>
@@ -7965,7 +8040,7 @@
             <p:nvPr>
               <p:extLst>
                 <p:ext uri="{386F3935-93C4-4BCD-93E2-E3B085C9AB24}">
-                  <p16:designElem xmlns:p16="http://schemas.microsoft.com/office/powerpoint/2015/main" val="1"/>
+                  <p16:designElem xmlns:p16="http://schemas.microsoft.com/office/powerpoint/2015/main" xmlns="" val="1"/>
                 </p:ext>
               </p:extLst>
             </p:nvPr>
@@ -8004,10 +8079,10 @@
             <p:cNvPr id="15" name="Straight Connector 14">
               <a:extLst>
                 <a:ext uri="{FF2B5EF4-FFF2-40B4-BE49-F238E27FC236}">
-                  <a16:creationId xmlns:a16="http://schemas.microsoft.com/office/drawing/2014/main" id="{40C5E755-8FD9-4EBF-978B-015F9339F30F}"/>
+                  <a16:creationId xmlns:a16="http://schemas.microsoft.com/office/drawing/2014/main" xmlns="" id="{40C5E755-8FD9-4EBF-978B-015F9339F30F}"/>
                 </a:ext>
                 <a:ext uri="{C183D7F6-B498-43B3-948B-1728B52AA6E4}">
-                  <adec:decorative xmlns:adec="http://schemas.microsoft.com/office/drawing/2017/decorative" val="1"/>
+                  <adec:decorative xmlns:adec="http://schemas.microsoft.com/office/drawing/2017/decorative" xmlns="" val="1"/>
                 </a:ext>
               </a:extLst>
             </p:cNvPr>
@@ -8017,7 +8092,7 @@
             <p:nvPr>
               <p:extLst>
                 <p:ext uri="{386F3935-93C4-4BCD-93E2-E3B085C9AB24}">
-                  <p16:designElem xmlns:p16="http://schemas.microsoft.com/office/powerpoint/2015/main" val="1"/>
+                  <p16:designElem xmlns:p16="http://schemas.microsoft.com/office/powerpoint/2015/main" xmlns="" val="1"/>
                 </p:ext>
               </p:extLst>
             </p:nvPr>
@@ -8056,10 +8131,10 @@
             <p:cNvPr id="16" name="Straight Connector 15">
               <a:extLst>
                 <a:ext uri="{FF2B5EF4-FFF2-40B4-BE49-F238E27FC236}">
-                  <a16:creationId xmlns:a16="http://schemas.microsoft.com/office/drawing/2014/main" id="{9C7F63B7-3E85-42EC-8447-F6699247ECB5}"/>
+                  <a16:creationId xmlns:a16="http://schemas.microsoft.com/office/drawing/2014/main" xmlns="" id="{9C7F63B7-3E85-42EC-8447-F6699247ECB5}"/>
                 </a:ext>
                 <a:ext uri="{C183D7F6-B498-43B3-948B-1728B52AA6E4}">
-                  <adec:decorative xmlns:adec="http://schemas.microsoft.com/office/drawing/2017/decorative" val="1"/>
+                  <adec:decorative xmlns:adec="http://schemas.microsoft.com/office/drawing/2017/decorative" xmlns="" val="1"/>
                 </a:ext>
               </a:extLst>
             </p:cNvPr>
@@ -8069,7 +8144,7 @@
             <p:nvPr>
               <p:extLst>
                 <p:ext uri="{386F3935-93C4-4BCD-93E2-E3B085C9AB24}">
-                  <p16:designElem xmlns:p16="http://schemas.microsoft.com/office/powerpoint/2015/main" val="1"/>
+                  <p16:designElem xmlns:p16="http://schemas.microsoft.com/office/powerpoint/2015/main" xmlns="" val="1"/>
                 </p:ext>
               </p:extLst>
             </p:nvPr>
@@ -8108,10 +8183,10 @@
             <p:cNvPr id="17" name="Graphic 11">
               <a:extLst>
                 <a:ext uri="{FF2B5EF4-FFF2-40B4-BE49-F238E27FC236}">
-                  <a16:creationId xmlns:a16="http://schemas.microsoft.com/office/drawing/2014/main" id="{AFDFA9EA-AAC0-416F-A0E9-ACD410E9DA59}"/>
+                  <a16:creationId xmlns:a16="http://schemas.microsoft.com/office/drawing/2014/main" xmlns="" id="{AFDFA9EA-AAC0-416F-A0E9-ACD410E9DA59}"/>
                 </a:ext>
                 <a:ext uri="{C183D7F6-B498-43B3-948B-1728B52AA6E4}">
-                  <adec:decorative xmlns:adec="http://schemas.microsoft.com/office/drawing/2017/decorative" val="1"/>
+                  <adec:decorative xmlns:adec="http://schemas.microsoft.com/office/drawing/2017/decorative" xmlns="" val="1"/>
                 </a:ext>
               </a:extLst>
             </p:cNvPr>
@@ -8119,7 +8194,7 @@
             <p:nvPr>
               <p:extLst>
                 <p:ext uri="{386F3935-93C4-4BCD-93E2-E3B085C9AB24}">
-                  <p16:designElem xmlns:p16="http://schemas.microsoft.com/office/powerpoint/2015/main" val="1"/>
+                  <p16:designElem xmlns:p16="http://schemas.microsoft.com/office/powerpoint/2015/main" xmlns="" val="1"/>
                 </p:ext>
               </p:extLst>
             </p:nvPr>
@@ -8232,10 +8307,10 @@
             <p:cNvPr id="18" name="Straight Connector 17">
               <a:extLst>
                 <a:ext uri="{FF2B5EF4-FFF2-40B4-BE49-F238E27FC236}">
-                  <a16:creationId xmlns:a16="http://schemas.microsoft.com/office/drawing/2014/main" id="{C4EF7E7E-9948-4D78-BE70-F624A62D8532}"/>
+                  <a16:creationId xmlns:a16="http://schemas.microsoft.com/office/drawing/2014/main" xmlns="" id="{C4EF7E7E-9948-4D78-BE70-F624A62D8532}"/>
                 </a:ext>
                 <a:ext uri="{C183D7F6-B498-43B3-948B-1728B52AA6E4}">
-                  <adec:decorative xmlns:adec="http://schemas.microsoft.com/office/drawing/2017/decorative" val="1"/>
+                  <adec:decorative xmlns:adec="http://schemas.microsoft.com/office/drawing/2017/decorative" xmlns="" val="1"/>
                 </a:ext>
               </a:extLst>
             </p:cNvPr>
@@ -8245,7 +8320,7 @@
             <p:nvPr>
               <p:extLst>
                 <p:ext uri="{386F3935-93C4-4BCD-93E2-E3B085C9AB24}">
-                  <p16:designElem xmlns:p16="http://schemas.microsoft.com/office/powerpoint/2015/main" val="1"/>
+                  <p16:designElem xmlns:p16="http://schemas.microsoft.com/office/powerpoint/2015/main" xmlns="" val="1"/>
                 </p:ext>
               </p:extLst>
             </p:nvPr>
@@ -8284,10 +8359,10 @@
             <p:cNvPr id="19" name="Straight Connector 18">
               <a:extLst>
                 <a:ext uri="{FF2B5EF4-FFF2-40B4-BE49-F238E27FC236}">
-                  <a16:creationId xmlns:a16="http://schemas.microsoft.com/office/drawing/2014/main" id="{6975AAAB-9AEC-496F-94E4-CE5330CB49FA}"/>
+                  <a16:creationId xmlns:a16="http://schemas.microsoft.com/office/drawing/2014/main" xmlns="" id="{6975AAAB-9AEC-496F-94E4-CE5330CB49FA}"/>
                 </a:ext>
                 <a:ext uri="{C183D7F6-B498-43B3-948B-1728B52AA6E4}">
-                  <adec:decorative xmlns:adec="http://schemas.microsoft.com/office/drawing/2017/decorative" val="1"/>
+                  <adec:decorative xmlns:adec="http://schemas.microsoft.com/office/drawing/2017/decorative" xmlns="" val="1"/>
                 </a:ext>
               </a:extLst>
             </p:cNvPr>
@@ -8297,7 +8372,7 @@
             <p:nvPr>
               <p:extLst>
                 <p:ext uri="{386F3935-93C4-4BCD-93E2-E3B085C9AB24}">
-                  <p16:designElem xmlns:p16="http://schemas.microsoft.com/office/powerpoint/2015/main" val="1"/>
+                  <p16:designElem xmlns:p16="http://schemas.microsoft.com/office/powerpoint/2015/main" xmlns="" val="1"/>
                 </p:ext>
               </p:extLst>
             </p:nvPr>
@@ -8336,10 +8411,10 @@
             <p:cNvPr id="20" name="Straight Connector 19">
               <a:extLst>
                 <a:ext uri="{FF2B5EF4-FFF2-40B4-BE49-F238E27FC236}">
-                  <a16:creationId xmlns:a16="http://schemas.microsoft.com/office/drawing/2014/main" id="{EB5BF383-42C5-4FE4-894A-17B84AF224FE}"/>
+                  <a16:creationId xmlns:a16="http://schemas.microsoft.com/office/drawing/2014/main" xmlns="" id="{EB5BF383-42C5-4FE4-894A-17B84AF224FE}"/>
                 </a:ext>
                 <a:ext uri="{C183D7F6-B498-43B3-948B-1728B52AA6E4}">
-                  <adec:decorative xmlns:adec="http://schemas.microsoft.com/office/drawing/2017/decorative" val="1"/>
+                  <adec:decorative xmlns:adec="http://schemas.microsoft.com/office/drawing/2017/decorative" xmlns="" val="1"/>
                 </a:ext>
               </a:extLst>
             </p:cNvPr>
@@ -8349,7 +8424,7 @@
             <p:nvPr>
               <p:extLst>
                 <p:ext uri="{386F3935-93C4-4BCD-93E2-E3B085C9AB24}">
-                  <p16:designElem xmlns:p16="http://schemas.microsoft.com/office/powerpoint/2015/main" val="1"/>
+                  <p16:designElem xmlns:p16="http://schemas.microsoft.com/office/powerpoint/2015/main" xmlns="" val="1"/>
                 </p:ext>
               </p:extLst>
             </p:nvPr>
@@ -8432,13 +8507,219 @@
   <p:clrMapOvr>
     <a:overrideClrMapping bg1="dk1" tx1="lt1" bg2="dk2" tx2="lt2" accent1="accent1" accent2="accent2" accent3="accent3" accent4="accent4" accent5="accent5" accent6="accent6" hlink="hlink" folHlink="folHlink"/>
   </p:clrMapOvr>
-  <mc:AlternateContent xmlns:mc="http://schemas.openxmlformats.org/markup-compatibility/2006" xmlns:p159="http://schemas.microsoft.com/office/powerpoint/2015/09/main">
-    <mc:Choice Requires="p159">
+  <mc:AlternateContent xmlns:mc="http://schemas.openxmlformats.org/markup-compatibility/2006">
+    <mc:Choice xmlns:p159="http://schemas.microsoft.com/office/powerpoint/2015/09/main" xmlns="" Requires="p159">
       <p:transition xmlns:p14="http://schemas.microsoft.com/office/powerpoint/2010/main" spd="slow" p14:dur="2000">
         <p159:morph option="byObject"/>
       </p:transition>
     </mc:Choice>
-    <mc:Fallback xmlns="">
+    <mc:Fallback>
+      <p:transition spd="slow">
+        <p:fade/>
+      </p:transition>
+    </mc:Fallback>
+  </mc:AlternateContent>
+</p:sld>
+</file>
+
+<file path=ppt/slides/slide10.xml><?xml version="1.0" encoding="utf-8"?>
+<p:sld xmlns:a="http://schemas.openxmlformats.org/drawingml/2006/main" xmlns:r="http://schemas.openxmlformats.org/officeDocument/2006/relationships" xmlns:p="http://schemas.openxmlformats.org/presentationml/2006/main">
+  <p:cSld>
+    <p:spTree>
+      <p:nvGrpSpPr>
+        <p:cNvPr id="1" name=""/>
+        <p:cNvGrpSpPr/>
+        <p:nvPr/>
+      </p:nvGrpSpPr>
+      <p:grpSpPr>
+        <a:xfrm>
+          <a:off x="0" y="0"/>
+          <a:ext cx="0" cy="0"/>
+          <a:chOff x="0" y="0"/>
+          <a:chExt cx="0" cy="0"/>
+        </a:xfrm>
+      </p:grpSpPr>
+      <p:sp>
+        <p:nvSpPr>
+          <p:cNvPr id="2" name="Title 1"/>
+          <p:cNvSpPr>
+            <a:spLocks noGrp="1"/>
+          </p:cNvSpPr>
+          <p:nvPr>
+            <p:ph type="title"/>
+          </p:nvPr>
+        </p:nvSpPr>
+        <p:spPr/>
+        <p:txBody>
+          <a:bodyPr/>
+          <a:lstStyle/>
+          <a:p>
+            <a:pPr algn="ctr"/>
+            <a:r>
+              <a:rPr lang="en-US" dirty="0" smtClean="0">
+                <a:solidFill>
+                  <a:schemeClr val="tx1"/>
+                </a:solidFill>
+              </a:rPr>
+              <a:t>Data Flow Diagram</a:t>
+            </a:r>
+            <a:endParaRPr lang="en-US" dirty="0">
+              <a:solidFill>
+                <a:schemeClr val="tx1"/>
+              </a:solidFill>
+            </a:endParaRPr>
+          </a:p>
+        </p:txBody>
+      </p:sp>
+      <p:pic>
+        <p:nvPicPr>
+          <p:cNvPr id="4" name="Content Placeholder 3"/>
+          <p:cNvPicPr>
+            <a:picLocks noGrp="1" noChangeAspect="1"/>
+          </p:cNvPicPr>
+          <p:nvPr>
+            <p:ph idx="1"/>
+          </p:nvPr>
+        </p:nvPicPr>
+        <p:blipFill>
+          <a:blip r:embed="rId2">
+            <a:extLst>
+              <a:ext uri="{28A0092B-C50C-407E-A947-70E740481C1C}">
+                <a14:useLocalDpi xmlns:a14="http://schemas.microsoft.com/office/drawing/2010/main" val="0"/>
+              </a:ext>
+            </a:extLst>
+          </a:blip>
+          <a:stretch>
+            <a:fillRect/>
+          </a:stretch>
+        </p:blipFill>
+        <p:spPr>
+          <a:xfrm>
+            <a:off x="1889759" y="1846217"/>
+            <a:ext cx="8220891" cy="4165646"/>
+          </a:xfrm>
+        </p:spPr>
+      </p:pic>
+    </p:spTree>
+    <p:extLst>
+      <p:ext uri="{BB962C8B-B14F-4D97-AF65-F5344CB8AC3E}">
+        <p14:creationId xmlns:p14="http://schemas.microsoft.com/office/powerpoint/2010/main" val="2585693054"/>
+      </p:ext>
+    </p:extLst>
+  </p:cSld>
+  <p:clrMapOvr>
+    <a:masterClrMapping/>
+  </p:clrMapOvr>
+  <mc:AlternateContent xmlns:mc="http://schemas.openxmlformats.org/markup-compatibility/2006">
+    <mc:Choice xmlns:p159="http://schemas.microsoft.com/office/powerpoint/2015/09/main" xmlns="" Requires="p159">
+      <p:transition xmlns:p14="http://schemas.microsoft.com/office/powerpoint/2010/main" spd="slow" p14:dur="2000">
+        <p159:morph option="byObject"/>
+      </p:transition>
+    </mc:Choice>
+    <mc:Fallback>
+      <p:transition spd="slow">
+        <p:fade/>
+      </p:transition>
+    </mc:Fallback>
+  </mc:AlternateContent>
+</p:sld>
+</file>
+
+<file path=ppt/slides/slide11.xml><?xml version="1.0" encoding="utf-8"?>
+<p:sld xmlns:a="http://schemas.openxmlformats.org/drawingml/2006/main" xmlns:r="http://schemas.openxmlformats.org/officeDocument/2006/relationships" xmlns:p="http://schemas.openxmlformats.org/presentationml/2006/main">
+  <p:cSld>
+    <p:spTree>
+      <p:nvGrpSpPr>
+        <p:cNvPr id="1" name=""/>
+        <p:cNvGrpSpPr/>
+        <p:nvPr/>
+      </p:nvGrpSpPr>
+      <p:grpSpPr>
+        <a:xfrm>
+          <a:off x="0" y="0"/>
+          <a:ext cx="0" cy="0"/>
+          <a:chOff x="0" y="0"/>
+          <a:chExt cx="0" cy="0"/>
+        </a:xfrm>
+      </p:grpSpPr>
+      <p:sp>
+        <p:nvSpPr>
+          <p:cNvPr id="2" name="Title 1"/>
+          <p:cNvSpPr>
+            <a:spLocks noGrp="1"/>
+          </p:cNvSpPr>
+          <p:nvPr>
+            <p:ph type="title"/>
+          </p:nvPr>
+        </p:nvSpPr>
+        <p:spPr/>
+        <p:txBody>
+          <a:bodyPr/>
+          <a:lstStyle/>
+          <a:p>
+            <a:pPr algn="ctr"/>
+            <a:r>
+              <a:rPr lang="en-US" dirty="0" smtClean="0">
+                <a:solidFill>
+                  <a:schemeClr val="tx1"/>
+                </a:solidFill>
+              </a:rPr>
+              <a:t>Process Of Sending Data</a:t>
+            </a:r>
+            <a:endParaRPr lang="en-US" dirty="0">
+              <a:solidFill>
+                <a:schemeClr val="tx1"/>
+              </a:solidFill>
+            </a:endParaRPr>
+          </a:p>
+        </p:txBody>
+      </p:sp>
+      <p:pic>
+        <p:nvPicPr>
+          <p:cNvPr id="4" name="Content Placeholder 3"/>
+          <p:cNvPicPr>
+            <a:picLocks noGrp="1" noChangeAspect="1"/>
+          </p:cNvPicPr>
+          <p:nvPr>
+            <p:ph idx="1"/>
+          </p:nvPr>
+        </p:nvPicPr>
+        <p:blipFill>
+          <a:blip r:embed="rId2">
+            <a:extLst>
+              <a:ext uri="{28A0092B-C50C-407E-A947-70E740481C1C}">
+                <a14:useLocalDpi xmlns:a14="http://schemas.microsoft.com/office/drawing/2010/main" val="0"/>
+              </a:ext>
+            </a:extLst>
+          </a:blip>
+          <a:stretch>
+            <a:fillRect/>
+          </a:stretch>
+        </p:blipFill>
+        <p:spPr>
+          <a:xfrm>
+            <a:off x="5533291" y="2189163"/>
+            <a:ext cx="1125417" cy="3822700"/>
+          </a:xfrm>
+        </p:spPr>
+      </p:pic>
+    </p:spTree>
+    <p:extLst>
+      <p:ext uri="{BB962C8B-B14F-4D97-AF65-F5344CB8AC3E}">
+        <p14:creationId xmlns:p14="http://schemas.microsoft.com/office/powerpoint/2010/main" val="3854794357"/>
+      </p:ext>
+    </p:extLst>
+  </p:cSld>
+  <p:clrMapOvr>
+    <a:masterClrMapping/>
+  </p:clrMapOvr>
+  <mc:AlternateContent xmlns:mc="http://schemas.openxmlformats.org/markup-compatibility/2006">
+    <mc:Choice xmlns:p159="http://schemas.microsoft.com/office/powerpoint/2015/09/main" xmlns="" Requires="p159">
+      <p:transition xmlns:p14="http://schemas.microsoft.com/office/powerpoint/2010/main" spd="slow" p14:dur="2000">
+        <p159:morph option="byObject"/>
+      </p:transition>
+    </mc:Choice>
+    <mc:Fallback>
       <p:transition spd="slow">
         <p:fade/>
       </p:transition>
@@ -8477,10 +8758,10 @@
           <p:cNvPr id="23" name="Rectangle 22">
             <a:extLst>
               <a:ext uri="{FF2B5EF4-FFF2-40B4-BE49-F238E27FC236}">
-                <a16:creationId xmlns:a16="http://schemas.microsoft.com/office/drawing/2014/main" id="{CF10C978-51B5-420C-9A05-C8F194EACAC3}"/>
+                <a16:creationId xmlns:a16="http://schemas.microsoft.com/office/drawing/2014/main" xmlns="" id="{CF10C978-51B5-420C-9A05-C8F194EACAC3}"/>
               </a:ext>
               <a:ext uri="{C183D7F6-B498-43B3-948B-1728B52AA6E4}">
-                <adec:decorative xmlns:adec="http://schemas.microsoft.com/office/drawing/2017/decorative" val="1"/>
+                <adec:decorative xmlns:adec="http://schemas.microsoft.com/office/drawing/2017/decorative" xmlns="" val="1"/>
               </a:ext>
             </a:extLst>
           </p:cNvPr>
@@ -8490,7 +8771,7 @@
           <p:nvPr>
             <p:extLst>
               <p:ext uri="{386F3935-93C4-4BCD-93E2-E3B085C9AB24}">
-                <p16:designElem xmlns:p16="http://schemas.microsoft.com/office/powerpoint/2015/main" val="1"/>
+                <p16:designElem xmlns:p16="http://schemas.microsoft.com/office/powerpoint/2015/main" xmlns="" val="1"/>
               </p:ext>
             </p:extLst>
           </p:nvPr>
@@ -8537,10 +8818,10 @@
           <p:cNvPr id="24" name="Rectangle 23">
             <a:extLst>
               <a:ext uri="{FF2B5EF4-FFF2-40B4-BE49-F238E27FC236}">
-                <a16:creationId xmlns:a16="http://schemas.microsoft.com/office/drawing/2014/main" id="{28D34D1C-4E49-4D32-96F1-E49CEBBF86E0}"/>
+                <a16:creationId xmlns:a16="http://schemas.microsoft.com/office/drawing/2014/main" xmlns="" id="{28D34D1C-4E49-4D32-96F1-E49CEBBF86E0}"/>
               </a:ext>
               <a:ext uri="{C183D7F6-B498-43B3-948B-1728B52AA6E4}">
-                <adec:decorative xmlns:adec="http://schemas.microsoft.com/office/drawing/2017/decorative" val="1"/>
+                <adec:decorative xmlns:adec="http://schemas.microsoft.com/office/drawing/2017/decorative" xmlns="" val="1"/>
               </a:ext>
             </a:extLst>
           </p:cNvPr>
@@ -8550,7 +8831,7 @@
           <p:nvPr>
             <p:extLst>
               <p:ext uri="{386F3935-93C4-4BCD-93E2-E3B085C9AB24}">
-                <p16:designElem xmlns:p16="http://schemas.microsoft.com/office/powerpoint/2015/main" val="1"/>
+                <p16:designElem xmlns:p16="http://schemas.microsoft.com/office/powerpoint/2015/main" xmlns="" val="1"/>
               </p:ext>
             </p:extLst>
           </p:nvPr>
@@ -8603,7 +8884,7 @@
           <p:cNvPr id="2" name="Title 1">
             <a:extLst>
               <a:ext uri="{FF2B5EF4-FFF2-40B4-BE49-F238E27FC236}">
-                <a16:creationId xmlns:a16="http://schemas.microsoft.com/office/drawing/2014/main" id="{1828427D-00E8-7343-23AA-BB7BF9DB6623}"/>
+                <a16:creationId xmlns:a16="http://schemas.microsoft.com/office/drawing/2014/main" xmlns="" id="{1828427D-00E8-7343-23AA-BB7BF9DB6623}"/>
               </a:ext>
             </a:extLst>
           </p:cNvPr>
@@ -8638,7 +8919,7 @@
           <p:cNvPr id="3" name="Content Placeholder 2">
             <a:extLst>
               <a:ext uri="{FF2B5EF4-FFF2-40B4-BE49-F238E27FC236}">
-                <a16:creationId xmlns:a16="http://schemas.microsoft.com/office/drawing/2014/main" id="{19D8C378-CE95-CCB8-7C06-90174EDE3CBD}"/>
+                <a16:creationId xmlns:a16="http://schemas.microsoft.com/office/drawing/2014/main" xmlns="" id="{19D8C378-CE95-CCB8-7C06-90174EDE3CBD}"/>
               </a:ext>
             </a:extLst>
           </p:cNvPr>
@@ -8721,10 +9002,10 @@
           <p:cNvPr id="25" name="Group 24">
             <a:extLst>
               <a:ext uri="{FF2B5EF4-FFF2-40B4-BE49-F238E27FC236}">
-                <a16:creationId xmlns:a16="http://schemas.microsoft.com/office/drawing/2014/main" id="{B3E72256-336B-4C56-A208-D12E28599B6F}"/>
+                <a16:creationId xmlns:a16="http://schemas.microsoft.com/office/drawing/2014/main" xmlns="" id="{B3E72256-336B-4C56-A208-D12E28599B6F}"/>
               </a:ext>
               <a:ext uri="{C183D7F6-B498-43B3-948B-1728B52AA6E4}">
-                <adec:decorative xmlns:adec="http://schemas.microsoft.com/office/drawing/2017/decorative" val="1"/>
+                <adec:decorative xmlns:adec="http://schemas.microsoft.com/office/drawing/2017/decorative" xmlns="" val="1"/>
               </a:ext>
             </a:extLst>
           </p:cNvPr>
@@ -8734,7 +9015,7 @@
           <p:nvPr>
             <p:extLst>
               <p:ext uri="{386F3935-93C4-4BCD-93E2-E3B085C9AB24}">
-                <p16:designElem xmlns:p16="http://schemas.microsoft.com/office/powerpoint/2015/main" val="1"/>
+                <p16:designElem xmlns:p16="http://schemas.microsoft.com/office/powerpoint/2015/main" xmlns="" val="1"/>
               </p:ext>
             </p:extLst>
           </p:nvPr>
@@ -8752,10 +9033,10 @@
             <p:cNvPr id="13" name="Straight Connector 12">
               <a:extLst>
                 <a:ext uri="{FF2B5EF4-FFF2-40B4-BE49-F238E27FC236}">
-                  <a16:creationId xmlns:a16="http://schemas.microsoft.com/office/drawing/2014/main" id="{6D1A7D90-D071-42CE-8999-521FE5EB0C9B}"/>
+                  <a16:creationId xmlns:a16="http://schemas.microsoft.com/office/drawing/2014/main" xmlns="" id="{6D1A7D90-D071-42CE-8999-521FE5EB0C9B}"/>
                 </a:ext>
                 <a:ext uri="{C183D7F6-B498-43B3-948B-1728B52AA6E4}">
-                  <adec:decorative xmlns:adec="http://schemas.microsoft.com/office/drawing/2017/decorative" val="1"/>
+                  <adec:decorative xmlns:adec="http://schemas.microsoft.com/office/drawing/2017/decorative" xmlns="" val="1"/>
                 </a:ext>
               </a:extLst>
             </p:cNvPr>
@@ -8765,7 +9046,7 @@
             <p:nvPr>
               <p:extLst>
                 <p:ext uri="{386F3935-93C4-4BCD-93E2-E3B085C9AB24}">
-                  <p16:designElem xmlns:p16="http://schemas.microsoft.com/office/powerpoint/2015/main" val="1"/>
+                  <p16:designElem xmlns:p16="http://schemas.microsoft.com/office/powerpoint/2015/main" xmlns="" val="1"/>
                 </p:ext>
               </p:extLst>
             </p:nvPr>
@@ -8804,10 +9085,10 @@
             <p:cNvPr id="14" name="Freeform: Shape 13">
               <a:extLst>
                 <a:ext uri="{FF2B5EF4-FFF2-40B4-BE49-F238E27FC236}">
-                  <a16:creationId xmlns:a16="http://schemas.microsoft.com/office/drawing/2014/main" id="{88BA3207-8B24-423E-876F-EED4F64FCB61}"/>
+                  <a16:creationId xmlns:a16="http://schemas.microsoft.com/office/drawing/2014/main" xmlns="" id="{88BA3207-8B24-423E-876F-EED4F64FCB61}"/>
                 </a:ext>
                 <a:ext uri="{C183D7F6-B498-43B3-948B-1728B52AA6E4}">
-                  <adec:decorative xmlns:adec="http://schemas.microsoft.com/office/drawing/2017/decorative" val="1"/>
+                  <adec:decorative xmlns:adec="http://schemas.microsoft.com/office/drawing/2017/decorative" xmlns="" val="1"/>
                 </a:ext>
               </a:extLst>
             </p:cNvPr>
@@ -8815,7 +9096,7 @@
             <p:nvPr>
               <p:extLst>
                 <p:ext uri="{386F3935-93C4-4BCD-93E2-E3B085C9AB24}">
-                  <p16:designElem xmlns:p16="http://schemas.microsoft.com/office/powerpoint/2015/main" val="1"/>
+                  <p16:designElem xmlns:p16="http://schemas.microsoft.com/office/powerpoint/2015/main" xmlns="" val="1"/>
                 </p:ext>
               </p:extLst>
             </p:nvPr>
@@ -8974,10 +9255,10 @@
             <p:cNvPr id="15" name="Straight Connector 14">
               <a:extLst>
                 <a:ext uri="{FF2B5EF4-FFF2-40B4-BE49-F238E27FC236}">
-                  <a16:creationId xmlns:a16="http://schemas.microsoft.com/office/drawing/2014/main" id="{E36E21C5-DC18-4475-9613-1AF97FC0CAB4}"/>
+                  <a16:creationId xmlns:a16="http://schemas.microsoft.com/office/drawing/2014/main" xmlns="" id="{E36E21C5-DC18-4475-9613-1AF97FC0CAB4}"/>
                 </a:ext>
                 <a:ext uri="{C183D7F6-B498-43B3-948B-1728B52AA6E4}">
-                  <adec:decorative xmlns:adec="http://schemas.microsoft.com/office/drawing/2017/decorative" val="1"/>
+                  <adec:decorative xmlns:adec="http://schemas.microsoft.com/office/drawing/2017/decorative" xmlns="" val="1"/>
                 </a:ext>
               </a:extLst>
             </p:cNvPr>
@@ -8987,7 +9268,7 @@
             <p:nvPr>
               <p:extLst>
                 <p:ext uri="{386F3935-93C4-4BCD-93E2-E3B085C9AB24}">
-                  <p16:designElem xmlns:p16="http://schemas.microsoft.com/office/powerpoint/2015/main" val="1"/>
+                  <p16:designElem xmlns:p16="http://schemas.microsoft.com/office/powerpoint/2015/main" xmlns="" val="1"/>
                 </p:ext>
               </p:extLst>
             </p:nvPr>
@@ -9026,10 +9307,10 @@
             <p:cNvPr id="16" name="Straight Connector 15">
               <a:extLst>
                 <a:ext uri="{FF2B5EF4-FFF2-40B4-BE49-F238E27FC236}">
-                  <a16:creationId xmlns:a16="http://schemas.microsoft.com/office/drawing/2014/main" id="{28498F04-5415-4A8B-A069-CF07486ECF69}"/>
+                  <a16:creationId xmlns:a16="http://schemas.microsoft.com/office/drawing/2014/main" xmlns="" id="{28498F04-5415-4A8B-A069-CF07486ECF69}"/>
                 </a:ext>
                 <a:ext uri="{C183D7F6-B498-43B3-948B-1728B52AA6E4}">
-                  <adec:decorative xmlns:adec="http://schemas.microsoft.com/office/drawing/2017/decorative" val="1"/>
+                  <adec:decorative xmlns:adec="http://schemas.microsoft.com/office/drawing/2017/decorative" xmlns="" val="1"/>
                 </a:ext>
               </a:extLst>
             </p:cNvPr>
@@ -9039,7 +9320,7 @@
             <p:nvPr>
               <p:extLst>
                 <p:ext uri="{386F3935-93C4-4BCD-93E2-E3B085C9AB24}">
-                  <p16:designElem xmlns:p16="http://schemas.microsoft.com/office/powerpoint/2015/main" val="1"/>
+                  <p16:designElem xmlns:p16="http://schemas.microsoft.com/office/powerpoint/2015/main" xmlns="" val="1"/>
                 </p:ext>
               </p:extLst>
             </p:nvPr>
@@ -9078,10 +9359,10 @@
             <p:cNvPr id="17" name="Graphic 8">
               <a:extLst>
                 <a:ext uri="{FF2B5EF4-FFF2-40B4-BE49-F238E27FC236}">
-                  <a16:creationId xmlns:a16="http://schemas.microsoft.com/office/drawing/2014/main" id="{7536A5CA-5F9D-44C7-87C6-A12CF740D518}"/>
+                  <a16:creationId xmlns:a16="http://schemas.microsoft.com/office/drawing/2014/main" xmlns="" id="{7536A5CA-5F9D-44C7-87C6-A12CF740D518}"/>
                 </a:ext>
                 <a:ext uri="{C183D7F6-B498-43B3-948B-1728B52AA6E4}">
-                  <adec:decorative xmlns:adec="http://schemas.microsoft.com/office/drawing/2017/decorative" val="1"/>
+                  <adec:decorative xmlns:adec="http://schemas.microsoft.com/office/drawing/2017/decorative" xmlns="" val="1"/>
                 </a:ext>
               </a:extLst>
             </p:cNvPr>
@@ -9089,7 +9370,7 @@
             <p:nvPr>
               <p:extLst>
                 <p:ext uri="{386F3935-93C4-4BCD-93E2-E3B085C9AB24}">
-                  <p16:designElem xmlns:p16="http://schemas.microsoft.com/office/powerpoint/2015/main" val="1"/>
+                  <p16:designElem xmlns:p16="http://schemas.microsoft.com/office/powerpoint/2015/main" xmlns="" val="1"/>
                 </p:ext>
               </p:extLst>
             </p:nvPr>
@@ -9162,10 +9443,10 @@
             <p:cNvPr id="18" name="Graphic 8">
               <a:extLst>
                 <a:ext uri="{FF2B5EF4-FFF2-40B4-BE49-F238E27FC236}">
-                  <a16:creationId xmlns:a16="http://schemas.microsoft.com/office/drawing/2014/main" id="{BE6FB307-61DF-42E4-ACB8-4E47813A8107}"/>
+                  <a16:creationId xmlns:a16="http://schemas.microsoft.com/office/drawing/2014/main" xmlns="" id="{BE6FB307-61DF-42E4-ACB8-4E47813A8107}"/>
                 </a:ext>
                 <a:ext uri="{C183D7F6-B498-43B3-948B-1728B52AA6E4}">
-                  <adec:decorative xmlns:adec="http://schemas.microsoft.com/office/drawing/2017/decorative" val="1"/>
+                  <adec:decorative xmlns:adec="http://schemas.microsoft.com/office/drawing/2017/decorative" xmlns="" val="1"/>
                 </a:ext>
               </a:extLst>
             </p:cNvPr>
@@ -9173,7 +9454,7 @@
             <p:nvPr>
               <p:extLst>
                 <p:ext uri="{386F3935-93C4-4BCD-93E2-E3B085C9AB24}">
-                  <p16:designElem xmlns:p16="http://schemas.microsoft.com/office/powerpoint/2015/main" val="1"/>
+                  <p16:designElem xmlns:p16="http://schemas.microsoft.com/office/powerpoint/2015/main" xmlns="" val="1"/>
                 </p:ext>
               </p:extLst>
             </p:nvPr>
@@ -9246,10 +9527,10 @@
             <p:cNvPr id="19" name="Straight Connector 18">
               <a:extLst>
                 <a:ext uri="{FF2B5EF4-FFF2-40B4-BE49-F238E27FC236}">
-                  <a16:creationId xmlns:a16="http://schemas.microsoft.com/office/drawing/2014/main" id="{E7C9104A-0B2E-42A7-8F27-CCEFDBA9001C}"/>
+                  <a16:creationId xmlns:a16="http://schemas.microsoft.com/office/drawing/2014/main" xmlns="" id="{E7C9104A-0B2E-42A7-8F27-CCEFDBA9001C}"/>
                 </a:ext>
                 <a:ext uri="{C183D7F6-B498-43B3-948B-1728B52AA6E4}">
-                  <adec:decorative xmlns:adec="http://schemas.microsoft.com/office/drawing/2017/decorative" val="1"/>
+                  <adec:decorative xmlns:adec="http://schemas.microsoft.com/office/drawing/2017/decorative" xmlns="" val="1"/>
                 </a:ext>
               </a:extLst>
             </p:cNvPr>
@@ -9259,7 +9540,7 @@
             <p:nvPr>
               <p:extLst>
                 <p:ext uri="{386F3935-93C4-4BCD-93E2-E3B085C9AB24}">
-                  <p16:designElem xmlns:p16="http://schemas.microsoft.com/office/powerpoint/2015/main" val="1"/>
+                  <p16:designElem xmlns:p16="http://schemas.microsoft.com/office/powerpoint/2015/main" xmlns="" val="1"/>
                 </p:ext>
               </p:extLst>
             </p:nvPr>
@@ -9298,10 +9579,10 @@
             <p:cNvPr id="20" name="Straight Connector 19">
               <a:extLst>
                 <a:ext uri="{FF2B5EF4-FFF2-40B4-BE49-F238E27FC236}">
-                  <a16:creationId xmlns:a16="http://schemas.microsoft.com/office/drawing/2014/main" id="{07C0EC34-7095-4362-AA58-F57213137383}"/>
+                  <a16:creationId xmlns:a16="http://schemas.microsoft.com/office/drawing/2014/main" xmlns="" id="{07C0EC34-7095-4362-AA58-F57213137383}"/>
                 </a:ext>
                 <a:ext uri="{C183D7F6-B498-43B3-948B-1728B52AA6E4}">
-                  <adec:decorative xmlns:adec="http://schemas.microsoft.com/office/drawing/2017/decorative" val="1"/>
+                  <adec:decorative xmlns:adec="http://schemas.microsoft.com/office/drawing/2017/decorative" xmlns="" val="1"/>
                 </a:ext>
               </a:extLst>
             </p:cNvPr>
@@ -9311,7 +9592,7 @@
             <p:nvPr>
               <p:extLst>
                 <p:ext uri="{386F3935-93C4-4BCD-93E2-E3B085C9AB24}">
-                  <p16:designElem xmlns:p16="http://schemas.microsoft.com/office/powerpoint/2015/main" val="1"/>
+                  <p16:designElem xmlns:p16="http://schemas.microsoft.com/office/powerpoint/2015/main" xmlns="" val="1"/>
                 </p:ext>
               </p:extLst>
             </p:nvPr>
@@ -9350,10 +9631,10 @@
             <p:cNvPr id="21" name="Straight Connector 20">
               <a:extLst>
                 <a:ext uri="{FF2B5EF4-FFF2-40B4-BE49-F238E27FC236}">
-                  <a16:creationId xmlns:a16="http://schemas.microsoft.com/office/drawing/2014/main" id="{3C19E597-F67B-455A-9D77-8B564DC5DB2C}"/>
+                  <a16:creationId xmlns:a16="http://schemas.microsoft.com/office/drawing/2014/main" xmlns="" id="{3C19E597-F67B-455A-9D77-8B564DC5DB2C}"/>
                 </a:ext>
                 <a:ext uri="{C183D7F6-B498-43B3-948B-1728B52AA6E4}">
-                  <adec:decorative xmlns:adec="http://schemas.microsoft.com/office/drawing/2017/decorative" val="1"/>
+                  <adec:decorative xmlns:adec="http://schemas.microsoft.com/office/drawing/2017/decorative" xmlns="" val="1"/>
                 </a:ext>
               </a:extLst>
             </p:cNvPr>
@@ -9363,7 +9644,7 @@
             <p:nvPr>
               <p:extLst>
                 <p:ext uri="{386F3935-93C4-4BCD-93E2-E3B085C9AB24}">
-                  <p16:designElem xmlns:p16="http://schemas.microsoft.com/office/powerpoint/2015/main" val="1"/>
+                  <p16:designElem xmlns:p16="http://schemas.microsoft.com/office/powerpoint/2015/main" xmlns="" val="1"/>
                 </p:ext>
               </p:extLst>
             </p:nvPr>
@@ -9402,10 +9683,10 @@
             <p:cNvPr id="22" name="Straight Connector 21">
               <a:extLst>
                 <a:ext uri="{FF2B5EF4-FFF2-40B4-BE49-F238E27FC236}">
-                  <a16:creationId xmlns:a16="http://schemas.microsoft.com/office/drawing/2014/main" id="{2CFF4279-F451-4DED-87EB-1899D7E4EBFE}"/>
+                  <a16:creationId xmlns:a16="http://schemas.microsoft.com/office/drawing/2014/main" xmlns="" id="{2CFF4279-F451-4DED-87EB-1899D7E4EBFE}"/>
                 </a:ext>
                 <a:ext uri="{C183D7F6-B498-43B3-948B-1728B52AA6E4}">
-                  <adec:decorative xmlns:adec="http://schemas.microsoft.com/office/drawing/2017/decorative" val="1"/>
+                  <adec:decorative xmlns:adec="http://schemas.microsoft.com/office/drawing/2017/decorative" xmlns="" val="1"/>
                 </a:ext>
               </a:extLst>
             </p:cNvPr>
@@ -9415,7 +9696,7 @@
             <p:nvPr>
               <p:extLst>
                 <p:ext uri="{386F3935-93C4-4BCD-93E2-E3B085C9AB24}">
-                  <p16:designElem xmlns:p16="http://schemas.microsoft.com/office/powerpoint/2015/main" val="1"/>
+                  <p16:designElem xmlns:p16="http://schemas.microsoft.com/office/powerpoint/2015/main" xmlns="" val="1"/>
                 </p:ext>
               </p:extLst>
             </p:nvPr>
@@ -9460,13 +9741,13 @@
   <p:clrMapOvr>
     <a:overrideClrMapping bg1="dk1" tx1="lt1" bg2="dk2" tx2="lt2" accent1="accent1" accent2="accent2" accent3="accent3" accent4="accent4" accent5="accent5" accent6="accent6" hlink="hlink" folHlink="folHlink"/>
   </p:clrMapOvr>
-  <mc:AlternateContent xmlns:mc="http://schemas.openxmlformats.org/markup-compatibility/2006" xmlns:p159="http://schemas.microsoft.com/office/powerpoint/2015/09/main">
-    <mc:Choice Requires="p159">
+  <mc:AlternateContent xmlns:mc="http://schemas.openxmlformats.org/markup-compatibility/2006">
+    <mc:Choice xmlns:p159="http://schemas.microsoft.com/office/powerpoint/2015/09/main" xmlns="" Requires="p159">
       <p:transition xmlns:p14="http://schemas.microsoft.com/office/powerpoint/2010/main" spd="slow" p14:dur="2000">
         <p159:morph option="byObject"/>
       </p:transition>
     </mc:Choice>
-    <mc:Fallback xmlns="">
+    <mc:Fallback>
       <p:transition spd="slow">
         <p:fade/>
       </p:transition>
@@ -9505,10 +9786,10 @@
           <p:cNvPr id="26" name="Rectangle 25">
             <a:extLst>
               <a:ext uri="{FF2B5EF4-FFF2-40B4-BE49-F238E27FC236}">
-                <a16:creationId xmlns:a16="http://schemas.microsoft.com/office/drawing/2014/main" id="{AE6FDE22-1F54-452D-A9BA-1BE9FDB53450}"/>
+                <a16:creationId xmlns:a16="http://schemas.microsoft.com/office/drawing/2014/main" xmlns="" id="{AE6FDE22-1F54-452D-A9BA-1BE9FDB53450}"/>
               </a:ext>
               <a:ext uri="{C183D7F6-B498-43B3-948B-1728B52AA6E4}">
-                <adec:decorative xmlns:adec="http://schemas.microsoft.com/office/drawing/2017/decorative" val="1"/>
+                <adec:decorative xmlns:adec="http://schemas.microsoft.com/office/drawing/2017/decorative" xmlns="" val="1"/>
               </a:ext>
             </a:extLst>
           </p:cNvPr>
@@ -9518,7 +9799,7 @@
           <p:nvPr>
             <p:extLst>
               <p:ext uri="{386F3935-93C4-4BCD-93E2-E3B085C9AB24}">
-                <p16:designElem xmlns:p16="http://schemas.microsoft.com/office/powerpoint/2015/main" val="1"/>
+                <p16:designElem xmlns:p16="http://schemas.microsoft.com/office/powerpoint/2015/main" xmlns="" val="1"/>
               </p:ext>
             </p:extLst>
           </p:nvPr>
@@ -9565,10 +9846,10 @@
           <p:cNvPr id="28" name="Rectangle 27">
             <a:extLst>
               <a:ext uri="{FF2B5EF4-FFF2-40B4-BE49-F238E27FC236}">
-                <a16:creationId xmlns:a16="http://schemas.microsoft.com/office/drawing/2014/main" id="{F06127CE-6F15-49AE-9751-398F3AC67163}"/>
+                <a16:creationId xmlns:a16="http://schemas.microsoft.com/office/drawing/2014/main" xmlns="" id="{F06127CE-6F15-49AE-9751-398F3AC67163}"/>
               </a:ext>
               <a:ext uri="{C183D7F6-B498-43B3-948B-1728B52AA6E4}">
-                <adec:decorative xmlns:adec="http://schemas.microsoft.com/office/drawing/2017/decorative" val="1"/>
+                <adec:decorative xmlns:adec="http://schemas.microsoft.com/office/drawing/2017/decorative" xmlns="" val="1"/>
               </a:ext>
             </a:extLst>
           </p:cNvPr>
@@ -9578,7 +9859,7 @@
           <p:nvPr>
             <p:extLst>
               <p:ext uri="{386F3935-93C4-4BCD-93E2-E3B085C9AB24}">
-                <p16:designElem xmlns:p16="http://schemas.microsoft.com/office/powerpoint/2015/main" val="1"/>
+                <p16:designElem xmlns:p16="http://schemas.microsoft.com/office/powerpoint/2015/main" xmlns="" val="1"/>
               </p:ext>
             </p:extLst>
           </p:nvPr>
@@ -9631,7 +9912,7 @@
           <p:cNvPr id="2" name="Title 1">
             <a:extLst>
               <a:ext uri="{FF2B5EF4-FFF2-40B4-BE49-F238E27FC236}">
-                <a16:creationId xmlns:a16="http://schemas.microsoft.com/office/drawing/2014/main" id="{943FFA39-B050-6E01-DA36-C6FB812064E8}"/>
+                <a16:creationId xmlns:a16="http://schemas.microsoft.com/office/drawing/2014/main" xmlns="" id="{943FFA39-B050-6E01-DA36-C6FB812064E8}"/>
               </a:ext>
             </a:extLst>
           </p:cNvPr>
@@ -9666,7 +9947,7 @@
           <p:cNvPr id="3" name="Content Placeholder 2">
             <a:extLst>
               <a:ext uri="{FF2B5EF4-FFF2-40B4-BE49-F238E27FC236}">
-                <a16:creationId xmlns:a16="http://schemas.microsoft.com/office/drawing/2014/main" id="{C759F7E9-A8F8-AC76-E747-37972266B03E}"/>
+                <a16:creationId xmlns:a16="http://schemas.microsoft.com/office/drawing/2014/main" xmlns="" id="{C759F7E9-A8F8-AC76-E747-37972266B03E}"/>
               </a:ext>
             </a:extLst>
           </p:cNvPr>
@@ -9866,10 +10147,10 @@
           <p:cNvPr id="30" name="Group 29">
             <a:extLst>
               <a:ext uri="{FF2B5EF4-FFF2-40B4-BE49-F238E27FC236}">
-                <a16:creationId xmlns:a16="http://schemas.microsoft.com/office/drawing/2014/main" id="{FCAB7548-8099-4066-AA4A-668904679008}"/>
+                <a16:creationId xmlns:a16="http://schemas.microsoft.com/office/drawing/2014/main" xmlns="" id="{FCAB7548-8099-4066-AA4A-668904679008}"/>
               </a:ext>
               <a:ext uri="{C183D7F6-B498-43B3-948B-1728B52AA6E4}">
-                <adec:decorative xmlns:adec="http://schemas.microsoft.com/office/drawing/2017/decorative" val="1"/>
+                <adec:decorative xmlns:adec="http://schemas.microsoft.com/office/drawing/2017/decorative" xmlns="" val="1"/>
               </a:ext>
             </a:extLst>
           </p:cNvPr>
@@ -9879,7 +10160,7 @@
           <p:nvPr>
             <p:extLst>
               <p:ext uri="{386F3935-93C4-4BCD-93E2-E3B085C9AB24}">
-                <p16:designElem xmlns:p16="http://schemas.microsoft.com/office/powerpoint/2015/main" val="1"/>
+                <p16:designElem xmlns:p16="http://schemas.microsoft.com/office/powerpoint/2015/main" xmlns="" val="1"/>
               </p:ext>
             </p:extLst>
           </p:nvPr>
@@ -9897,10 +10178,10 @@
             <p:cNvPr id="31" name="Straight Connector 30">
               <a:extLst>
                 <a:ext uri="{FF2B5EF4-FFF2-40B4-BE49-F238E27FC236}">
-                  <a16:creationId xmlns:a16="http://schemas.microsoft.com/office/drawing/2014/main" id="{0DD6D54C-5C05-40DE-8EAF-FA50D609AE24}"/>
+                  <a16:creationId xmlns:a16="http://schemas.microsoft.com/office/drawing/2014/main" xmlns="" id="{0DD6D54C-5C05-40DE-8EAF-FA50D609AE24}"/>
                 </a:ext>
                 <a:ext uri="{C183D7F6-B498-43B3-948B-1728B52AA6E4}">
-                  <adec:decorative xmlns:adec="http://schemas.microsoft.com/office/drawing/2017/decorative" val="1"/>
+                  <adec:decorative xmlns:adec="http://schemas.microsoft.com/office/drawing/2017/decorative" xmlns="" val="1"/>
                 </a:ext>
               </a:extLst>
             </p:cNvPr>
@@ -9910,7 +10191,7 @@
             <p:nvPr>
               <p:extLst>
                 <p:ext uri="{386F3935-93C4-4BCD-93E2-E3B085C9AB24}">
-                  <p16:designElem xmlns:p16="http://schemas.microsoft.com/office/powerpoint/2015/main" val="1"/>
+                  <p16:designElem xmlns:p16="http://schemas.microsoft.com/office/powerpoint/2015/main" xmlns="" val="1"/>
                 </p:ext>
               </p:extLst>
             </p:nvPr>
@@ -9949,10 +10230,10 @@
             <p:cNvPr id="32" name="Straight Connector 31">
               <a:extLst>
                 <a:ext uri="{FF2B5EF4-FFF2-40B4-BE49-F238E27FC236}">
-                  <a16:creationId xmlns:a16="http://schemas.microsoft.com/office/drawing/2014/main" id="{EB0CFF5B-7CFC-4A1B-811A-262201C04935}"/>
+                  <a16:creationId xmlns:a16="http://schemas.microsoft.com/office/drawing/2014/main" xmlns="" id="{EB0CFF5B-7CFC-4A1B-811A-262201C04935}"/>
                 </a:ext>
                 <a:ext uri="{C183D7F6-B498-43B3-948B-1728B52AA6E4}">
-                  <adec:decorative xmlns:adec="http://schemas.microsoft.com/office/drawing/2017/decorative" val="1"/>
+                  <adec:decorative xmlns:adec="http://schemas.microsoft.com/office/drawing/2017/decorative" xmlns="" val="1"/>
                 </a:ext>
               </a:extLst>
             </p:cNvPr>
@@ -9962,7 +10243,7 @@
             <p:nvPr>
               <p:extLst>
                 <p:ext uri="{386F3935-93C4-4BCD-93E2-E3B085C9AB24}">
-                  <p16:designElem xmlns:p16="http://schemas.microsoft.com/office/powerpoint/2015/main" val="1"/>
+                  <p16:designElem xmlns:p16="http://schemas.microsoft.com/office/powerpoint/2015/main" xmlns="" val="1"/>
                 </p:ext>
               </p:extLst>
             </p:nvPr>
@@ -10001,10 +10282,10 @@
             <p:cNvPr id="33" name="Straight Connector 32">
               <a:extLst>
                 <a:ext uri="{FF2B5EF4-FFF2-40B4-BE49-F238E27FC236}">
-                  <a16:creationId xmlns:a16="http://schemas.microsoft.com/office/drawing/2014/main" id="{3BD7D63C-11FE-48D4-8433-A188CDAB2343}"/>
+                  <a16:creationId xmlns:a16="http://schemas.microsoft.com/office/drawing/2014/main" xmlns="" id="{3BD7D63C-11FE-48D4-8433-A188CDAB2343}"/>
                 </a:ext>
                 <a:ext uri="{C183D7F6-B498-43B3-948B-1728B52AA6E4}">
-                  <adec:decorative xmlns:adec="http://schemas.microsoft.com/office/drawing/2017/decorative" val="1"/>
+                  <adec:decorative xmlns:adec="http://schemas.microsoft.com/office/drawing/2017/decorative" xmlns="" val="1"/>
                 </a:ext>
               </a:extLst>
             </p:cNvPr>
@@ -10014,7 +10295,7 @@
             <p:nvPr>
               <p:extLst>
                 <p:ext uri="{386F3935-93C4-4BCD-93E2-E3B085C9AB24}">
-                  <p16:designElem xmlns:p16="http://schemas.microsoft.com/office/powerpoint/2015/main" val="1"/>
+                  <p16:designElem xmlns:p16="http://schemas.microsoft.com/office/powerpoint/2015/main" xmlns="" val="1"/>
                 </p:ext>
               </p:extLst>
             </p:nvPr>
@@ -10053,10 +10334,10 @@
             <p:cNvPr id="34" name="Straight Connector 33">
               <a:extLst>
                 <a:ext uri="{FF2B5EF4-FFF2-40B4-BE49-F238E27FC236}">
-                  <a16:creationId xmlns:a16="http://schemas.microsoft.com/office/drawing/2014/main" id="{D0EB69FA-9640-4C07-9993-F74D211FB52E}"/>
+                  <a16:creationId xmlns:a16="http://schemas.microsoft.com/office/drawing/2014/main" xmlns="" id="{D0EB69FA-9640-4C07-9993-F74D211FB52E}"/>
                 </a:ext>
                 <a:ext uri="{C183D7F6-B498-43B3-948B-1728B52AA6E4}">
-                  <adec:decorative xmlns:adec="http://schemas.microsoft.com/office/drawing/2017/decorative" val="1"/>
+                  <adec:decorative xmlns:adec="http://schemas.microsoft.com/office/drawing/2017/decorative" xmlns="" val="1"/>
                 </a:ext>
               </a:extLst>
             </p:cNvPr>
@@ -10066,7 +10347,7 @@
             <p:nvPr>
               <p:extLst>
                 <p:ext uri="{386F3935-93C4-4BCD-93E2-E3B085C9AB24}">
-                  <p16:designElem xmlns:p16="http://schemas.microsoft.com/office/powerpoint/2015/main" val="1"/>
+                  <p16:designElem xmlns:p16="http://schemas.microsoft.com/office/powerpoint/2015/main" xmlns="" val="1"/>
                 </p:ext>
               </p:extLst>
             </p:nvPr>
@@ -10105,10 +10386,10 @@
             <p:cNvPr id="35" name="Straight Connector 34">
               <a:extLst>
                 <a:ext uri="{FF2B5EF4-FFF2-40B4-BE49-F238E27FC236}">
-                  <a16:creationId xmlns:a16="http://schemas.microsoft.com/office/drawing/2014/main" id="{B887ECAA-6BDB-4356-A66A-D28C7026B681}"/>
+                  <a16:creationId xmlns:a16="http://schemas.microsoft.com/office/drawing/2014/main" xmlns="" id="{B887ECAA-6BDB-4356-A66A-D28C7026B681}"/>
                 </a:ext>
                 <a:ext uri="{C183D7F6-B498-43B3-948B-1728B52AA6E4}">
-                  <adec:decorative xmlns:adec="http://schemas.microsoft.com/office/drawing/2017/decorative" val="1"/>
+                  <adec:decorative xmlns:adec="http://schemas.microsoft.com/office/drawing/2017/decorative" xmlns="" val="1"/>
                 </a:ext>
               </a:extLst>
             </p:cNvPr>
@@ -10118,7 +10399,7 @@
             <p:nvPr>
               <p:extLst>
                 <p:ext uri="{386F3935-93C4-4BCD-93E2-E3B085C9AB24}">
-                  <p16:designElem xmlns:p16="http://schemas.microsoft.com/office/powerpoint/2015/main" val="1"/>
+                  <p16:designElem xmlns:p16="http://schemas.microsoft.com/office/powerpoint/2015/main" xmlns="" val="1"/>
                 </p:ext>
               </p:extLst>
             </p:nvPr>
@@ -10157,10 +10438,10 @@
             <p:cNvPr id="36" name="Straight Connector 35">
               <a:extLst>
                 <a:ext uri="{FF2B5EF4-FFF2-40B4-BE49-F238E27FC236}">
-                  <a16:creationId xmlns:a16="http://schemas.microsoft.com/office/drawing/2014/main" id="{CFC3365E-17A9-4CC8-BE01-3969BF4C8E3B}"/>
+                  <a16:creationId xmlns:a16="http://schemas.microsoft.com/office/drawing/2014/main" xmlns="" id="{CFC3365E-17A9-4CC8-BE01-3969BF4C8E3B}"/>
                 </a:ext>
                 <a:ext uri="{C183D7F6-B498-43B3-948B-1728B52AA6E4}">
-                  <adec:decorative xmlns:adec="http://schemas.microsoft.com/office/drawing/2017/decorative" val="1"/>
+                  <adec:decorative xmlns:adec="http://schemas.microsoft.com/office/drawing/2017/decorative" xmlns="" val="1"/>
                 </a:ext>
               </a:extLst>
             </p:cNvPr>
@@ -10170,7 +10451,7 @@
             <p:nvPr>
               <p:extLst>
                 <p:ext uri="{386F3935-93C4-4BCD-93E2-E3B085C9AB24}">
-                  <p16:designElem xmlns:p16="http://schemas.microsoft.com/office/powerpoint/2015/main" val="1"/>
+                  <p16:designElem xmlns:p16="http://schemas.microsoft.com/office/powerpoint/2015/main" xmlns="" val="1"/>
                 </p:ext>
               </p:extLst>
             </p:nvPr>
@@ -10210,7 +10491,7 @@
           <p:cNvPr id="5" name="Picture 4" descr="Five bulbs and one of them is glowing">
             <a:extLst>
               <a:ext uri="{FF2B5EF4-FFF2-40B4-BE49-F238E27FC236}">
-                <a16:creationId xmlns:a16="http://schemas.microsoft.com/office/drawing/2014/main" id="{0E3B6F73-5BD1-E881-5FF8-60780B19D87D}"/>
+                <a16:creationId xmlns:a16="http://schemas.microsoft.com/office/drawing/2014/main" xmlns="" id="{0E3B6F73-5BD1-E881-5FF8-60780B19D87D}"/>
               </a:ext>
             </a:extLst>
           </p:cNvPr>
@@ -10300,7 +10581,7 @@
           <p:cNvPr id="4" name="Title 1">
             <a:extLst>
               <a:ext uri="{FF2B5EF4-FFF2-40B4-BE49-F238E27FC236}">
-                <a16:creationId xmlns:a16="http://schemas.microsoft.com/office/drawing/2014/main" id="{F32F67AD-8975-319C-6B65-4592639CE617}"/>
+                <a16:creationId xmlns:a16="http://schemas.microsoft.com/office/drawing/2014/main" xmlns="" id="{F32F67AD-8975-319C-6B65-4592639CE617}"/>
               </a:ext>
             </a:extLst>
           </p:cNvPr>
@@ -10371,13 +10652,13 @@
   <p:clrMapOvr>
     <a:masterClrMapping/>
   </p:clrMapOvr>
-  <mc:AlternateContent xmlns:mc="http://schemas.openxmlformats.org/markup-compatibility/2006" xmlns:p159="http://schemas.microsoft.com/office/powerpoint/2015/09/main">
-    <mc:Choice Requires="p159">
+  <mc:AlternateContent xmlns:mc="http://schemas.openxmlformats.org/markup-compatibility/2006">
+    <mc:Choice xmlns:p159="http://schemas.microsoft.com/office/powerpoint/2015/09/main" xmlns="" Requires="p159">
       <p:transition xmlns:p14="http://schemas.microsoft.com/office/powerpoint/2010/main" spd="slow" p14:dur="2000">
         <p159:morph option="byObject"/>
       </p:transition>
     </mc:Choice>
-    <mc:Fallback xmlns="">
+    <mc:Fallback>
       <p:transition spd="slow">
         <p:fade/>
       </p:transition>
@@ -10416,10 +10697,10 @@
           <p:cNvPr id="9" name="Rectangle 8">
             <a:extLst>
               <a:ext uri="{FF2B5EF4-FFF2-40B4-BE49-F238E27FC236}">
-                <a16:creationId xmlns:a16="http://schemas.microsoft.com/office/drawing/2014/main" id="{AE6FDE22-1F54-452D-A9BA-1BE9FDB53450}"/>
+                <a16:creationId xmlns:a16="http://schemas.microsoft.com/office/drawing/2014/main" xmlns="" id="{AE6FDE22-1F54-452D-A9BA-1BE9FDB53450}"/>
               </a:ext>
               <a:ext uri="{C183D7F6-B498-43B3-948B-1728B52AA6E4}">
-                <adec:decorative xmlns:adec="http://schemas.microsoft.com/office/drawing/2017/decorative" val="1"/>
+                <adec:decorative xmlns:adec="http://schemas.microsoft.com/office/drawing/2017/decorative" xmlns="" val="1"/>
               </a:ext>
             </a:extLst>
           </p:cNvPr>
@@ -10429,7 +10710,7 @@
           <p:nvPr>
             <p:extLst>
               <p:ext uri="{386F3935-93C4-4BCD-93E2-E3B085C9AB24}">
-                <p16:designElem xmlns:p16="http://schemas.microsoft.com/office/powerpoint/2015/main" val="1"/>
+                <p16:designElem xmlns:p16="http://schemas.microsoft.com/office/powerpoint/2015/main" xmlns="" val="1"/>
               </p:ext>
             </p:extLst>
           </p:nvPr>
@@ -10476,10 +10757,10 @@
           <p:cNvPr id="11" name="Rectangle 10">
             <a:extLst>
               <a:ext uri="{FF2B5EF4-FFF2-40B4-BE49-F238E27FC236}">
-                <a16:creationId xmlns:a16="http://schemas.microsoft.com/office/drawing/2014/main" id="{E24727BA-2777-4823-88E1-1B4B61968504}"/>
+                <a16:creationId xmlns:a16="http://schemas.microsoft.com/office/drawing/2014/main" xmlns="" id="{E24727BA-2777-4823-88E1-1B4B61968504}"/>
               </a:ext>
               <a:ext uri="{C183D7F6-B498-43B3-948B-1728B52AA6E4}">
-                <adec:decorative xmlns:adec="http://schemas.microsoft.com/office/drawing/2017/decorative" val="1"/>
+                <adec:decorative xmlns:adec="http://schemas.microsoft.com/office/drawing/2017/decorative" xmlns="" val="1"/>
               </a:ext>
             </a:extLst>
           </p:cNvPr>
@@ -10489,7 +10770,7 @@
           <p:nvPr>
             <p:extLst>
               <p:ext uri="{386F3935-93C4-4BCD-93E2-E3B085C9AB24}">
-                <p16:designElem xmlns:p16="http://schemas.microsoft.com/office/powerpoint/2015/main" val="1"/>
+                <p16:designElem xmlns:p16="http://schemas.microsoft.com/office/powerpoint/2015/main" xmlns="" val="1"/>
               </p:ext>
             </p:extLst>
           </p:nvPr>
@@ -10539,10 +10820,10 @@
           <p:cNvPr id="13" name="Rectangle 12">
             <a:extLst>
               <a:ext uri="{FF2B5EF4-FFF2-40B4-BE49-F238E27FC236}">
-                <a16:creationId xmlns:a16="http://schemas.microsoft.com/office/drawing/2014/main" id="{2AB0E0E5-A956-4B80-A317-E670B96CB03B}"/>
+                <a16:creationId xmlns:a16="http://schemas.microsoft.com/office/drawing/2014/main" xmlns="" id="{2AB0E0E5-A956-4B80-A317-E670B96CB03B}"/>
               </a:ext>
               <a:ext uri="{C183D7F6-B498-43B3-948B-1728B52AA6E4}">
-                <adec:decorative xmlns:adec="http://schemas.microsoft.com/office/drawing/2017/decorative" val="1"/>
+                <adec:decorative xmlns:adec="http://schemas.microsoft.com/office/drawing/2017/decorative" xmlns="" val="1"/>
               </a:ext>
             </a:extLst>
           </p:cNvPr>
@@ -10552,7 +10833,7 @@
           <p:nvPr>
             <p:extLst>
               <p:ext uri="{386F3935-93C4-4BCD-93E2-E3B085C9AB24}">
-                <p16:designElem xmlns:p16="http://schemas.microsoft.com/office/powerpoint/2015/main" val="1"/>
+                <p16:designElem xmlns:p16="http://schemas.microsoft.com/office/powerpoint/2015/main" xmlns="" val="1"/>
               </p:ext>
             </p:extLst>
           </p:nvPr>
@@ -10602,7 +10883,7 @@
           <p:cNvPr id="5" name="Picture 4" descr="Person watching empty phone">
             <a:extLst>
               <a:ext uri="{FF2B5EF4-FFF2-40B4-BE49-F238E27FC236}">
-                <a16:creationId xmlns:a16="http://schemas.microsoft.com/office/drawing/2014/main" id="{36BF03C9-7783-2E80-D333-EBEBAB79BB38}"/>
+                <a16:creationId xmlns:a16="http://schemas.microsoft.com/office/drawing/2014/main" xmlns="" id="{36BF03C9-7783-2E80-D333-EBEBAB79BB38}"/>
               </a:ext>
             </a:extLst>
           </p:cNvPr>
@@ -10636,10 +10917,10 @@
           <p:cNvPr id="15" name="Group 14">
             <a:extLst>
               <a:ext uri="{FF2B5EF4-FFF2-40B4-BE49-F238E27FC236}">
-                <a16:creationId xmlns:a16="http://schemas.microsoft.com/office/drawing/2014/main" id="{68142369-1172-4897-98AF-7E16842C4A29}"/>
+                <a16:creationId xmlns:a16="http://schemas.microsoft.com/office/drawing/2014/main" xmlns="" id="{68142369-1172-4897-98AF-7E16842C4A29}"/>
               </a:ext>
               <a:ext uri="{C183D7F6-B498-43B3-948B-1728B52AA6E4}">
-                <adec:decorative xmlns:adec="http://schemas.microsoft.com/office/drawing/2017/decorative" val="1"/>
+                <adec:decorative xmlns:adec="http://schemas.microsoft.com/office/drawing/2017/decorative" xmlns="" val="1"/>
               </a:ext>
             </a:extLst>
           </p:cNvPr>
@@ -10649,7 +10930,7 @@
           <p:nvPr>
             <p:extLst>
               <p:ext uri="{386F3935-93C4-4BCD-93E2-E3B085C9AB24}">
-                <p16:designElem xmlns:p16="http://schemas.microsoft.com/office/powerpoint/2015/main" val="1"/>
+                <p16:designElem xmlns:p16="http://schemas.microsoft.com/office/powerpoint/2015/main" xmlns="" val="1"/>
               </p:ext>
             </p:extLst>
           </p:nvPr>
@@ -10667,10 +10948,10 @@
             <p:cNvPr id="16" name="Straight Connector 15">
               <a:extLst>
                 <a:ext uri="{FF2B5EF4-FFF2-40B4-BE49-F238E27FC236}">
-                  <a16:creationId xmlns:a16="http://schemas.microsoft.com/office/drawing/2014/main" id="{6B4EC643-469D-49F7-B2C7-FA3DA6FFACC7}"/>
+                  <a16:creationId xmlns:a16="http://schemas.microsoft.com/office/drawing/2014/main" xmlns="" id="{6B4EC643-469D-49F7-B2C7-FA3DA6FFACC7}"/>
                 </a:ext>
                 <a:ext uri="{C183D7F6-B498-43B3-948B-1728B52AA6E4}">
-                  <adec:decorative xmlns:adec="http://schemas.microsoft.com/office/drawing/2017/decorative" val="1"/>
+                  <adec:decorative xmlns:adec="http://schemas.microsoft.com/office/drawing/2017/decorative" xmlns="" val="1"/>
                 </a:ext>
               </a:extLst>
             </p:cNvPr>
@@ -10680,7 +10961,7 @@
             <p:nvPr>
               <p:extLst>
                 <p:ext uri="{386F3935-93C4-4BCD-93E2-E3B085C9AB24}">
-                  <p16:designElem xmlns:p16="http://schemas.microsoft.com/office/powerpoint/2015/main" val="1"/>
+                  <p16:designElem xmlns:p16="http://schemas.microsoft.com/office/powerpoint/2015/main" xmlns="" val="1"/>
                 </p:ext>
               </p:extLst>
             </p:nvPr>
@@ -10719,10 +11000,10 @@
             <p:cNvPr id="17" name="Straight Connector 16">
               <a:extLst>
                 <a:ext uri="{FF2B5EF4-FFF2-40B4-BE49-F238E27FC236}">
-                  <a16:creationId xmlns:a16="http://schemas.microsoft.com/office/drawing/2014/main" id="{33C04565-7FC8-416F-9C08-F430D337F817}"/>
+                  <a16:creationId xmlns:a16="http://schemas.microsoft.com/office/drawing/2014/main" xmlns="" id="{33C04565-7FC8-416F-9C08-F430D337F817}"/>
                 </a:ext>
                 <a:ext uri="{C183D7F6-B498-43B3-948B-1728B52AA6E4}">
-                  <adec:decorative xmlns:adec="http://schemas.microsoft.com/office/drawing/2017/decorative" val="1"/>
+                  <adec:decorative xmlns:adec="http://schemas.microsoft.com/office/drawing/2017/decorative" xmlns="" val="1"/>
                 </a:ext>
               </a:extLst>
             </p:cNvPr>
@@ -10732,7 +11013,7 @@
             <p:nvPr>
               <p:extLst>
                 <p:ext uri="{386F3935-93C4-4BCD-93E2-E3B085C9AB24}">
-                  <p16:designElem xmlns:p16="http://schemas.microsoft.com/office/powerpoint/2015/main" val="1"/>
+                  <p16:designElem xmlns:p16="http://schemas.microsoft.com/office/powerpoint/2015/main" xmlns="" val="1"/>
                 </p:ext>
               </p:extLst>
             </p:nvPr>
@@ -10771,10 +11052,10 @@
             <p:cNvPr id="18" name="Straight Connector 17">
               <a:extLst>
                 <a:ext uri="{FF2B5EF4-FFF2-40B4-BE49-F238E27FC236}">
-                  <a16:creationId xmlns:a16="http://schemas.microsoft.com/office/drawing/2014/main" id="{92BD8DCF-6634-460D-AA2E-1357451FBA18}"/>
+                  <a16:creationId xmlns:a16="http://schemas.microsoft.com/office/drawing/2014/main" xmlns="" id="{92BD8DCF-6634-460D-AA2E-1357451FBA18}"/>
                 </a:ext>
                 <a:ext uri="{C183D7F6-B498-43B3-948B-1728B52AA6E4}">
-                  <adec:decorative xmlns:adec="http://schemas.microsoft.com/office/drawing/2017/decorative" val="1"/>
+                  <adec:decorative xmlns:adec="http://schemas.microsoft.com/office/drawing/2017/decorative" xmlns="" val="1"/>
                 </a:ext>
               </a:extLst>
             </p:cNvPr>
@@ -10784,7 +11065,7 @@
             <p:nvPr>
               <p:extLst>
                 <p:ext uri="{386F3935-93C4-4BCD-93E2-E3B085C9AB24}">
-                  <p16:designElem xmlns:p16="http://schemas.microsoft.com/office/powerpoint/2015/main" val="1"/>
+                  <p16:designElem xmlns:p16="http://schemas.microsoft.com/office/powerpoint/2015/main" xmlns="" val="1"/>
                 </p:ext>
               </p:extLst>
             </p:nvPr>
@@ -10823,10 +11104,10 @@
             <p:cNvPr id="19" name="Straight Connector 18">
               <a:extLst>
                 <a:ext uri="{FF2B5EF4-FFF2-40B4-BE49-F238E27FC236}">
-                  <a16:creationId xmlns:a16="http://schemas.microsoft.com/office/drawing/2014/main" id="{8EAC9175-245B-4886-A4F2-EEA53C13F540}"/>
+                  <a16:creationId xmlns:a16="http://schemas.microsoft.com/office/drawing/2014/main" xmlns="" id="{8EAC9175-245B-4886-A4F2-EEA53C13F540}"/>
                 </a:ext>
                 <a:ext uri="{C183D7F6-B498-43B3-948B-1728B52AA6E4}">
-                  <adec:decorative xmlns:adec="http://schemas.microsoft.com/office/drawing/2017/decorative" val="1"/>
+                  <adec:decorative xmlns:adec="http://schemas.microsoft.com/office/drawing/2017/decorative" xmlns="" val="1"/>
                 </a:ext>
               </a:extLst>
             </p:cNvPr>
@@ -10836,7 +11117,7 @@
             <p:nvPr>
               <p:extLst>
                 <p:ext uri="{386F3935-93C4-4BCD-93E2-E3B085C9AB24}">
-                  <p16:designElem xmlns:p16="http://schemas.microsoft.com/office/powerpoint/2015/main" val="1"/>
+                  <p16:designElem xmlns:p16="http://schemas.microsoft.com/office/powerpoint/2015/main" xmlns="" val="1"/>
                 </p:ext>
               </p:extLst>
             </p:nvPr>
@@ -10875,10 +11156,10 @@
             <p:cNvPr id="20" name="Graphic 33">
               <a:extLst>
                 <a:ext uri="{FF2B5EF4-FFF2-40B4-BE49-F238E27FC236}">
-                  <a16:creationId xmlns:a16="http://schemas.microsoft.com/office/drawing/2014/main" id="{BC567658-11B8-4D35-89AE-B7353466914F}"/>
+                  <a16:creationId xmlns:a16="http://schemas.microsoft.com/office/drawing/2014/main" xmlns="" id="{BC567658-11B8-4D35-89AE-B7353466914F}"/>
                 </a:ext>
                 <a:ext uri="{C183D7F6-B498-43B3-948B-1728B52AA6E4}">
-                  <adec:decorative xmlns:adec="http://schemas.microsoft.com/office/drawing/2017/decorative" val="1"/>
+                  <adec:decorative xmlns:adec="http://schemas.microsoft.com/office/drawing/2017/decorative" xmlns="" val="1"/>
                 </a:ext>
               </a:extLst>
             </p:cNvPr>
@@ -10886,7 +11167,7 @@
             <p:nvPr>
               <p:extLst>
                 <p:ext uri="{386F3935-93C4-4BCD-93E2-E3B085C9AB24}">
-                  <p16:designElem xmlns:p16="http://schemas.microsoft.com/office/powerpoint/2015/main" val="1"/>
+                  <p16:designElem xmlns:p16="http://schemas.microsoft.com/office/powerpoint/2015/main" xmlns="" val="1"/>
                 </p:ext>
               </p:extLst>
             </p:nvPr>
@@ -11053,10 +11334,10 @@
             <p:cNvPr id="21" name="Graphic 33">
               <a:extLst>
                 <a:ext uri="{FF2B5EF4-FFF2-40B4-BE49-F238E27FC236}">
-                  <a16:creationId xmlns:a16="http://schemas.microsoft.com/office/drawing/2014/main" id="{B2AAA79A-1602-4193-8170-9C436D9CED8F}"/>
+                  <a16:creationId xmlns:a16="http://schemas.microsoft.com/office/drawing/2014/main" xmlns="" id="{B2AAA79A-1602-4193-8170-9C436D9CED8F}"/>
                 </a:ext>
                 <a:ext uri="{C183D7F6-B498-43B3-948B-1728B52AA6E4}">
-                  <adec:decorative xmlns:adec="http://schemas.microsoft.com/office/drawing/2017/decorative" val="1"/>
+                  <adec:decorative xmlns:adec="http://schemas.microsoft.com/office/drawing/2017/decorative" xmlns="" val="1"/>
                 </a:ext>
               </a:extLst>
             </p:cNvPr>
@@ -11064,7 +11345,7 @@
             <p:nvPr>
               <p:extLst>
                 <p:ext uri="{386F3935-93C4-4BCD-93E2-E3B085C9AB24}">
-                  <p16:designElem xmlns:p16="http://schemas.microsoft.com/office/powerpoint/2015/main" val="1"/>
+                  <p16:designElem xmlns:p16="http://schemas.microsoft.com/office/powerpoint/2015/main" xmlns="" val="1"/>
                 </p:ext>
               </p:extLst>
             </p:nvPr>
@@ -11232,7 +11513,7 @@
           <p:cNvPr id="2" name="Title 1">
             <a:extLst>
               <a:ext uri="{FF2B5EF4-FFF2-40B4-BE49-F238E27FC236}">
-                <a16:creationId xmlns:a16="http://schemas.microsoft.com/office/drawing/2014/main" id="{B523243B-B02A-F4D0-FCD6-F67803657973}"/>
+                <a16:creationId xmlns:a16="http://schemas.microsoft.com/office/drawing/2014/main" xmlns="" id="{B523243B-B02A-F4D0-FCD6-F67803657973}"/>
               </a:ext>
             </a:extLst>
           </p:cNvPr>
@@ -11271,7 +11552,7 @@
           <p:cNvPr id="3" name="Content Placeholder 2">
             <a:extLst>
               <a:ext uri="{FF2B5EF4-FFF2-40B4-BE49-F238E27FC236}">
-                <a16:creationId xmlns:a16="http://schemas.microsoft.com/office/drawing/2014/main" id="{914F2E01-CB12-0A24-CE27-8DD6F821D827}"/>
+                <a16:creationId xmlns:a16="http://schemas.microsoft.com/office/drawing/2014/main" xmlns="" id="{914F2E01-CB12-0A24-CE27-8DD6F821D827}"/>
               </a:ext>
             </a:extLst>
           </p:cNvPr>
@@ -11663,13 +11944,13 @@
   <p:clrMapOvr>
     <a:overrideClrMapping bg1="dk1" tx1="lt1" bg2="dk2" tx2="lt2" accent1="accent1" accent2="accent2" accent3="accent3" accent4="accent4" accent5="accent5" accent6="accent6" hlink="hlink" folHlink="folHlink"/>
   </p:clrMapOvr>
-  <mc:AlternateContent xmlns:mc="http://schemas.openxmlformats.org/markup-compatibility/2006" xmlns:p159="http://schemas.microsoft.com/office/powerpoint/2015/09/main">
-    <mc:Choice Requires="p159">
+  <mc:AlternateContent xmlns:mc="http://schemas.openxmlformats.org/markup-compatibility/2006">
+    <mc:Choice xmlns:p159="http://schemas.microsoft.com/office/powerpoint/2015/09/main" xmlns="" Requires="p159">
       <p:transition xmlns:p14="http://schemas.microsoft.com/office/powerpoint/2010/main" spd="slow" p14:dur="2000">
         <p159:morph option="byObject"/>
       </p:transition>
     </mc:Choice>
-    <mc:Fallback xmlns="">
+    <mc:Fallback>
       <p:transition spd="slow">
         <p:fade/>
       </p:transition>
@@ -11708,10 +11989,10 @@
           <p:cNvPr id="9" name="Rectangle 8">
             <a:extLst>
               <a:ext uri="{FF2B5EF4-FFF2-40B4-BE49-F238E27FC236}">
-                <a16:creationId xmlns:a16="http://schemas.microsoft.com/office/drawing/2014/main" id="{AE6FDE22-1F54-452D-A9BA-1BE9FDB53450}"/>
+                <a16:creationId xmlns:a16="http://schemas.microsoft.com/office/drawing/2014/main" xmlns="" id="{AE6FDE22-1F54-452D-A9BA-1BE9FDB53450}"/>
               </a:ext>
               <a:ext uri="{C183D7F6-B498-43B3-948B-1728B52AA6E4}">
-                <adec:decorative xmlns:adec="http://schemas.microsoft.com/office/drawing/2017/decorative" val="1"/>
+                <adec:decorative xmlns:adec="http://schemas.microsoft.com/office/drawing/2017/decorative" xmlns="" val="1"/>
               </a:ext>
             </a:extLst>
           </p:cNvPr>
@@ -11721,7 +12002,7 @@
           <p:nvPr>
             <p:extLst>
               <p:ext uri="{386F3935-93C4-4BCD-93E2-E3B085C9AB24}">
-                <p16:designElem xmlns:p16="http://schemas.microsoft.com/office/powerpoint/2015/main" val="1"/>
+                <p16:designElem xmlns:p16="http://schemas.microsoft.com/office/powerpoint/2015/main" xmlns="" val="1"/>
               </p:ext>
             </p:extLst>
           </p:nvPr>
@@ -11768,10 +12049,10 @@
           <p:cNvPr id="11" name="Rectangle 10">
             <a:extLst>
               <a:ext uri="{FF2B5EF4-FFF2-40B4-BE49-F238E27FC236}">
-                <a16:creationId xmlns:a16="http://schemas.microsoft.com/office/drawing/2014/main" id="{E24727BA-2777-4823-88E1-1B4B61968504}"/>
+                <a16:creationId xmlns:a16="http://schemas.microsoft.com/office/drawing/2014/main" xmlns="" id="{E24727BA-2777-4823-88E1-1B4B61968504}"/>
               </a:ext>
               <a:ext uri="{C183D7F6-B498-43B3-948B-1728B52AA6E4}">
-                <adec:decorative xmlns:adec="http://schemas.microsoft.com/office/drawing/2017/decorative" val="1"/>
+                <adec:decorative xmlns:adec="http://schemas.microsoft.com/office/drawing/2017/decorative" xmlns="" val="1"/>
               </a:ext>
             </a:extLst>
           </p:cNvPr>
@@ -11781,7 +12062,7 @@
           <p:nvPr>
             <p:extLst>
               <p:ext uri="{386F3935-93C4-4BCD-93E2-E3B085C9AB24}">
-                <p16:designElem xmlns:p16="http://schemas.microsoft.com/office/powerpoint/2015/main" val="1"/>
+                <p16:designElem xmlns:p16="http://schemas.microsoft.com/office/powerpoint/2015/main" xmlns="" val="1"/>
               </p:ext>
             </p:extLst>
           </p:nvPr>
@@ -11831,10 +12112,10 @@
           <p:cNvPr id="13" name="Rectangle 12">
             <a:extLst>
               <a:ext uri="{FF2B5EF4-FFF2-40B4-BE49-F238E27FC236}">
-                <a16:creationId xmlns:a16="http://schemas.microsoft.com/office/drawing/2014/main" id="{2AB0E0E5-A956-4B80-A317-E670B96CB03B}"/>
+                <a16:creationId xmlns:a16="http://schemas.microsoft.com/office/drawing/2014/main" xmlns="" id="{2AB0E0E5-A956-4B80-A317-E670B96CB03B}"/>
               </a:ext>
               <a:ext uri="{C183D7F6-B498-43B3-948B-1728B52AA6E4}">
-                <adec:decorative xmlns:adec="http://schemas.microsoft.com/office/drawing/2017/decorative" val="1"/>
+                <adec:decorative xmlns:adec="http://schemas.microsoft.com/office/drawing/2017/decorative" xmlns="" val="1"/>
               </a:ext>
             </a:extLst>
           </p:cNvPr>
@@ -11844,7 +12125,7 @@
           <p:nvPr>
             <p:extLst>
               <p:ext uri="{386F3935-93C4-4BCD-93E2-E3B085C9AB24}">
-                <p16:designElem xmlns:p16="http://schemas.microsoft.com/office/powerpoint/2015/main" val="1"/>
+                <p16:designElem xmlns:p16="http://schemas.microsoft.com/office/powerpoint/2015/main" xmlns="" val="1"/>
               </p:ext>
             </p:extLst>
           </p:nvPr>
@@ -11894,7 +12175,7 @@
           <p:cNvPr id="5" name="Picture 4" descr="Person watching empty phone">
             <a:extLst>
               <a:ext uri="{FF2B5EF4-FFF2-40B4-BE49-F238E27FC236}">
-                <a16:creationId xmlns:a16="http://schemas.microsoft.com/office/drawing/2014/main" id="{36BF03C9-7783-2E80-D333-EBEBAB79BB38}"/>
+                <a16:creationId xmlns:a16="http://schemas.microsoft.com/office/drawing/2014/main" xmlns="" id="{36BF03C9-7783-2E80-D333-EBEBAB79BB38}"/>
               </a:ext>
             </a:extLst>
           </p:cNvPr>
@@ -11928,10 +12209,10 @@
           <p:cNvPr id="15" name="Group 14">
             <a:extLst>
               <a:ext uri="{FF2B5EF4-FFF2-40B4-BE49-F238E27FC236}">
-                <a16:creationId xmlns:a16="http://schemas.microsoft.com/office/drawing/2014/main" id="{68142369-1172-4897-98AF-7E16842C4A29}"/>
+                <a16:creationId xmlns:a16="http://schemas.microsoft.com/office/drawing/2014/main" xmlns="" id="{68142369-1172-4897-98AF-7E16842C4A29}"/>
               </a:ext>
               <a:ext uri="{C183D7F6-B498-43B3-948B-1728B52AA6E4}">
-                <adec:decorative xmlns:adec="http://schemas.microsoft.com/office/drawing/2017/decorative" val="1"/>
+                <adec:decorative xmlns:adec="http://schemas.microsoft.com/office/drawing/2017/decorative" xmlns="" val="1"/>
               </a:ext>
             </a:extLst>
           </p:cNvPr>
@@ -11941,7 +12222,7 @@
           <p:nvPr>
             <p:extLst>
               <p:ext uri="{386F3935-93C4-4BCD-93E2-E3B085C9AB24}">
-                <p16:designElem xmlns:p16="http://schemas.microsoft.com/office/powerpoint/2015/main" val="1"/>
+                <p16:designElem xmlns:p16="http://schemas.microsoft.com/office/powerpoint/2015/main" xmlns="" val="1"/>
               </p:ext>
             </p:extLst>
           </p:nvPr>
@@ -11959,10 +12240,10 @@
             <p:cNvPr id="16" name="Straight Connector 15">
               <a:extLst>
                 <a:ext uri="{FF2B5EF4-FFF2-40B4-BE49-F238E27FC236}">
-                  <a16:creationId xmlns:a16="http://schemas.microsoft.com/office/drawing/2014/main" id="{6B4EC643-469D-49F7-B2C7-FA3DA6FFACC7}"/>
+                  <a16:creationId xmlns:a16="http://schemas.microsoft.com/office/drawing/2014/main" xmlns="" id="{6B4EC643-469D-49F7-B2C7-FA3DA6FFACC7}"/>
                 </a:ext>
                 <a:ext uri="{C183D7F6-B498-43B3-948B-1728B52AA6E4}">
-                  <adec:decorative xmlns:adec="http://schemas.microsoft.com/office/drawing/2017/decorative" val="1"/>
+                  <adec:decorative xmlns:adec="http://schemas.microsoft.com/office/drawing/2017/decorative" xmlns="" val="1"/>
                 </a:ext>
               </a:extLst>
             </p:cNvPr>
@@ -11972,7 +12253,7 @@
             <p:nvPr>
               <p:extLst>
                 <p:ext uri="{386F3935-93C4-4BCD-93E2-E3B085C9AB24}">
-                  <p16:designElem xmlns:p16="http://schemas.microsoft.com/office/powerpoint/2015/main" val="1"/>
+                  <p16:designElem xmlns:p16="http://schemas.microsoft.com/office/powerpoint/2015/main" xmlns="" val="1"/>
                 </p:ext>
               </p:extLst>
             </p:nvPr>
@@ -12011,10 +12292,10 @@
             <p:cNvPr id="17" name="Straight Connector 16">
               <a:extLst>
                 <a:ext uri="{FF2B5EF4-FFF2-40B4-BE49-F238E27FC236}">
-                  <a16:creationId xmlns:a16="http://schemas.microsoft.com/office/drawing/2014/main" id="{33C04565-7FC8-416F-9C08-F430D337F817}"/>
+                  <a16:creationId xmlns:a16="http://schemas.microsoft.com/office/drawing/2014/main" xmlns="" id="{33C04565-7FC8-416F-9C08-F430D337F817}"/>
                 </a:ext>
                 <a:ext uri="{C183D7F6-B498-43B3-948B-1728B52AA6E4}">
-                  <adec:decorative xmlns:adec="http://schemas.microsoft.com/office/drawing/2017/decorative" val="1"/>
+                  <adec:decorative xmlns:adec="http://schemas.microsoft.com/office/drawing/2017/decorative" xmlns="" val="1"/>
                 </a:ext>
               </a:extLst>
             </p:cNvPr>
@@ -12024,7 +12305,7 @@
             <p:nvPr>
               <p:extLst>
                 <p:ext uri="{386F3935-93C4-4BCD-93E2-E3B085C9AB24}">
-                  <p16:designElem xmlns:p16="http://schemas.microsoft.com/office/powerpoint/2015/main" val="1"/>
+                  <p16:designElem xmlns:p16="http://schemas.microsoft.com/office/powerpoint/2015/main" xmlns="" val="1"/>
                 </p:ext>
               </p:extLst>
             </p:nvPr>
@@ -12063,10 +12344,10 @@
             <p:cNvPr id="18" name="Straight Connector 17">
               <a:extLst>
                 <a:ext uri="{FF2B5EF4-FFF2-40B4-BE49-F238E27FC236}">
-                  <a16:creationId xmlns:a16="http://schemas.microsoft.com/office/drawing/2014/main" id="{92BD8DCF-6634-460D-AA2E-1357451FBA18}"/>
+                  <a16:creationId xmlns:a16="http://schemas.microsoft.com/office/drawing/2014/main" xmlns="" id="{92BD8DCF-6634-460D-AA2E-1357451FBA18}"/>
                 </a:ext>
                 <a:ext uri="{C183D7F6-B498-43B3-948B-1728B52AA6E4}">
-                  <adec:decorative xmlns:adec="http://schemas.microsoft.com/office/drawing/2017/decorative" val="1"/>
+                  <adec:decorative xmlns:adec="http://schemas.microsoft.com/office/drawing/2017/decorative" xmlns="" val="1"/>
                 </a:ext>
               </a:extLst>
             </p:cNvPr>
@@ -12076,7 +12357,7 @@
             <p:nvPr>
               <p:extLst>
                 <p:ext uri="{386F3935-93C4-4BCD-93E2-E3B085C9AB24}">
-                  <p16:designElem xmlns:p16="http://schemas.microsoft.com/office/powerpoint/2015/main" val="1"/>
+                  <p16:designElem xmlns:p16="http://schemas.microsoft.com/office/powerpoint/2015/main" xmlns="" val="1"/>
                 </p:ext>
               </p:extLst>
             </p:nvPr>
@@ -12115,10 +12396,10 @@
             <p:cNvPr id="19" name="Straight Connector 18">
               <a:extLst>
                 <a:ext uri="{FF2B5EF4-FFF2-40B4-BE49-F238E27FC236}">
-                  <a16:creationId xmlns:a16="http://schemas.microsoft.com/office/drawing/2014/main" id="{8EAC9175-245B-4886-A4F2-EEA53C13F540}"/>
+                  <a16:creationId xmlns:a16="http://schemas.microsoft.com/office/drawing/2014/main" xmlns="" id="{8EAC9175-245B-4886-A4F2-EEA53C13F540}"/>
                 </a:ext>
                 <a:ext uri="{C183D7F6-B498-43B3-948B-1728B52AA6E4}">
-                  <adec:decorative xmlns:adec="http://schemas.microsoft.com/office/drawing/2017/decorative" val="1"/>
+                  <adec:decorative xmlns:adec="http://schemas.microsoft.com/office/drawing/2017/decorative" xmlns="" val="1"/>
                 </a:ext>
               </a:extLst>
             </p:cNvPr>
@@ -12128,7 +12409,7 @@
             <p:nvPr>
               <p:extLst>
                 <p:ext uri="{386F3935-93C4-4BCD-93E2-E3B085C9AB24}">
-                  <p16:designElem xmlns:p16="http://schemas.microsoft.com/office/powerpoint/2015/main" val="1"/>
+                  <p16:designElem xmlns:p16="http://schemas.microsoft.com/office/powerpoint/2015/main" xmlns="" val="1"/>
                 </p:ext>
               </p:extLst>
             </p:nvPr>
@@ -12167,10 +12448,10 @@
             <p:cNvPr id="20" name="Graphic 33">
               <a:extLst>
                 <a:ext uri="{FF2B5EF4-FFF2-40B4-BE49-F238E27FC236}">
-                  <a16:creationId xmlns:a16="http://schemas.microsoft.com/office/drawing/2014/main" id="{BC567658-11B8-4D35-89AE-B7353466914F}"/>
+                  <a16:creationId xmlns:a16="http://schemas.microsoft.com/office/drawing/2014/main" xmlns="" id="{BC567658-11B8-4D35-89AE-B7353466914F}"/>
                 </a:ext>
                 <a:ext uri="{C183D7F6-B498-43B3-948B-1728B52AA6E4}">
-                  <adec:decorative xmlns:adec="http://schemas.microsoft.com/office/drawing/2017/decorative" val="1"/>
+                  <adec:decorative xmlns:adec="http://schemas.microsoft.com/office/drawing/2017/decorative" xmlns="" val="1"/>
                 </a:ext>
               </a:extLst>
             </p:cNvPr>
@@ -12178,7 +12459,7 @@
             <p:nvPr>
               <p:extLst>
                 <p:ext uri="{386F3935-93C4-4BCD-93E2-E3B085C9AB24}">
-                  <p16:designElem xmlns:p16="http://schemas.microsoft.com/office/powerpoint/2015/main" val="1"/>
+                  <p16:designElem xmlns:p16="http://schemas.microsoft.com/office/powerpoint/2015/main" xmlns="" val="1"/>
                 </p:ext>
               </p:extLst>
             </p:nvPr>
@@ -12345,10 +12626,10 @@
             <p:cNvPr id="21" name="Graphic 33">
               <a:extLst>
                 <a:ext uri="{FF2B5EF4-FFF2-40B4-BE49-F238E27FC236}">
-                  <a16:creationId xmlns:a16="http://schemas.microsoft.com/office/drawing/2014/main" id="{B2AAA79A-1602-4193-8170-9C436D9CED8F}"/>
+                  <a16:creationId xmlns:a16="http://schemas.microsoft.com/office/drawing/2014/main" xmlns="" id="{B2AAA79A-1602-4193-8170-9C436D9CED8F}"/>
                 </a:ext>
                 <a:ext uri="{C183D7F6-B498-43B3-948B-1728B52AA6E4}">
-                  <adec:decorative xmlns:adec="http://schemas.microsoft.com/office/drawing/2017/decorative" val="1"/>
+                  <adec:decorative xmlns:adec="http://schemas.microsoft.com/office/drawing/2017/decorative" xmlns="" val="1"/>
                 </a:ext>
               </a:extLst>
             </p:cNvPr>
@@ -12356,7 +12637,7 @@
             <p:nvPr>
               <p:extLst>
                 <p:ext uri="{386F3935-93C4-4BCD-93E2-E3B085C9AB24}">
-                  <p16:designElem xmlns:p16="http://schemas.microsoft.com/office/powerpoint/2015/main" val="1"/>
+                  <p16:designElem xmlns:p16="http://schemas.microsoft.com/office/powerpoint/2015/main" xmlns="" val="1"/>
                 </p:ext>
               </p:extLst>
             </p:nvPr>
@@ -12524,7 +12805,7 @@
           <p:cNvPr id="3" name="Content Placeholder 2">
             <a:extLst>
               <a:ext uri="{FF2B5EF4-FFF2-40B4-BE49-F238E27FC236}">
-                <a16:creationId xmlns:a16="http://schemas.microsoft.com/office/drawing/2014/main" id="{914F2E01-CB12-0A24-CE27-8DD6F821D827}"/>
+                <a16:creationId xmlns:a16="http://schemas.microsoft.com/office/drawing/2014/main" xmlns="" id="{914F2E01-CB12-0A24-CE27-8DD6F821D827}"/>
               </a:ext>
             </a:extLst>
           </p:cNvPr>
@@ -12862,7 +13143,7 @@
           <p:cNvPr id="7" name="Title 1">
             <a:extLst>
               <a:ext uri="{FF2B5EF4-FFF2-40B4-BE49-F238E27FC236}">
-                <a16:creationId xmlns:a16="http://schemas.microsoft.com/office/drawing/2014/main" id="{D168CBBE-C00E-A79A-326B-E0306D5390D7}"/>
+                <a16:creationId xmlns:a16="http://schemas.microsoft.com/office/drawing/2014/main" xmlns="" id="{D168CBBE-C00E-A79A-326B-E0306D5390D7}"/>
               </a:ext>
             </a:extLst>
           </p:cNvPr>
@@ -12901,7 +13182,7 @@
           <p:cNvPr id="8" name="Picture 7">
             <a:extLst>
               <a:ext uri="{FF2B5EF4-FFF2-40B4-BE49-F238E27FC236}">
-                <a16:creationId xmlns:a16="http://schemas.microsoft.com/office/drawing/2014/main" id="{A52E1317-5171-E779-D857-63371B0EC0BB}"/>
+                <a16:creationId xmlns:a16="http://schemas.microsoft.com/office/drawing/2014/main" xmlns="" id="{A52E1317-5171-E779-D857-63371B0EC0BB}"/>
               </a:ext>
             </a:extLst>
           </p:cNvPr>
@@ -12942,13 +13223,13 @@
   <p:clrMapOvr>
     <a:overrideClrMapping bg1="dk1" tx1="lt1" bg2="dk2" tx2="lt2" accent1="accent1" accent2="accent2" accent3="accent3" accent4="accent4" accent5="accent5" accent6="accent6" hlink="hlink" folHlink="folHlink"/>
   </p:clrMapOvr>
-  <mc:AlternateContent xmlns:mc="http://schemas.openxmlformats.org/markup-compatibility/2006" xmlns:p159="http://schemas.microsoft.com/office/powerpoint/2015/09/main">
-    <mc:Choice Requires="p159">
+  <mc:AlternateContent xmlns:mc="http://schemas.openxmlformats.org/markup-compatibility/2006">
+    <mc:Choice xmlns:p159="http://schemas.microsoft.com/office/powerpoint/2015/09/main" xmlns="" Requires="p159">
       <p:transition xmlns:p14="http://schemas.microsoft.com/office/powerpoint/2010/main" spd="slow" p14:dur="2000">
         <p159:morph option="byObject"/>
       </p:transition>
     </mc:Choice>
-    <mc:Fallback xmlns="">
+    <mc:Fallback>
       <p:transition spd="slow">
         <p:fade/>
       </p:transition>
@@ -12987,10 +13268,10 @@
           <p:cNvPr id="22" name="Rectangle 21">
             <a:extLst>
               <a:ext uri="{FF2B5EF4-FFF2-40B4-BE49-F238E27FC236}">
-                <a16:creationId xmlns:a16="http://schemas.microsoft.com/office/drawing/2014/main" id="{CF10C978-51B5-420C-9A05-C8F194EACAC3}"/>
+                <a16:creationId xmlns:a16="http://schemas.microsoft.com/office/drawing/2014/main" xmlns="" id="{CF10C978-51B5-420C-9A05-C8F194EACAC3}"/>
               </a:ext>
               <a:ext uri="{C183D7F6-B498-43B3-948B-1728B52AA6E4}">
-                <adec:decorative xmlns:adec="http://schemas.microsoft.com/office/drawing/2017/decorative" val="1"/>
+                <adec:decorative xmlns:adec="http://schemas.microsoft.com/office/drawing/2017/decorative" xmlns="" val="1"/>
               </a:ext>
             </a:extLst>
           </p:cNvPr>
@@ -13000,7 +13281,7 @@
           <p:nvPr>
             <p:extLst>
               <p:ext uri="{386F3935-93C4-4BCD-93E2-E3B085C9AB24}">
-                <p16:designElem xmlns:p16="http://schemas.microsoft.com/office/powerpoint/2015/main" val="1"/>
+                <p16:designElem xmlns:p16="http://schemas.microsoft.com/office/powerpoint/2015/main" xmlns="" val="1"/>
               </p:ext>
             </p:extLst>
           </p:nvPr>
@@ -13047,10 +13328,10 @@
           <p:cNvPr id="23" name="Rectangle 22">
             <a:extLst>
               <a:ext uri="{FF2B5EF4-FFF2-40B4-BE49-F238E27FC236}">
-                <a16:creationId xmlns:a16="http://schemas.microsoft.com/office/drawing/2014/main" id="{28D34D1C-4E49-4D32-96F1-E49CEBBF86E0}"/>
+                <a16:creationId xmlns:a16="http://schemas.microsoft.com/office/drawing/2014/main" xmlns="" id="{28D34D1C-4E49-4D32-96F1-E49CEBBF86E0}"/>
               </a:ext>
               <a:ext uri="{C183D7F6-B498-43B3-948B-1728B52AA6E4}">
-                <adec:decorative xmlns:adec="http://schemas.microsoft.com/office/drawing/2017/decorative" val="1"/>
+                <adec:decorative xmlns:adec="http://schemas.microsoft.com/office/drawing/2017/decorative" xmlns="" val="1"/>
               </a:ext>
             </a:extLst>
           </p:cNvPr>
@@ -13060,7 +13341,7 @@
           <p:nvPr>
             <p:extLst>
               <p:ext uri="{386F3935-93C4-4BCD-93E2-E3B085C9AB24}">
-                <p16:designElem xmlns:p16="http://schemas.microsoft.com/office/powerpoint/2015/main" val="1"/>
+                <p16:designElem xmlns:p16="http://schemas.microsoft.com/office/powerpoint/2015/main" xmlns="" val="1"/>
               </p:ext>
             </p:extLst>
           </p:nvPr>
@@ -13113,10 +13394,10 @@
           <p:cNvPr id="24" name="Group 23">
             <a:extLst>
               <a:ext uri="{FF2B5EF4-FFF2-40B4-BE49-F238E27FC236}">
-                <a16:creationId xmlns:a16="http://schemas.microsoft.com/office/drawing/2014/main" id="{6EDBC9C2-2A39-44A2-9D95-D1DE9E2B127D}"/>
+                <a16:creationId xmlns:a16="http://schemas.microsoft.com/office/drawing/2014/main" xmlns="" id="{6EDBC9C2-2A39-44A2-9D95-D1DE9E2B127D}"/>
               </a:ext>
               <a:ext uri="{C183D7F6-B498-43B3-948B-1728B52AA6E4}">
-                <adec:decorative xmlns:adec="http://schemas.microsoft.com/office/drawing/2017/decorative" val="1"/>
+                <adec:decorative xmlns:adec="http://schemas.microsoft.com/office/drawing/2017/decorative" xmlns="" val="1"/>
               </a:ext>
             </a:extLst>
           </p:cNvPr>
@@ -13126,7 +13407,7 @@
           <p:nvPr>
             <p:extLst>
               <p:ext uri="{386F3935-93C4-4BCD-93E2-E3B085C9AB24}">
-                <p16:designElem xmlns:p16="http://schemas.microsoft.com/office/powerpoint/2015/main" val="1"/>
+                <p16:designElem xmlns:p16="http://schemas.microsoft.com/office/powerpoint/2015/main" xmlns="" val="1"/>
               </p:ext>
             </p:extLst>
           </p:nvPr>
@@ -13144,10 +13425,10 @@
             <p:cNvPr id="15" name="Straight Connector 14">
               <a:extLst>
                 <a:ext uri="{FF2B5EF4-FFF2-40B4-BE49-F238E27FC236}">
-                  <a16:creationId xmlns:a16="http://schemas.microsoft.com/office/drawing/2014/main" id="{793379BC-3088-4AE8-8EF7-59370D7EB927}"/>
+                  <a16:creationId xmlns:a16="http://schemas.microsoft.com/office/drawing/2014/main" xmlns="" id="{793379BC-3088-4AE8-8EF7-59370D7EB927}"/>
                 </a:ext>
                 <a:ext uri="{C183D7F6-B498-43B3-948B-1728B52AA6E4}">
-                  <adec:decorative xmlns:adec="http://schemas.microsoft.com/office/drawing/2017/decorative" val="1"/>
+                  <adec:decorative xmlns:adec="http://schemas.microsoft.com/office/drawing/2017/decorative" xmlns="" val="1"/>
                 </a:ext>
               </a:extLst>
             </p:cNvPr>
@@ -13157,7 +13438,7 @@
             <p:nvPr>
               <p:extLst>
                 <p:ext uri="{386F3935-93C4-4BCD-93E2-E3B085C9AB24}">
-                  <p16:designElem xmlns:p16="http://schemas.microsoft.com/office/powerpoint/2015/main" val="1"/>
+                  <p16:designElem xmlns:p16="http://schemas.microsoft.com/office/powerpoint/2015/main" xmlns="" val="1"/>
                 </p:ext>
               </p:extLst>
             </p:nvPr>
@@ -13196,10 +13477,10 @@
             <p:cNvPr id="16" name="Straight Connector 15">
               <a:extLst>
                 <a:ext uri="{FF2B5EF4-FFF2-40B4-BE49-F238E27FC236}">
-                  <a16:creationId xmlns:a16="http://schemas.microsoft.com/office/drawing/2014/main" id="{141DE74C-25AE-4959-99D5-0A77F1DFC8D3}"/>
+                  <a16:creationId xmlns:a16="http://schemas.microsoft.com/office/drawing/2014/main" xmlns="" id="{141DE74C-25AE-4959-99D5-0A77F1DFC8D3}"/>
                 </a:ext>
                 <a:ext uri="{C183D7F6-B498-43B3-948B-1728B52AA6E4}">
-                  <adec:decorative xmlns:adec="http://schemas.microsoft.com/office/drawing/2017/decorative" val="1"/>
+                  <adec:decorative xmlns:adec="http://schemas.microsoft.com/office/drawing/2017/decorative" xmlns="" val="1"/>
                 </a:ext>
               </a:extLst>
             </p:cNvPr>
@@ -13209,7 +13490,7 @@
             <p:nvPr>
               <p:extLst>
                 <p:ext uri="{386F3935-93C4-4BCD-93E2-E3B085C9AB24}">
-                  <p16:designElem xmlns:p16="http://schemas.microsoft.com/office/powerpoint/2015/main" val="1"/>
+                  <p16:designElem xmlns:p16="http://schemas.microsoft.com/office/powerpoint/2015/main" xmlns="" val="1"/>
                 </p:ext>
               </p:extLst>
             </p:nvPr>
@@ -13248,10 +13529,10 @@
             <p:cNvPr id="17" name="Straight Connector 16">
               <a:extLst>
                 <a:ext uri="{FF2B5EF4-FFF2-40B4-BE49-F238E27FC236}">
-                  <a16:creationId xmlns:a16="http://schemas.microsoft.com/office/drawing/2014/main" id="{3D9235EF-4E81-496D-ADA8-13EED901E967}"/>
+                  <a16:creationId xmlns:a16="http://schemas.microsoft.com/office/drawing/2014/main" xmlns="" id="{3D9235EF-4E81-496D-ADA8-13EED901E967}"/>
                 </a:ext>
                 <a:ext uri="{C183D7F6-B498-43B3-948B-1728B52AA6E4}">
-                  <adec:decorative xmlns:adec="http://schemas.microsoft.com/office/drawing/2017/decorative" val="1"/>
+                  <adec:decorative xmlns:adec="http://schemas.microsoft.com/office/drawing/2017/decorative" xmlns="" val="1"/>
                 </a:ext>
               </a:extLst>
             </p:cNvPr>
@@ -13261,7 +13542,7 @@
             <p:nvPr>
               <p:extLst>
                 <p:ext uri="{386F3935-93C4-4BCD-93E2-E3B085C9AB24}">
-                  <p16:designElem xmlns:p16="http://schemas.microsoft.com/office/powerpoint/2015/main" val="1"/>
+                  <p16:designElem xmlns:p16="http://schemas.microsoft.com/office/powerpoint/2015/main" xmlns="" val="1"/>
                 </p:ext>
               </p:extLst>
             </p:nvPr>
@@ -13300,10 +13581,10 @@
             <p:cNvPr id="18" name="Straight Connector 17">
               <a:extLst>
                 <a:ext uri="{FF2B5EF4-FFF2-40B4-BE49-F238E27FC236}">
-                  <a16:creationId xmlns:a16="http://schemas.microsoft.com/office/drawing/2014/main" id="{F7241A77-6415-454C-B86E-F42A2802677E}"/>
+                  <a16:creationId xmlns:a16="http://schemas.microsoft.com/office/drawing/2014/main" xmlns="" id="{F7241A77-6415-454C-B86E-F42A2802677E}"/>
                 </a:ext>
                 <a:ext uri="{C183D7F6-B498-43B3-948B-1728B52AA6E4}">
-                  <adec:decorative xmlns:adec="http://schemas.microsoft.com/office/drawing/2017/decorative" val="1"/>
+                  <adec:decorative xmlns:adec="http://schemas.microsoft.com/office/drawing/2017/decorative" xmlns="" val="1"/>
                 </a:ext>
               </a:extLst>
             </p:cNvPr>
@@ -13313,7 +13594,7 @@
             <p:nvPr>
               <p:extLst>
                 <p:ext uri="{386F3935-93C4-4BCD-93E2-E3B085C9AB24}">
-                  <p16:designElem xmlns:p16="http://schemas.microsoft.com/office/powerpoint/2015/main" val="1"/>
+                  <p16:designElem xmlns:p16="http://schemas.microsoft.com/office/powerpoint/2015/main" xmlns="" val="1"/>
                 </p:ext>
               </p:extLst>
             </p:nvPr>
@@ -13353,7 +13634,7 @@
           <p:cNvPr id="2" name="Title 1">
             <a:extLst>
               <a:ext uri="{FF2B5EF4-FFF2-40B4-BE49-F238E27FC236}">
-                <a16:creationId xmlns:a16="http://schemas.microsoft.com/office/drawing/2014/main" id="{FBE59143-34CD-4B3E-A360-841DD3E468BC}"/>
+                <a16:creationId xmlns:a16="http://schemas.microsoft.com/office/drawing/2014/main" xmlns="" id="{FBE59143-34CD-4B3E-A360-841DD3E468BC}"/>
               </a:ext>
             </a:extLst>
           </p:cNvPr>
@@ -13402,7 +13683,7 @@
           <p:cNvPr id="3" name="Content Placeholder 2">
             <a:extLst>
               <a:ext uri="{FF2B5EF4-FFF2-40B4-BE49-F238E27FC236}">
-                <a16:creationId xmlns:a16="http://schemas.microsoft.com/office/drawing/2014/main" id="{B20516EC-408F-4D14-BA31-12EE1AF6F67F}"/>
+                <a16:creationId xmlns:a16="http://schemas.microsoft.com/office/drawing/2014/main" xmlns="" id="{B20516EC-408F-4D14-BA31-12EE1AF6F67F}"/>
               </a:ext>
             </a:extLst>
           </p:cNvPr>
@@ -13421,7 +13702,7 @@
         </p:spPr>
         <p:txBody>
           <a:bodyPr>
-            <a:normAutofit lnSpcReduction="10000"/>
+            <a:normAutofit/>
           </a:bodyPr>
           <a:lstStyle/>
           <a:p>
@@ -13588,10 +13869,10 @@
           <p:cNvPr id="20" name="Straight Connector 19">
             <a:extLst>
               <a:ext uri="{FF2B5EF4-FFF2-40B4-BE49-F238E27FC236}">
-                <a16:creationId xmlns:a16="http://schemas.microsoft.com/office/drawing/2014/main" id="{E32B0B7D-C67A-4103-B2F0-ACE40BD56D02}"/>
+                <a16:creationId xmlns:a16="http://schemas.microsoft.com/office/drawing/2014/main" xmlns="" id="{E32B0B7D-C67A-4103-B2F0-ACE40BD56D02}"/>
               </a:ext>
               <a:ext uri="{C183D7F6-B498-43B3-948B-1728B52AA6E4}">
-                <adec:decorative xmlns:adec="http://schemas.microsoft.com/office/drawing/2017/decorative" val="1"/>
+                <adec:decorative xmlns:adec="http://schemas.microsoft.com/office/drawing/2017/decorative" xmlns="" val="1"/>
               </a:ext>
             </a:extLst>
           </p:cNvPr>
@@ -13601,7 +13882,7 @@
           <p:nvPr>
             <p:extLst>
               <p:ext uri="{386F3935-93C4-4BCD-93E2-E3B085C9AB24}">
-                <p16:designElem xmlns:p16="http://schemas.microsoft.com/office/powerpoint/2015/main" val="1"/>
+                <p16:designElem xmlns:p16="http://schemas.microsoft.com/office/powerpoint/2015/main" xmlns="" val="1"/>
               </p:ext>
             </p:extLst>
           </p:nvPr>
@@ -13640,7 +13921,7 @@
           <p:cNvPr id="5" name="Picture 4">
             <a:extLst>
               <a:ext uri="{FF2B5EF4-FFF2-40B4-BE49-F238E27FC236}">
-                <a16:creationId xmlns:a16="http://schemas.microsoft.com/office/drawing/2014/main" id="{0DB58327-0037-4614-8CC1-31AD9924FABF}"/>
+                <a16:creationId xmlns:a16="http://schemas.microsoft.com/office/drawing/2014/main" xmlns="" id="{0DB58327-0037-4614-8CC1-31AD9924FABF}"/>
               </a:ext>
             </a:extLst>
           </p:cNvPr>
@@ -13681,13 +13962,13 @@
   <p:clrMapOvr>
     <a:masterClrMapping/>
   </p:clrMapOvr>
-  <mc:AlternateContent xmlns:mc="http://schemas.openxmlformats.org/markup-compatibility/2006" xmlns:p159="http://schemas.microsoft.com/office/powerpoint/2015/09/main">
-    <mc:Choice Requires="p159">
+  <mc:AlternateContent xmlns:mc="http://schemas.openxmlformats.org/markup-compatibility/2006">
+    <mc:Choice xmlns:p159="http://schemas.microsoft.com/office/powerpoint/2015/09/main" xmlns="" Requires="p159">
       <p:transition xmlns:p14="http://schemas.microsoft.com/office/powerpoint/2010/main" spd="slow" p14:dur="2000">
         <p159:morph option="byObject"/>
       </p:transition>
     </mc:Choice>
-    <mc:Fallback xmlns="">
+    <mc:Fallback>
       <p:transition spd="slow">
         <p:fade/>
       </p:transition>
@@ -13726,10 +14007,10 @@
           <p:cNvPr id="99" name="Rectangle 98">
             <a:extLst>
               <a:ext uri="{FF2B5EF4-FFF2-40B4-BE49-F238E27FC236}">
-                <a16:creationId xmlns:a16="http://schemas.microsoft.com/office/drawing/2014/main" id="{2293296F-4C3A-4530-98F5-F83646ACE913}"/>
+                <a16:creationId xmlns:a16="http://schemas.microsoft.com/office/drawing/2014/main" xmlns="" id="{2293296F-4C3A-4530-98F5-F83646ACE913}"/>
               </a:ext>
               <a:ext uri="{C183D7F6-B498-43B3-948B-1728B52AA6E4}">
-                <adec:decorative xmlns:adec="http://schemas.microsoft.com/office/drawing/2017/decorative" val="1"/>
+                <adec:decorative xmlns:adec="http://schemas.microsoft.com/office/drawing/2017/decorative" xmlns="" val="1"/>
               </a:ext>
             </a:extLst>
           </p:cNvPr>
@@ -13739,7 +14020,7 @@
           <p:nvPr>
             <p:extLst>
               <p:ext uri="{386F3935-93C4-4BCD-93E2-E3B085C9AB24}">
-                <p16:designElem xmlns:p16="http://schemas.microsoft.com/office/powerpoint/2015/main" val="1"/>
+                <p16:designElem xmlns:p16="http://schemas.microsoft.com/office/powerpoint/2015/main" xmlns="" val="1"/>
               </p:ext>
             </p:extLst>
           </p:nvPr>
@@ -13792,10 +14073,10 @@
           <p:cNvPr id="101" name="Group 100">
             <a:extLst>
               <a:ext uri="{FF2B5EF4-FFF2-40B4-BE49-F238E27FC236}">
-                <a16:creationId xmlns:a16="http://schemas.microsoft.com/office/drawing/2014/main" id="{3914D2BD-3C47-433D-81FE-DC6C39595F0E}"/>
+                <a16:creationId xmlns:a16="http://schemas.microsoft.com/office/drawing/2014/main" xmlns="" id="{3914D2BD-3C47-433D-81FE-DC6C39595F0E}"/>
               </a:ext>
               <a:ext uri="{C183D7F6-B498-43B3-948B-1728B52AA6E4}">
-                <adec:decorative xmlns:adec="http://schemas.microsoft.com/office/drawing/2017/decorative" val="1"/>
+                <adec:decorative xmlns:adec="http://schemas.microsoft.com/office/drawing/2017/decorative" xmlns="" val="1"/>
               </a:ext>
             </a:extLst>
           </p:cNvPr>
@@ -13805,7 +14086,7 @@
           <p:nvPr>
             <p:extLst>
               <p:ext uri="{386F3935-93C4-4BCD-93E2-E3B085C9AB24}">
-                <p16:designElem xmlns:p16="http://schemas.microsoft.com/office/powerpoint/2015/main" val="1"/>
+                <p16:designElem xmlns:p16="http://schemas.microsoft.com/office/powerpoint/2015/main" xmlns="" val="1"/>
               </p:ext>
             </p:extLst>
           </p:nvPr>
@@ -13823,10 +14104,10 @@
             <p:cNvPr id="102" name="Straight Connector 101">
               <a:extLst>
                 <a:ext uri="{FF2B5EF4-FFF2-40B4-BE49-F238E27FC236}">
-                  <a16:creationId xmlns:a16="http://schemas.microsoft.com/office/drawing/2014/main" id="{D3DD55E4-EA4F-4874-8B5B-6E0EAF4BBFC4}"/>
+                  <a16:creationId xmlns:a16="http://schemas.microsoft.com/office/drawing/2014/main" xmlns="" id="{D3DD55E4-EA4F-4874-8B5B-6E0EAF4BBFC4}"/>
                 </a:ext>
                 <a:ext uri="{C183D7F6-B498-43B3-948B-1728B52AA6E4}">
-                  <adec:decorative xmlns:adec="http://schemas.microsoft.com/office/drawing/2017/decorative" val="1"/>
+                  <adec:decorative xmlns:adec="http://schemas.microsoft.com/office/drawing/2017/decorative" xmlns="" val="1"/>
                 </a:ext>
               </a:extLst>
             </p:cNvPr>
@@ -13836,7 +14117,7 @@
             <p:nvPr>
               <p:extLst>
                 <p:ext uri="{386F3935-93C4-4BCD-93E2-E3B085C9AB24}">
-                  <p16:designElem xmlns:p16="http://schemas.microsoft.com/office/powerpoint/2015/main" val="1"/>
+                  <p16:designElem xmlns:p16="http://schemas.microsoft.com/office/powerpoint/2015/main" xmlns="" val="1"/>
                 </p:ext>
               </p:extLst>
             </p:nvPr>
@@ -13875,10 +14156,10 @@
             <p:cNvPr id="103" name="Straight Connector 102">
               <a:extLst>
                 <a:ext uri="{FF2B5EF4-FFF2-40B4-BE49-F238E27FC236}">
-                  <a16:creationId xmlns:a16="http://schemas.microsoft.com/office/drawing/2014/main" id="{32950BAF-7673-4138-AEA2-DE7D368CC357}"/>
+                  <a16:creationId xmlns:a16="http://schemas.microsoft.com/office/drawing/2014/main" xmlns="" id="{32950BAF-7673-4138-AEA2-DE7D368CC357}"/>
                 </a:ext>
                 <a:ext uri="{C183D7F6-B498-43B3-948B-1728B52AA6E4}">
-                  <adec:decorative xmlns:adec="http://schemas.microsoft.com/office/drawing/2017/decorative" val="1"/>
+                  <adec:decorative xmlns:adec="http://schemas.microsoft.com/office/drawing/2017/decorative" xmlns="" val="1"/>
                 </a:ext>
               </a:extLst>
             </p:cNvPr>
@@ -13888,7 +14169,7 @@
             <p:nvPr>
               <p:extLst>
                 <p:ext uri="{386F3935-93C4-4BCD-93E2-E3B085C9AB24}">
-                  <p16:designElem xmlns:p16="http://schemas.microsoft.com/office/powerpoint/2015/main" val="1"/>
+                  <p16:designElem xmlns:p16="http://schemas.microsoft.com/office/powerpoint/2015/main" xmlns="" val="1"/>
                 </p:ext>
               </p:extLst>
             </p:nvPr>
@@ -13927,10 +14208,10 @@
             <p:cNvPr id="104" name="Straight Connector 103">
               <a:extLst>
                 <a:ext uri="{FF2B5EF4-FFF2-40B4-BE49-F238E27FC236}">
-                  <a16:creationId xmlns:a16="http://schemas.microsoft.com/office/drawing/2014/main" id="{6BE3E2B5-EA1C-415A-941A-843C7EA148E1}"/>
+                  <a16:creationId xmlns:a16="http://schemas.microsoft.com/office/drawing/2014/main" xmlns="" id="{6BE3E2B5-EA1C-415A-941A-843C7EA148E1}"/>
                 </a:ext>
                 <a:ext uri="{C183D7F6-B498-43B3-948B-1728B52AA6E4}">
-                  <adec:decorative xmlns:adec="http://schemas.microsoft.com/office/drawing/2017/decorative" val="1"/>
+                  <adec:decorative xmlns:adec="http://schemas.microsoft.com/office/drawing/2017/decorative" xmlns="" val="1"/>
                 </a:ext>
               </a:extLst>
             </p:cNvPr>
@@ -13940,7 +14221,7 @@
             <p:nvPr>
               <p:extLst>
                 <p:ext uri="{386F3935-93C4-4BCD-93E2-E3B085C9AB24}">
-                  <p16:designElem xmlns:p16="http://schemas.microsoft.com/office/powerpoint/2015/main" val="1"/>
+                  <p16:designElem xmlns:p16="http://schemas.microsoft.com/office/powerpoint/2015/main" xmlns="" val="1"/>
                 </p:ext>
               </p:extLst>
             </p:nvPr>
@@ -13979,10 +14260,10 @@
             <p:cNvPr id="105" name="Straight Connector 104">
               <a:extLst>
                 <a:ext uri="{FF2B5EF4-FFF2-40B4-BE49-F238E27FC236}">
-                  <a16:creationId xmlns:a16="http://schemas.microsoft.com/office/drawing/2014/main" id="{087FA3A6-E398-4576-B6B8-3328028D84B2}"/>
+                  <a16:creationId xmlns:a16="http://schemas.microsoft.com/office/drawing/2014/main" xmlns="" id="{087FA3A6-E398-4576-B6B8-3328028D84B2}"/>
                 </a:ext>
                 <a:ext uri="{C183D7F6-B498-43B3-948B-1728B52AA6E4}">
-                  <adec:decorative xmlns:adec="http://schemas.microsoft.com/office/drawing/2017/decorative" val="1"/>
+                  <adec:decorative xmlns:adec="http://schemas.microsoft.com/office/drawing/2017/decorative" xmlns="" val="1"/>
                 </a:ext>
               </a:extLst>
             </p:cNvPr>
@@ -13992,7 +14273,7 @@
             <p:nvPr>
               <p:extLst>
                 <p:ext uri="{386F3935-93C4-4BCD-93E2-E3B085C9AB24}">
-                  <p16:designElem xmlns:p16="http://schemas.microsoft.com/office/powerpoint/2015/main" val="1"/>
+                  <p16:designElem xmlns:p16="http://schemas.microsoft.com/office/powerpoint/2015/main" xmlns="" val="1"/>
                 </p:ext>
               </p:extLst>
             </p:nvPr>
@@ -14031,10 +14312,10 @@
             <p:cNvPr id="106" name="Graphic 33">
               <a:extLst>
                 <a:ext uri="{FF2B5EF4-FFF2-40B4-BE49-F238E27FC236}">
-                  <a16:creationId xmlns:a16="http://schemas.microsoft.com/office/drawing/2014/main" id="{EFB597D7-65E0-476A-B9EB-3AA6ED33884C}"/>
+                  <a16:creationId xmlns:a16="http://schemas.microsoft.com/office/drawing/2014/main" xmlns="" id="{EFB597D7-65E0-476A-B9EB-3AA6ED33884C}"/>
                 </a:ext>
                 <a:ext uri="{C183D7F6-B498-43B3-948B-1728B52AA6E4}">
-                  <adec:decorative xmlns:adec="http://schemas.microsoft.com/office/drawing/2017/decorative" val="1"/>
+                  <adec:decorative xmlns:adec="http://schemas.microsoft.com/office/drawing/2017/decorative" xmlns="" val="1"/>
                 </a:ext>
               </a:extLst>
             </p:cNvPr>
@@ -14042,7 +14323,7 @@
             <p:nvPr>
               <p:extLst>
                 <p:ext uri="{386F3935-93C4-4BCD-93E2-E3B085C9AB24}">
-                  <p16:designElem xmlns:p16="http://schemas.microsoft.com/office/powerpoint/2015/main" val="1"/>
+                  <p16:designElem xmlns:p16="http://schemas.microsoft.com/office/powerpoint/2015/main" xmlns="" val="1"/>
                 </p:ext>
               </p:extLst>
             </p:nvPr>
@@ -14115,10 +14396,10 @@
             <p:cNvPr id="107" name="Graphic 33">
               <a:extLst>
                 <a:ext uri="{FF2B5EF4-FFF2-40B4-BE49-F238E27FC236}">
-                  <a16:creationId xmlns:a16="http://schemas.microsoft.com/office/drawing/2014/main" id="{11AA060A-BE0E-4687-8F9E-0E2955D9796D}"/>
+                  <a16:creationId xmlns:a16="http://schemas.microsoft.com/office/drawing/2014/main" xmlns="" id="{11AA060A-BE0E-4687-8F9E-0E2955D9796D}"/>
                 </a:ext>
                 <a:ext uri="{C183D7F6-B498-43B3-948B-1728B52AA6E4}">
-                  <adec:decorative xmlns:adec="http://schemas.microsoft.com/office/drawing/2017/decorative" val="1"/>
+                  <adec:decorative xmlns:adec="http://schemas.microsoft.com/office/drawing/2017/decorative" xmlns="" val="1"/>
                 </a:ext>
               </a:extLst>
             </p:cNvPr>
@@ -14126,7 +14407,7 @@
             <p:nvPr>
               <p:extLst>
                 <p:ext uri="{386F3935-93C4-4BCD-93E2-E3B085C9AB24}">
-                  <p16:designElem xmlns:p16="http://schemas.microsoft.com/office/powerpoint/2015/main" val="1"/>
+                  <p16:designElem xmlns:p16="http://schemas.microsoft.com/office/powerpoint/2015/main" xmlns="" val="1"/>
                 </p:ext>
               </p:extLst>
             </p:nvPr>
@@ -14200,10 +14481,10 @@
           <p:cNvPr id="109" name="Rectangle 108">
             <a:extLst>
               <a:ext uri="{FF2B5EF4-FFF2-40B4-BE49-F238E27FC236}">
-                <a16:creationId xmlns:a16="http://schemas.microsoft.com/office/drawing/2014/main" id="{B62E0F97-3B68-4A9A-81FD-184E8051D278}"/>
+                <a16:creationId xmlns:a16="http://schemas.microsoft.com/office/drawing/2014/main" xmlns="" id="{B62E0F97-3B68-4A9A-81FD-184E8051D278}"/>
               </a:ext>
               <a:ext uri="{C183D7F6-B498-43B3-948B-1728B52AA6E4}">
-                <adec:decorative xmlns:adec="http://schemas.microsoft.com/office/drawing/2017/decorative" val="1"/>
+                <adec:decorative xmlns:adec="http://schemas.microsoft.com/office/drawing/2017/decorative" xmlns="" val="1"/>
               </a:ext>
             </a:extLst>
           </p:cNvPr>
@@ -14213,7 +14494,7 @@
           <p:nvPr>
             <p:extLst>
               <p:ext uri="{386F3935-93C4-4BCD-93E2-E3B085C9AB24}">
-                <p16:designElem xmlns:p16="http://schemas.microsoft.com/office/powerpoint/2015/main" val="1"/>
+                <p16:designElem xmlns:p16="http://schemas.microsoft.com/office/powerpoint/2015/main" xmlns="" val="1"/>
               </p:ext>
             </p:extLst>
           </p:nvPr>
@@ -14260,10 +14541,10 @@
           <p:cNvPr id="111" name="Rectangle 110">
             <a:extLst>
               <a:ext uri="{FF2B5EF4-FFF2-40B4-BE49-F238E27FC236}">
-                <a16:creationId xmlns:a16="http://schemas.microsoft.com/office/drawing/2014/main" id="{1A9C0995-256A-4F90-97D6-FB8958A5D433}"/>
+                <a16:creationId xmlns:a16="http://schemas.microsoft.com/office/drawing/2014/main" xmlns="" id="{1A9C0995-256A-4F90-97D6-FB8958A5D433}"/>
               </a:ext>
               <a:ext uri="{C183D7F6-B498-43B3-948B-1728B52AA6E4}">
-                <adec:decorative xmlns:adec="http://schemas.microsoft.com/office/drawing/2017/decorative" val="1"/>
+                <adec:decorative xmlns:adec="http://schemas.microsoft.com/office/drawing/2017/decorative" xmlns="" val="1"/>
               </a:ext>
             </a:extLst>
           </p:cNvPr>
@@ -14273,7 +14554,7 @@
           <p:nvPr>
             <p:extLst>
               <p:ext uri="{386F3935-93C4-4BCD-93E2-E3B085C9AB24}">
-                <p16:designElem xmlns:p16="http://schemas.microsoft.com/office/powerpoint/2015/main" val="1"/>
+                <p16:designElem xmlns:p16="http://schemas.microsoft.com/office/powerpoint/2015/main" xmlns="" val="1"/>
               </p:ext>
             </p:extLst>
           </p:nvPr>
@@ -14326,10 +14607,10 @@
           <p:cNvPr id="113" name="Group 112">
             <a:extLst>
               <a:ext uri="{FF2B5EF4-FFF2-40B4-BE49-F238E27FC236}">
-                <a16:creationId xmlns:a16="http://schemas.microsoft.com/office/drawing/2014/main" id="{FE6B5D48-FE63-4E82-894D-09CE16989F2E}"/>
+                <a16:creationId xmlns:a16="http://schemas.microsoft.com/office/drawing/2014/main" xmlns="" id="{FE6B5D48-FE63-4E82-894D-09CE16989F2E}"/>
               </a:ext>
               <a:ext uri="{C183D7F6-B498-43B3-948B-1728B52AA6E4}">
-                <adec:decorative xmlns:adec="http://schemas.microsoft.com/office/drawing/2017/decorative" val="1"/>
+                <adec:decorative xmlns:adec="http://schemas.microsoft.com/office/drawing/2017/decorative" xmlns="" val="1"/>
               </a:ext>
             </a:extLst>
           </p:cNvPr>
@@ -14339,7 +14620,7 @@
           <p:nvPr>
             <p:extLst>
               <p:ext uri="{386F3935-93C4-4BCD-93E2-E3B085C9AB24}">
-                <p16:designElem xmlns:p16="http://schemas.microsoft.com/office/powerpoint/2015/main" val="1"/>
+                <p16:designElem xmlns:p16="http://schemas.microsoft.com/office/powerpoint/2015/main" xmlns="" val="1"/>
               </p:ext>
             </p:extLst>
           </p:nvPr>
@@ -14357,10 +14638,10 @@
             <p:cNvPr id="114" name="Group 113">
               <a:extLst>
                 <a:ext uri="{FF2B5EF4-FFF2-40B4-BE49-F238E27FC236}">
-                  <a16:creationId xmlns:a16="http://schemas.microsoft.com/office/drawing/2014/main" id="{3017B1A2-DA89-4D3A-B233-A1C3271F2A34}"/>
+                  <a16:creationId xmlns:a16="http://schemas.microsoft.com/office/drawing/2014/main" xmlns="" id="{3017B1A2-DA89-4D3A-B233-A1C3271F2A34}"/>
                 </a:ext>
                 <a:ext uri="{C183D7F6-B498-43B3-948B-1728B52AA6E4}">
-                  <adec:decorative xmlns:adec="http://schemas.microsoft.com/office/drawing/2017/decorative" val="1"/>
+                  <adec:decorative xmlns:adec="http://schemas.microsoft.com/office/drawing/2017/decorative" xmlns="" val="1"/>
                 </a:ext>
               </a:extLst>
             </p:cNvPr>
@@ -14368,7 +14649,7 @@
             <p:nvPr>
               <p:extLst>
                 <p:ext uri="{386F3935-93C4-4BCD-93E2-E3B085C9AB24}">
-                  <p16:designElem xmlns:p16="http://schemas.microsoft.com/office/powerpoint/2015/main" val="1"/>
+                  <p16:designElem xmlns:p16="http://schemas.microsoft.com/office/powerpoint/2015/main" xmlns="" val="1"/>
                 </p:ext>
               </p:extLst>
             </p:nvPr>
@@ -14386,10 +14667,10 @@
               <p:cNvPr id="116" name="Straight Connector 115">
                 <a:extLst>
                   <a:ext uri="{FF2B5EF4-FFF2-40B4-BE49-F238E27FC236}">
-                    <a16:creationId xmlns:a16="http://schemas.microsoft.com/office/drawing/2014/main" id="{FF9C4CB8-9D71-4AB7-9E59-0E8FE224DD45}"/>
+                    <a16:creationId xmlns:a16="http://schemas.microsoft.com/office/drawing/2014/main" xmlns="" id="{FF9C4CB8-9D71-4AB7-9E59-0E8FE224DD45}"/>
                   </a:ext>
                   <a:ext uri="{C183D7F6-B498-43B3-948B-1728B52AA6E4}">
-                    <adec:decorative xmlns:adec="http://schemas.microsoft.com/office/drawing/2017/decorative" val="1"/>
+                    <adec:decorative xmlns:adec="http://schemas.microsoft.com/office/drawing/2017/decorative" xmlns="" val="1"/>
                   </a:ext>
                 </a:extLst>
               </p:cNvPr>
@@ -14400,7 +14681,7 @@
               <p:nvPr>
                 <p:extLst>
                   <p:ext uri="{386F3935-93C4-4BCD-93E2-E3B085C9AB24}">
-                    <p16:designElem xmlns:p16="http://schemas.microsoft.com/office/powerpoint/2015/main" val="1"/>
+                    <p16:designElem xmlns:p16="http://schemas.microsoft.com/office/powerpoint/2015/main" xmlns="" val="1"/>
                   </p:ext>
                 </p:extLst>
               </p:nvPr>
@@ -14439,10 +14720,10 @@
               <p:cNvPr id="117" name="Freeform: Shape 116">
                 <a:extLst>
                   <a:ext uri="{FF2B5EF4-FFF2-40B4-BE49-F238E27FC236}">
-                    <a16:creationId xmlns:a16="http://schemas.microsoft.com/office/drawing/2014/main" id="{A238892C-E7D8-4544-841F-FBD2F840182B}"/>
+                    <a16:creationId xmlns:a16="http://schemas.microsoft.com/office/drawing/2014/main" xmlns="" id="{A238892C-E7D8-4544-841F-FBD2F840182B}"/>
                   </a:ext>
                   <a:ext uri="{C183D7F6-B498-43B3-948B-1728B52AA6E4}">
-                    <adec:decorative xmlns:adec="http://schemas.microsoft.com/office/drawing/2017/decorative" val="1"/>
+                    <adec:decorative xmlns:adec="http://schemas.microsoft.com/office/drawing/2017/decorative" xmlns="" val="1"/>
                   </a:ext>
                 </a:extLst>
               </p:cNvPr>
@@ -14450,7 +14731,7 @@
               <p:nvPr>
                 <p:extLst>
                   <p:ext uri="{386F3935-93C4-4BCD-93E2-E3B085C9AB24}">
-                    <p16:designElem xmlns:p16="http://schemas.microsoft.com/office/powerpoint/2015/main" val="1"/>
+                    <p16:designElem xmlns:p16="http://schemas.microsoft.com/office/powerpoint/2015/main" xmlns="" val="1"/>
                   </p:ext>
                 </p:extLst>
               </p:nvPr>
@@ -14586,10 +14867,10 @@
             <p:cNvPr id="115" name="Straight Connector 114">
               <a:extLst>
                 <a:ext uri="{FF2B5EF4-FFF2-40B4-BE49-F238E27FC236}">
-                  <a16:creationId xmlns:a16="http://schemas.microsoft.com/office/drawing/2014/main" id="{5CF30309-A046-44C0-AFCA-CF15CA03EE50}"/>
+                  <a16:creationId xmlns:a16="http://schemas.microsoft.com/office/drawing/2014/main" xmlns="" id="{5CF30309-A046-44C0-AFCA-CF15CA03EE50}"/>
                 </a:ext>
                 <a:ext uri="{C183D7F6-B498-43B3-948B-1728B52AA6E4}">
-                  <adec:decorative xmlns:adec="http://schemas.microsoft.com/office/drawing/2017/decorative" val="1"/>
+                  <adec:decorative xmlns:adec="http://schemas.microsoft.com/office/drawing/2017/decorative" xmlns="" val="1"/>
                 </a:ext>
               </a:extLst>
             </p:cNvPr>
@@ -14599,7 +14880,7 @@
             <p:nvPr>
               <p:extLst>
                 <p:ext uri="{386F3935-93C4-4BCD-93E2-E3B085C9AB24}">
-                  <p16:designElem xmlns:p16="http://schemas.microsoft.com/office/powerpoint/2015/main" val="1"/>
+                  <p16:designElem xmlns:p16="http://schemas.microsoft.com/office/powerpoint/2015/main" xmlns="" val="1"/>
                 </p:ext>
               </p:extLst>
             </p:nvPr>
@@ -14639,7 +14920,7 @@
           <p:cNvPr id="74" name="TextBox 36">
             <a:extLst>
               <a:ext uri="{FF2B5EF4-FFF2-40B4-BE49-F238E27FC236}">
-                <a16:creationId xmlns:a16="http://schemas.microsoft.com/office/drawing/2014/main" id="{EA05419B-B2A8-D798-3EA4-DA38D04B1028}"/>
+                <a16:creationId xmlns:a16="http://schemas.microsoft.com/office/drawing/2014/main" xmlns="" id="{EA05419B-B2A8-D798-3EA4-DA38D04B1028}"/>
               </a:ext>
             </a:extLst>
           </p:cNvPr>
@@ -14672,13 +14953,13 @@
   <p:clrMapOvr>
     <a:masterClrMapping/>
   </p:clrMapOvr>
-  <mc:AlternateContent xmlns:mc="http://schemas.openxmlformats.org/markup-compatibility/2006" xmlns:p159="http://schemas.microsoft.com/office/powerpoint/2015/09/main">
-    <mc:Choice Requires="p159">
+  <mc:AlternateContent xmlns:mc="http://schemas.openxmlformats.org/markup-compatibility/2006">
+    <mc:Choice xmlns:p159="http://schemas.microsoft.com/office/powerpoint/2015/09/main" xmlns="" Requires="p159">
       <p:transition xmlns:p14="http://schemas.microsoft.com/office/powerpoint/2010/main" spd="slow" p14:dur="2000">
         <p159:morph option="byObject"/>
       </p:transition>
     </mc:Choice>
-    <mc:Fallback xmlns="">
+    <mc:Fallback>
       <p:transition spd="slow">
         <p:fade/>
       </p:transition>
@@ -14709,7 +14990,7 @@
           <p:cNvPr id="4" name="TextBox 3">
             <a:extLst>
               <a:ext uri="{FF2B5EF4-FFF2-40B4-BE49-F238E27FC236}">
-                <a16:creationId xmlns:a16="http://schemas.microsoft.com/office/drawing/2014/main" id="{67D24924-2FB1-4CF0-BEB5-0DFDD367E5E2}"/>
+                <a16:creationId xmlns:a16="http://schemas.microsoft.com/office/drawing/2014/main" xmlns="" id="{67D24924-2FB1-4CF0-BEB5-0DFDD367E5E2}"/>
               </a:ext>
             </a:extLst>
           </p:cNvPr>
@@ -14866,13 +15147,13 @@
   <p:clrMapOvr>
     <a:masterClrMapping/>
   </p:clrMapOvr>
-  <mc:AlternateContent xmlns:mc="http://schemas.openxmlformats.org/markup-compatibility/2006" xmlns:p159="http://schemas.microsoft.com/office/powerpoint/2015/09/main">
-    <mc:Choice Requires="p159">
+  <mc:AlternateContent xmlns:mc="http://schemas.openxmlformats.org/markup-compatibility/2006">
+    <mc:Choice xmlns:p159="http://schemas.microsoft.com/office/powerpoint/2015/09/main" xmlns="" Requires="p159">
       <p:transition xmlns:p14="http://schemas.microsoft.com/office/powerpoint/2010/main" spd="slow" p14:dur="2000">
         <p159:morph option="byObject"/>
       </p:transition>
     </mc:Choice>
-    <mc:Fallback xmlns="">
+    <mc:Fallback>
       <p:transition spd="slow">
         <p:fade/>
       </p:transition>
@@ -14903,7 +15184,7 @@
           <p:cNvPr id="2" name="Title 1">
             <a:extLst>
               <a:ext uri="{FF2B5EF4-FFF2-40B4-BE49-F238E27FC236}">
-                <a16:creationId xmlns:a16="http://schemas.microsoft.com/office/drawing/2014/main" id="{42620F4D-4631-4A48-8ADE-631515C31238}"/>
+                <a16:creationId xmlns:a16="http://schemas.microsoft.com/office/drawing/2014/main" xmlns="" id="{42620F4D-4631-4A48-8ADE-631515C31238}"/>
               </a:ext>
             </a:extLst>
           </p:cNvPr>
@@ -14942,7 +15223,7 @@
           <p:cNvPr id="3" name="Content Placeholder 2">
             <a:extLst>
               <a:ext uri="{FF2B5EF4-FFF2-40B4-BE49-F238E27FC236}">
-                <a16:creationId xmlns:a16="http://schemas.microsoft.com/office/drawing/2014/main" id="{F2B0F139-C889-4FD7-BB28-66C4ECEA478C}"/>
+                <a16:creationId xmlns:a16="http://schemas.microsoft.com/office/drawing/2014/main" xmlns="" id="{F2B0F139-C889-4FD7-BB28-66C4ECEA478C}"/>
               </a:ext>
             </a:extLst>
           </p:cNvPr>
@@ -15203,13 +15484,13 @@
   <p:clrMapOvr>
     <a:masterClrMapping/>
   </p:clrMapOvr>
-  <mc:AlternateContent xmlns:mc="http://schemas.openxmlformats.org/markup-compatibility/2006" xmlns:p159="http://schemas.microsoft.com/office/powerpoint/2015/09/main">
-    <mc:Choice Requires="p159">
+  <mc:AlternateContent xmlns:mc="http://schemas.openxmlformats.org/markup-compatibility/2006">
+    <mc:Choice xmlns:p159="http://schemas.microsoft.com/office/powerpoint/2015/09/main" xmlns="" Requires="p159">
       <p:transition xmlns:p14="http://schemas.microsoft.com/office/powerpoint/2010/main" spd="slow" p14:dur="2000">
         <p159:morph option="byObject"/>
       </p:transition>
     </mc:Choice>
-    <mc:Fallback xmlns="">
+    <mc:Fallback>
       <p:transition spd="slow">
         <p:fade/>
       </p:transition>
